--- a/Documentos/PM/presentación_hito1.pptx
+++ b/Documentos/PM/presentación_hito1.pptx
@@ -2,16 +2,17 @@
 <file path=ppt/presentation.xml><?xml version="1.0" encoding="utf-8"?>
 <p:presentation xmlns:a="http://schemas.openxmlformats.org/drawingml/2006/main" xmlns:r="http://schemas.openxmlformats.org/officeDocument/2006/relationships" xmlns:p="http://schemas.openxmlformats.org/presentationml/2006/main" saveSubsetFonts="1" autoCompressPictures="0">
   <p:sldMasterIdLst>
-    <p:sldMasterId id="2147484455" r:id="rId1"/>
+    <p:sldMasterId id="2147484472" r:id="rId1"/>
   </p:sldMasterIdLst>
   <p:notesMasterIdLst>
-    <p:notesMasterId r:id="rId6"/>
+    <p:notesMasterId r:id="rId7"/>
   </p:notesMasterIdLst>
   <p:sldIdLst>
     <p:sldId id="256" r:id="rId2"/>
     <p:sldId id="259" r:id="rId3"/>
-    <p:sldId id="258" r:id="rId4"/>
-    <p:sldId id="260" r:id="rId5"/>
+    <p:sldId id="260" r:id="rId4"/>
+    <p:sldId id="258" r:id="rId5"/>
+    <p:sldId id="261" r:id="rId6"/>
   </p:sldIdLst>
   <p:sldSz cx="12192000" cy="6858000"/>
   <p:notesSz cx="6858000" cy="9144000"/>
@@ -110,6 +111,11 @@
       </a:defRPr>
     </a:lvl9pPr>
   </p:defaultTextStyle>
+  <p:extLst>
+    <p:ext uri="{EFAFB233-063F-42B5-8137-9DF3F51BA10A}">
+      <p15:sldGuideLst xmlns:p15="http://schemas.microsoft.com/office/powerpoint/2012/main"/>
+    </p:ext>
+  </p:extLst>
 </p:presentation>
 </file>
 
@@ -464,8 +470,13 @@
 </file>
 
 <file path=ppt/slideLayouts/slideLayout1.xml><?xml version="1.0" encoding="utf-8"?>
-<p:sldLayout xmlns:a="http://schemas.openxmlformats.org/drawingml/2006/main" xmlns:r="http://schemas.openxmlformats.org/officeDocument/2006/relationships" xmlns:p="http://schemas.openxmlformats.org/presentationml/2006/main" showMasterSp="0" type="title" preserve="1">
+<p:sldLayout xmlns:a="http://schemas.openxmlformats.org/drawingml/2006/main" xmlns:r="http://schemas.openxmlformats.org/officeDocument/2006/relationships" xmlns:p="http://schemas.openxmlformats.org/presentationml/2006/main" type="title" preserve="1">
   <p:cSld name="Diapositiva de título">
+    <p:bg>
+      <p:bgRef idx="1003">
+        <a:schemeClr val="bg2"/>
+      </p:bgRef>
+    </p:bg>
     <p:spTree>
       <p:nvGrpSpPr>
         <p:cNvPr id="1" name=""/>
@@ -480,585 +491,60 @@
           <a:chExt cx="0" cy="0"/>
         </a:xfrm>
       </p:grpSpPr>
-      <p:grpSp>
-        <p:nvGrpSpPr>
-          <p:cNvPr id="16" name="Group 15"/>
-          <p:cNvGrpSpPr/>
+      <p:pic>
+        <p:nvPicPr>
+          <p:cNvPr id="7" name="Picture 6" descr="Celestia-R1---OverlayTitleHD.png"/>
+          <p:cNvPicPr>
+            <a:picLocks noChangeAspect="1"/>
+          </p:cNvPicPr>
           <p:nvPr/>
-        </p:nvGrpSpPr>
-        <p:grpSpPr>
-          <a:xfrm>
-            <a:off x="0" y="-8467"/>
-            <a:ext cx="12192000" cy="6866467"/>
-            <a:chOff x="0" y="-8467"/>
-            <a:chExt cx="12192000" cy="6866467"/>
-          </a:xfrm>
-        </p:grpSpPr>
-        <p:sp>
-          <p:nvSpPr>
-            <p:cNvPr id="15" name="Freeform 14"/>
-            <p:cNvSpPr/>
-            <p:nvPr/>
-          </p:nvSpPr>
-          <p:spPr>
-            <a:xfrm>
-              <a:off x="0" y="-7862"/>
-              <a:ext cx="863600" cy="5698067"/>
-            </a:xfrm>
-            <a:custGeom>
-              <a:avLst/>
-              <a:gdLst/>
-              <a:ahLst/>
-              <a:cxnLst/>
-              <a:rect l="l" t="t" r="r" b="b"/>
-              <a:pathLst>
-                <a:path w="863600" h="5698067">
-                  <a:moveTo>
-                    <a:pt x="0" y="8467"/>
-                  </a:moveTo>
-                  <a:lnTo>
-                    <a:pt x="863600" y="0"/>
-                  </a:lnTo>
-                  <a:lnTo>
-                    <a:pt x="863600" y="16934"/>
-                  </a:lnTo>
-                  <a:lnTo>
-                    <a:pt x="0" y="5698067"/>
-                  </a:lnTo>
-                  <a:lnTo>
-                    <a:pt x="0" y="8467"/>
-                  </a:lnTo>
-                  <a:close/>
-                </a:path>
-              </a:pathLst>
-            </a:custGeom>
-            <a:solidFill>
-              <a:schemeClr val="accent1">
-                <a:alpha val="70000"/>
-              </a:schemeClr>
-            </a:solidFill>
-            <a:ln>
-              <a:noFill/>
-            </a:ln>
-            <a:effectLst/>
-          </p:spPr>
-          <p:style>
-            <a:lnRef idx="1">
-              <a:schemeClr val="accent1"/>
-            </a:lnRef>
-            <a:fillRef idx="3">
-              <a:schemeClr val="accent1"/>
-            </a:fillRef>
-            <a:effectRef idx="2">
-              <a:schemeClr val="accent1"/>
-            </a:effectRef>
-            <a:fontRef idx="minor">
-              <a:schemeClr val="lt1"/>
-            </a:fontRef>
-          </p:style>
-        </p:sp>
-        <p:cxnSp>
-          <p:nvCxnSpPr>
-            <p:cNvPr id="19" name="Straight Connector 18"/>
-            <p:cNvCxnSpPr/>
-            <p:nvPr/>
-          </p:nvCxnSpPr>
-          <p:spPr>
-            <a:xfrm>
-              <a:off x="9371012" y="0"/>
-              <a:ext cx="1219200" cy="6858000"/>
-            </a:xfrm>
-            <a:prstGeom prst="line">
-              <a:avLst/>
-            </a:prstGeom>
-            <a:ln w="9525">
-              <a:solidFill>
-                <a:schemeClr val="accent1">
-                  <a:alpha val="70000"/>
-                </a:schemeClr>
-              </a:solidFill>
-            </a:ln>
-          </p:spPr>
-          <p:style>
-            <a:lnRef idx="2">
-              <a:schemeClr val="accent1"/>
-            </a:lnRef>
-            <a:fillRef idx="0">
-              <a:schemeClr val="accent1"/>
-            </a:fillRef>
-            <a:effectRef idx="1">
-              <a:schemeClr val="accent1"/>
-            </a:effectRef>
-            <a:fontRef idx="minor">
-              <a:schemeClr val="tx1"/>
-            </a:fontRef>
-          </p:style>
-        </p:cxnSp>
-        <p:cxnSp>
-          <p:nvCxnSpPr>
-            <p:cNvPr id="20" name="Straight Connector 19"/>
-            <p:cNvCxnSpPr/>
-            <p:nvPr/>
-          </p:nvCxnSpPr>
-          <p:spPr>
-            <a:xfrm flipH="1">
-              <a:off x="7425267" y="3681413"/>
-              <a:ext cx="4763558" cy="3176587"/>
-            </a:xfrm>
-            <a:prstGeom prst="line">
-              <a:avLst/>
-            </a:prstGeom>
-            <a:ln w="9525">
-              <a:solidFill>
-                <a:schemeClr val="accent1">
-                  <a:alpha val="70000"/>
-                </a:schemeClr>
-              </a:solidFill>
-            </a:ln>
-          </p:spPr>
-          <p:style>
-            <a:lnRef idx="2">
-              <a:schemeClr val="accent1"/>
-            </a:lnRef>
-            <a:fillRef idx="0">
-              <a:schemeClr val="accent1"/>
-            </a:fillRef>
-            <a:effectRef idx="1">
-              <a:schemeClr val="accent1"/>
-            </a:effectRef>
-            <a:fontRef idx="minor">
-              <a:schemeClr val="tx1"/>
-            </a:fontRef>
-          </p:style>
-        </p:cxnSp>
-        <p:sp>
-          <p:nvSpPr>
-            <p:cNvPr id="21" name="Rectangle 23"/>
-            <p:cNvSpPr/>
-            <p:nvPr/>
-          </p:nvSpPr>
-          <p:spPr>
-            <a:xfrm>
-              <a:off x="9181476" y="-8467"/>
-              <a:ext cx="3007349" cy="6866467"/>
-            </a:xfrm>
-            <a:custGeom>
-              <a:avLst/>
-              <a:gdLst/>
-              <a:ahLst/>
-              <a:cxnLst/>
-              <a:rect l="l" t="t" r="r" b="b"/>
-              <a:pathLst>
-                <a:path w="3007349" h="6866467">
-                  <a:moveTo>
-                    <a:pt x="2045532" y="0"/>
-                  </a:moveTo>
-                  <a:lnTo>
-                    <a:pt x="3007349" y="0"/>
-                  </a:lnTo>
-                  <a:lnTo>
-                    <a:pt x="3007349" y="6866467"/>
-                  </a:lnTo>
-                  <a:lnTo>
-                    <a:pt x="0" y="6866467"/>
-                  </a:lnTo>
-                  <a:lnTo>
-                    <a:pt x="2045532" y="0"/>
-                  </a:lnTo>
-                  <a:close/>
-                </a:path>
-              </a:pathLst>
-            </a:custGeom>
-            <a:solidFill>
-              <a:schemeClr val="accent1">
-                <a:alpha val="36000"/>
-              </a:schemeClr>
-            </a:solidFill>
-            <a:ln>
-              <a:noFill/>
-            </a:ln>
-            <a:effectLst/>
-          </p:spPr>
-          <p:style>
-            <a:lnRef idx="1">
-              <a:schemeClr val="accent1"/>
-            </a:lnRef>
-            <a:fillRef idx="3">
-              <a:schemeClr val="accent1"/>
-            </a:fillRef>
-            <a:effectRef idx="2">
-              <a:schemeClr val="accent1"/>
-            </a:effectRef>
-            <a:fontRef idx="minor">
-              <a:schemeClr val="lt1"/>
-            </a:fontRef>
-          </p:style>
-        </p:sp>
-        <p:sp>
-          <p:nvSpPr>
-            <p:cNvPr id="22" name="Rectangle 25"/>
-            <p:cNvSpPr/>
-            <p:nvPr/>
-          </p:nvSpPr>
-          <p:spPr>
-            <a:xfrm>
-              <a:off x="9603442" y="-8467"/>
-              <a:ext cx="2588558" cy="6866467"/>
-            </a:xfrm>
-            <a:custGeom>
-              <a:avLst/>
-              <a:gdLst/>
-              <a:ahLst/>
-              <a:cxnLst/>
-              <a:rect l="l" t="t" r="r" b="b"/>
-              <a:pathLst>
-                <a:path w="2573311" h="6866467">
-                  <a:moveTo>
-                    <a:pt x="0" y="0"/>
-                  </a:moveTo>
-                  <a:lnTo>
-                    <a:pt x="2573311" y="0"/>
-                  </a:lnTo>
-                  <a:lnTo>
-                    <a:pt x="2573311" y="6866467"/>
-                  </a:lnTo>
-                  <a:lnTo>
-                    <a:pt x="1202336" y="6866467"/>
-                  </a:lnTo>
-                  <a:lnTo>
-                    <a:pt x="0" y="0"/>
-                  </a:lnTo>
-                  <a:close/>
-                </a:path>
-              </a:pathLst>
-            </a:custGeom>
-            <a:solidFill>
-              <a:schemeClr val="accent1">
-                <a:alpha val="20000"/>
-              </a:schemeClr>
-            </a:solidFill>
-            <a:ln>
-              <a:noFill/>
-            </a:ln>
-            <a:effectLst/>
-          </p:spPr>
-          <p:style>
-            <a:lnRef idx="1">
-              <a:schemeClr val="accent1"/>
-            </a:lnRef>
-            <a:fillRef idx="3">
-              <a:schemeClr val="accent1"/>
-            </a:fillRef>
-            <a:effectRef idx="2">
-              <a:schemeClr val="accent1"/>
-            </a:effectRef>
-            <a:fontRef idx="minor">
-              <a:schemeClr val="lt1"/>
-            </a:fontRef>
-          </p:style>
-        </p:sp>
-        <p:sp>
-          <p:nvSpPr>
-            <p:cNvPr id="23" name="Isosceles Triangle 22"/>
-            <p:cNvSpPr/>
-            <p:nvPr/>
-          </p:nvSpPr>
-          <p:spPr>
-            <a:xfrm>
-              <a:off x="8932333" y="3048000"/>
-              <a:ext cx="3259667" cy="3810000"/>
-            </a:xfrm>
-            <a:prstGeom prst="triangle">
-              <a:avLst>
-                <a:gd name="adj" fmla="val 100000"/>
-              </a:avLst>
-            </a:prstGeom>
-            <a:solidFill>
-              <a:schemeClr val="accent1">
-                <a:lumMod val="75000"/>
-                <a:alpha val="66000"/>
-              </a:schemeClr>
-            </a:solidFill>
-            <a:ln>
-              <a:noFill/>
-            </a:ln>
-            <a:effectLst/>
-          </p:spPr>
-          <p:style>
-            <a:lnRef idx="1">
-              <a:schemeClr val="accent1"/>
-            </a:lnRef>
-            <a:fillRef idx="3">
-              <a:schemeClr val="accent1"/>
-            </a:fillRef>
-            <a:effectRef idx="2">
-              <a:schemeClr val="accent1"/>
-            </a:effectRef>
-            <a:fontRef idx="minor">
-              <a:schemeClr val="lt1"/>
-            </a:fontRef>
-          </p:style>
-        </p:sp>
-        <p:sp>
-          <p:nvSpPr>
-            <p:cNvPr id="24" name="Rectangle 27"/>
-            <p:cNvSpPr/>
-            <p:nvPr/>
-          </p:nvSpPr>
-          <p:spPr>
-            <a:xfrm>
-              <a:off x="9334500" y="-8467"/>
-              <a:ext cx="2854326" cy="6866467"/>
-            </a:xfrm>
-            <a:custGeom>
-              <a:avLst/>
-              <a:gdLst/>
-              <a:ahLst/>
-              <a:cxnLst/>
-              <a:rect l="l" t="t" r="r" b="b"/>
-              <a:pathLst>
-                <a:path w="2858013" h="6866467">
-                  <a:moveTo>
-                    <a:pt x="0" y="0"/>
-                  </a:moveTo>
-                  <a:lnTo>
-                    <a:pt x="2858013" y="0"/>
-                  </a:lnTo>
-                  <a:lnTo>
-                    <a:pt x="2858013" y="6866467"/>
-                  </a:lnTo>
-                  <a:lnTo>
-                    <a:pt x="2473942" y="6866467"/>
-                  </a:lnTo>
-                  <a:lnTo>
-                    <a:pt x="0" y="0"/>
-                  </a:lnTo>
-                  <a:close/>
-                </a:path>
-              </a:pathLst>
-            </a:custGeom>
-            <a:solidFill>
-              <a:schemeClr val="accent1">
-                <a:lumMod val="75000"/>
-                <a:alpha val="50000"/>
-              </a:schemeClr>
-            </a:solidFill>
-            <a:ln>
-              <a:noFill/>
-            </a:ln>
-            <a:effectLst/>
-          </p:spPr>
-          <p:style>
-            <a:lnRef idx="1">
-              <a:schemeClr val="accent1"/>
-            </a:lnRef>
-            <a:fillRef idx="3">
-              <a:schemeClr val="accent1"/>
-            </a:fillRef>
-            <a:effectRef idx="2">
-              <a:schemeClr val="accent1"/>
-            </a:effectRef>
-            <a:fontRef idx="minor">
-              <a:schemeClr val="lt1"/>
-            </a:fontRef>
-          </p:style>
-        </p:sp>
-        <p:sp>
-          <p:nvSpPr>
-            <p:cNvPr id="25" name="Rectangle 28"/>
-            <p:cNvSpPr/>
-            <p:nvPr/>
-          </p:nvSpPr>
-          <p:spPr>
-            <a:xfrm>
-              <a:off x="10898730" y="-8467"/>
-              <a:ext cx="1290094" cy="6866467"/>
-            </a:xfrm>
-            <a:custGeom>
-              <a:avLst/>
-              <a:gdLst/>
-              <a:ahLst/>
-              <a:cxnLst/>
-              <a:rect l="l" t="t" r="r" b="b"/>
-              <a:pathLst>
-                <a:path w="1290094" h="6858000">
-                  <a:moveTo>
-                    <a:pt x="1019735" y="0"/>
-                  </a:moveTo>
-                  <a:lnTo>
-                    <a:pt x="1290094" y="0"/>
-                  </a:lnTo>
-                  <a:lnTo>
-                    <a:pt x="1290094" y="6858000"/>
-                  </a:lnTo>
-                  <a:lnTo>
-                    <a:pt x="0" y="6858000"/>
-                  </a:lnTo>
-                  <a:lnTo>
-                    <a:pt x="1019735" y="0"/>
-                  </a:lnTo>
-                  <a:close/>
-                </a:path>
-              </a:pathLst>
-            </a:custGeom>
-            <a:solidFill>
-              <a:schemeClr val="accent2">
-                <a:alpha val="70000"/>
-              </a:schemeClr>
-            </a:solidFill>
-            <a:ln>
-              <a:noFill/>
-            </a:ln>
-            <a:effectLst/>
-          </p:spPr>
-          <p:style>
-            <a:lnRef idx="1">
-              <a:schemeClr val="accent1"/>
-            </a:lnRef>
-            <a:fillRef idx="3">
-              <a:schemeClr val="accent1"/>
-            </a:fillRef>
-            <a:effectRef idx="2">
-              <a:schemeClr val="accent1"/>
-            </a:effectRef>
-            <a:fontRef idx="minor">
-              <a:schemeClr val="lt1"/>
-            </a:fontRef>
-          </p:style>
-        </p:sp>
-        <p:sp>
-          <p:nvSpPr>
-            <p:cNvPr id="26" name="Rectangle 29"/>
-            <p:cNvSpPr/>
-            <p:nvPr/>
-          </p:nvSpPr>
-          <p:spPr>
-            <a:xfrm>
-              <a:off x="10938999" y="-8467"/>
-              <a:ext cx="1249825" cy="6866467"/>
-            </a:xfrm>
-            <a:custGeom>
-              <a:avLst/>
-              <a:gdLst/>
-              <a:ahLst/>
-              <a:cxnLst/>
-              <a:rect l="l" t="t" r="r" b="b"/>
-              <a:pathLst>
-                <a:path w="1249825" h="6858000">
-                  <a:moveTo>
-                    <a:pt x="0" y="0"/>
-                  </a:moveTo>
-                  <a:lnTo>
-                    <a:pt x="1249825" y="0"/>
-                  </a:lnTo>
-                  <a:lnTo>
-                    <a:pt x="1249825" y="6858000"/>
-                  </a:lnTo>
-                  <a:lnTo>
-                    <a:pt x="1109382" y="6858000"/>
-                  </a:lnTo>
-                  <a:lnTo>
-                    <a:pt x="0" y="0"/>
-                  </a:lnTo>
-                  <a:close/>
-                </a:path>
-              </a:pathLst>
-            </a:custGeom>
-            <a:solidFill>
-              <a:schemeClr val="accent2">
-                <a:lumMod val="75000"/>
-                <a:alpha val="80000"/>
-              </a:schemeClr>
-            </a:solidFill>
-            <a:ln>
-              <a:noFill/>
-            </a:ln>
-            <a:effectLst/>
-          </p:spPr>
-          <p:style>
-            <a:lnRef idx="1">
-              <a:schemeClr val="accent1"/>
-            </a:lnRef>
-            <a:fillRef idx="3">
-              <a:schemeClr val="accent1"/>
-            </a:fillRef>
-            <a:effectRef idx="2">
-              <a:schemeClr val="accent1"/>
-            </a:effectRef>
-            <a:fontRef idx="minor">
-              <a:schemeClr val="lt1"/>
-            </a:fontRef>
-          </p:style>
-        </p:sp>
-        <p:sp>
-          <p:nvSpPr>
-            <p:cNvPr id="27" name="Isosceles Triangle 26"/>
-            <p:cNvSpPr/>
-            <p:nvPr/>
-          </p:nvSpPr>
-          <p:spPr>
-            <a:xfrm>
-              <a:off x="10371666" y="3589867"/>
-              <a:ext cx="1817159" cy="3268133"/>
-            </a:xfrm>
-            <a:prstGeom prst="triangle">
-              <a:avLst>
-                <a:gd name="adj" fmla="val 100000"/>
-              </a:avLst>
-            </a:prstGeom>
-            <a:solidFill>
-              <a:schemeClr val="accent1">
-                <a:lumMod val="75000"/>
-                <a:alpha val="66000"/>
-              </a:schemeClr>
-            </a:solidFill>
-            <a:ln>
-              <a:noFill/>
-            </a:ln>
-            <a:effectLst/>
-          </p:spPr>
-          <p:style>
-            <a:lnRef idx="1">
-              <a:schemeClr val="accent1"/>
-            </a:lnRef>
-            <a:fillRef idx="3">
-              <a:schemeClr val="accent1"/>
-            </a:fillRef>
-            <a:effectRef idx="2">
-              <a:schemeClr val="accent1"/>
-            </a:effectRef>
-            <a:fontRef idx="minor">
-              <a:schemeClr val="lt1"/>
-            </a:fontRef>
-          </p:style>
-        </p:sp>
-      </p:grpSp>
-      <p:sp>
-        <p:nvSpPr>
-          <p:cNvPr id="2" name="Title 1"/>
-          <p:cNvSpPr>
-            <a:spLocks noGrp="1"/>
-          </p:cNvSpPr>
-          <p:nvPr>
-            <p:ph type="ctrTitle"/>
-          </p:nvPr>
-        </p:nvSpPr>
+        </p:nvPicPr>
+        <p:blipFill>
+          <a:blip r:embed="rId2">
+            <a:extLst>
+              <a:ext uri="{28A0092B-C50C-407E-A947-70E740481C1C}">
+                <a14:useLocalDpi xmlns:a14="http://schemas.microsoft.com/office/drawing/2010/main" val="0"/>
+              </a:ext>
+            </a:extLst>
+          </a:blip>
+          <a:stretch>
+            <a:fillRect/>
+          </a:stretch>
+        </p:blipFill>
         <p:spPr>
           <a:xfrm>
-            <a:off x="1507067" y="2404534"/>
-            <a:ext cx="7766936" cy="1646302"/>
+            <a:off x="0" y="0"/>
+            <a:ext cx="12188825" cy="6856214"/>
+          </a:xfrm>
+          <a:prstGeom prst="rect">
+            <a:avLst/>
+          </a:prstGeom>
+        </p:spPr>
+      </p:pic>
+      <p:sp>
+        <p:nvSpPr>
+          <p:cNvPr id="2" name="Title 1"/>
+          <p:cNvSpPr>
+            <a:spLocks noGrp="1"/>
+          </p:cNvSpPr>
+          <p:nvPr>
+            <p:ph type="ctrTitle"/>
+          </p:nvPr>
+        </p:nvSpPr>
+        <p:spPr>
+          <a:xfrm>
+            <a:off x="3962399" y="1964267"/>
+            <a:ext cx="7197726" cy="2421464"/>
           </a:xfrm>
         </p:spPr>
         <p:txBody>
           <a:bodyPr anchor="b">
-            <a:noAutofit/>
+            <a:normAutofit/>
           </a:bodyPr>
           <a:lstStyle>
             <a:lvl1pPr algn="r">
-              <a:defRPr sz="5400">
-                <a:solidFill>
-                  <a:schemeClr val="accent1"/>
-                </a:solidFill>
+              <a:defRPr sz="4800">
+                <a:effectLst/>
               </a:defRPr>
             </a:lvl1pPr>
           </a:lstStyle>
@@ -1083,21 +569,20 @@
         </p:nvSpPr>
         <p:spPr>
           <a:xfrm>
-            <a:off x="1507067" y="4050833"/>
-            <a:ext cx="7766936" cy="1096899"/>
+            <a:off x="3962399" y="4385732"/>
+            <a:ext cx="7197726" cy="1405467"/>
           </a:xfrm>
         </p:spPr>
         <p:txBody>
-          <a:bodyPr anchor="t"/>
+          <a:bodyPr anchor="t">
+            <a:normAutofit/>
+          </a:bodyPr>
           <a:lstStyle>
             <a:lvl1pPr marL="0" indent="0" algn="r">
               <a:buNone/>
-              <a:defRPr>
-                <a:solidFill>
-                  <a:schemeClr val="tx1">
-                    <a:lumMod val="50000"/>
-                    <a:lumOff val="50000"/>
-                  </a:schemeClr>
+              <a:defRPr sz="1800" cap="all">
+                <a:solidFill>
+                  <a:schemeClr val="tx1"/>
                 </a:solidFill>
               </a:defRPr>
             </a:lvl1pPr>
@@ -1201,7 +686,12 @@
             <p:ph type="dt" sz="half" idx="10"/>
           </p:nvPr>
         </p:nvSpPr>
-        <p:spPr/>
+        <p:spPr>
+          <a:xfrm>
+            <a:off x="8932558" y="5870575"/>
+            <a:ext cx="1600200" cy="377825"/>
+          </a:xfrm>
+        </p:spPr>
         <p:txBody>
           <a:bodyPr/>
           <a:lstStyle/>
@@ -1225,7 +715,12 @@
             <p:ph type="ftr" sz="quarter" idx="11"/>
           </p:nvPr>
         </p:nvSpPr>
-        <p:spPr/>
+        <p:spPr>
+          <a:xfrm>
+            <a:off x="3962399" y="5870575"/>
+            <a:ext cx="4893958" cy="377825"/>
+          </a:xfrm>
+        </p:spPr>
         <p:txBody>
           <a:bodyPr/>
           <a:lstStyle/>
@@ -1244,7 +739,12 @@
             <p:ph type="sldNum" sz="quarter" idx="12"/>
           </p:nvPr>
         </p:nvSpPr>
-        <p:spPr/>
+        <p:spPr>
+          <a:xfrm>
+            <a:off x="10608958" y="5870575"/>
+            <a:ext cx="551167" cy="377825"/>
+          </a:xfrm>
+        </p:spPr>
         <p:txBody>
           <a:bodyPr/>
           <a:lstStyle/>
@@ -1261,7 +761,7 @@
     </p:spTree>
   </p:cSld>
   <p:clrMapOvr>
-    <a:masterClrMapping/>
+    <a:overrideClrMapping bg1="dk1" tx1="lt1" bg2="dk2" tx2="lt2" accent1="accent1" accent2="accent2" accent3="accent3" accent4="accent4" accent5="accent5" accent6="accent6" hlink="hlink" folHlink="folHlink"/>
   </p:clrMapOvr>
   <p:extLst>
     <p:ext uri="{DCECCB84-F9BA-43D5-87BE-67443E8EF086}">
@@ -1272,6 +772,327 @@
 </file>
 
 <file path=ppt/slideLayouts/slideLayout10.xml><?xml version="1.0" encoding="utf-8"?>
+<p:sldLayout xmlns:a="http://schemas.openxmlformats.org/drawingml/2006/main" xmlns:r="http://schemas.openxmlformats.org/officeDocument/2006/relationships" xmlns:p="http://schemas.openxmlformats.org/presentationml/2006/main" preserve="1">
+  <p:cSld name="Imagen panorámica con descripción">
+    <p:spTree>
+      <p:nvGrpSpPr>
+        <p:cNvPr id="1" name=""/>
+        <p:cNvGrpSpPr/>
+        <p:nvPr/>
+      </p:nvGrpSpPr>
+      <p:grpSpPr>
+        <a:xfrm>
+          <a:off x="0" y="0"/>
+          <a:ext cx="0" cy="0"/>
+          <a:chOff x="0" y="0"/>
+          <a:chExt cx="0" cy="0"/>
+        </a:xfrm>
+      </p:grpSpPr>
+      <p:pic>
+        <p:nvPicPr>
+          <p:cNvPr id="8" name="Picture 7" descr="Celestia-R1---OverlayContentHD.png"/>
+          <p:cNvPicPr>
+            <a:picLocks noChangeAspect="1"/>
+          </p:cNvPicPr>
+          <p:nvPr/>
+        </p:nvPicPr>
+        <p:blipFill>
+          <a:blip r:embed="rId2">
+            <a:extLst>
+              <a:ext uri="{28A0092B-C50C-407E-A947-70E740481C1C}">
+                <a14:useLocalDpi xmlns:a14="http://schemas.microsoft.com/office/drawing/2010/main" val="0"/>
+              </a:ext>
+            </a:extLst>
+          </a:blip>
+          <a:stretch>
+            <a:fillRect/>
+          </a:stretch>
+        </p:blipFill>
+        <p:spPr>
+          <a:xfrm>
+            <a:off x="0" y="0"/>
+            <a:ext cx="12188825" cy="6856214"/>
+          </a:xfrm>
+          <a:prstGeom prst="rect">
+            <a:avLst/>
+          </a:prstGeom>
+        </p:spPr>
+      </p:pic>
+      <p:sp>
+        <p:nvSpPr>
+          <p:cNvPr id="2" name="Title 1"/>
+          <p:cNvSpPr>
+            <a:spLocks noGrp="1"/>
+          </p:cNvSpPr>
+          <p:nvPr>
+            <p:ph type="title"/>
+          </p:nvPr>
+        </p:nvSpPr>
+        <p:spPr>
+          <a:xfrm>
+            <a:off x="685800" y="4732865"/>
+            <a:ext cx="10131427" cy="566738"/>
+          </a:xfrm>
+        </p:spPr>
+        <p:txBody>
+          <a:bodyPr anchor="b">
+            <a:normAutofit/>
+          </a:bodyPr>
+          <a:lstStyle>
+            <a:lvl1pPr algn="l">
+              <a:defRPr sz="2400" b="0"/>
+            </a:lvl1pPr>
+          </a:lstStyle>
+          <a:p>
+            <a:r>
+              <a:rPr lang="es-ES_tradnl" smtClean="0"/>
+              <a:t>Clic para editar título</a:t>
+            </a:r>
+            <a:endParaRPr lang="en-US" dirty="0"/>
+          </a:p>
+        </p:txBody>
+      </p:sp>
+      <p:sp>
+        <p:nvSpPr>
+          <p:cNvPr id="3" name="Picture Placeholder 2"/>
+          <p:cNvSpPr>
+            <a:spLocks noGrp="1" noChangeAspect="1"/>
+          </p:cNvSpPr>
+          <p:nvPr>
+            <p:ph type="pic" idx="1"/>
+          </p:nvPr>
+        </p:nvSpPr>
+        <p:spPr>
+          <a:xfrm>
+            <a:off x="1371600" y="932112"/>
+            <a:ext cx="8759827" cy="3164976"/>
+          </a:xfrm>
+          <a:prstGeom prst="roundRect">
+            <a:avLst>
+              <a:gd name="adj" fmla="val 4380"/>
+            </a:avLst>
+          </a:prstGeom>
+          <a:ln w="50800" cap="sq" cmpd="dbl">
+            <a:gradFill flip="none" rotWithShape="1">
+              <a:gsLst>
+                <a:gs pos="0">
+                  <a:srgbClr val="FFFFFF"/>
+                </a:gs>
+                <a:gs pos="100000">
+                  <a:schemeClr val="tx1">
+                    <a:alpha val="0"/>
+                  </a:schemeClr>
+                </a:gs>
+              </a:gsLst>
+              <a:path path="circle">
+                <a:fillToRect l="50000" t="50000" r="50000" b="50000"/>
+              </a:path>
+              <a:tileRect/>
+            </a:gradFill>
+            <a:miter lim="800000"/>
+          </a:ln>
+          <a:effectLst>
+            <a:outerShdw blurRad="254000" algn="tl" rotWithShape="0">
+              <a:srgbClr val="000000">
+                <a:alpha val="43000"/>
+              </a:srgbClr>
+            </a:outerShdw>
+          </a:effectLst>
+        </p:spPr>
+        <p:txBody>
+          <a:bodyPr anchor="t">
+            <a:normAutofit/>
+          </a:bodyPr>
+          <a:lstStyle>
+            <a:lvl1pPr marL="0" indent="0" algn="ctr">
+              <a:buNone/>
+              <a:defRPr sz="1600"/>
+            </a:lvl1pPr>
+            <a:lvl2pPr marL="457200" indent="0">
+              <a:buNone/>
+              <a:defRPr sz="1600"/>
+            </a:lvl2pPr>
+            <a:lvl3pPr marL="914400" indent="0">
+              <a:buNone/>
+              <a:defRPr sz="1600"/>
+            </a:lvl3pPr>
+            <a:lvl4pPr marL="1371600" indent="0">
+              <a:buNone/>
+              <a:defRPr sz="1600"/>
+            </a:lvl4pPr>
+            <a:lvl5pPr marL="1828800" indent="0">
+              <a:buNone/>
+              <a:defRPr sz="1600"/>
+            </a:lvl5pPr>
+            <a:lvl6pPr marL="2286000" indent="0">
+              <a:buNone/>
+              <a:defRPr sz="1600"/>
+            </a:lvl6pPr>
+            <a:lvl7pPr marL="2743200" indent="0">
+              <a:buNone/>
+              <a:defRPr sz="1600"/>
+            </a:lvl7pPr>
+            <a:lvl8pPr marL="3200400" indent="0">
+              <a:buNone/>
+              <a:defRPr sz="1600"/>
+            </a:lvl8pPr>
+            <a:lvl9pPr marL="3657600" indent="0">
+              <a:buNone/>
+              <a:defRPr sz="1600"/>
+            </a:lvl9pPr>
+          </a:lstStyle>
+          <a:p>
+            <a:r>
+              <a:rPr lang="es-ES_tradnl" smtClean="0"/>
+              <a:t>Arrastre la imagen al marcador de posición o haga clic en el icono para agregarla</a:t>
+            </a:r>
+            <a:endParaRPr lang="en-US" dirty="0"/>
+          </a:p>
+        </p:txBody>
+      </p:sp>
+      <p:sp>
+        <p:nvSpPr>
+          <p:cNvPr id="4" name="Text Placeholder 3"/>
+          <p:cNvSpPr>
+            <a:spLocks noGrp="1"/>
+          </p:cNvSpPr>
+          <p:nvPr>
+            <p:ph type="body" sz="half" idx="2"/>
+          </p:nvPr>
+        </p:nvSpPr>
+        <p:spPr>
+          <a:xfrm>
+            <a:off x="685800" y="5299603"/>
+            <a:ext cx="10131427" cy="493712"/>
+          </a:xfrm>
+        </p:spPr>
+        <p:txBody>
+          <a:bodyPr anchor="t">
+            <a:normAutofit/>
+          </a:bodyPr>
+          <a:lstStyle>
+            <a:lvl1pPr marL="0" indent="0">
+              <a:buNone/>
+              <a:defRPr sz="1400"/>
+            </a:lvl1pPr>
+            <a:lvl2pPr marL="457200" indent="0">
+              <a:buNone/>
+              <a:defRPr sz="1200"/>
+            </a:lvl2pPr>
+            <a:lvl3pPr marL="914400" indent="0">
+              <a:buNone/>
+              <a:defRPr sz="1000"/>
+            </a:lvl3pPr>
+            <a:lvl4pPr marL="1371600" indent="0">
+              <a:buNone/>
+              <a:defRPr sz="900"/>
+            </a:lvl4pPr>
+            <a:lvl5pPr marL="1828800" indent="0">
+              <a:buNone/>
+              <a:defRPr sz="900"/>
+            </a:lvl5pPr>
+            <a:lvl6pPr marL="2286000" indent="0">
+              <a:buNone/>
+              <a:defRPr sz="900"/>
+            </a:lvl6pPr>
+            <a:lvl7pPr marL="2743200" indent="0">
+              <a:buNone/>
+              <a:defRPr sz="900"/>
+            </a:lvl7pPr>
+            <a:lvl8pPr marL="3200400" indent="0">
+              <a:buNone/>
+              <a:defRPr sz="900"/>
+            </a:lvl8pPr>
+            <a:lvl9pPr marL="3657600" indent="0">
+              <a:buNone/>
+              <a:defRPr sz="900"/>
+            </a:lvl9pPr>
+          </a:lstStyle>
+          <a:p>
+            <a:pPr lvl="0"/>
+            <a:r>
+              <a:rPr lang="es-ES_tradnl" smtClean="0"/>
+              <a:t>Haga clic para modificar el estilo de texto del patrón</a:t>
+            </a:r>
+          </a:p>
+        </p:txBody>
+      </p:sp>
+      <p:sp>
+        <p:nvSpPr>
+          <p:cNvPr id="5" name="Date Placeholder 4"/>
+          <p:cNvSpPr>
+            <a:spLocks noGrp="1"/>
+          </p:cNvSpPr>
+          <p:nvPr>
+            <p:ph type="dt" sz="half" idx="10"/>
+          </p:nvPr>
+        </p:nvSpPr>
+        <p:spPr/>
+        <p:txBody>
+          <a:bodyPr/>
+          <a:lstStyle/>
+          <a:p>
+            <a:fld id="{B61BEF0D-F0BB-DE4B-95CE-6DB70DBA9567}" type="datetimeFigureOut">
+              <a:rPr lang="en-US" smtClean="0"/>
+              <a:pPr/>
+              <a:t>1/11/17</a:t>
+            </a:fld>
+            <a:endParaRPr lang="en-US" dirty="0"/>
+          </a:p>
+        </p:txBody>
+      </p:sp>
+      <p:sp>
+        <p:nvSpPr>
+          <p:cNvPr id="6" name="Footer Placeholder 5"/>
+          <p:cNvSpPr>
+            <a:spLocks noGrp="1"/>
+          </p:cNvSpPr>
+          <p:nvPr>
+            <p:ph type="ftr" sz="quarter" idx="11"/>
+          </p:nvPr>
+        </p:nvSpPr>
+        <p:spPr/>
+        <p:txBody>
+          <a:bodyPr/>
+          <a:lstStyle/>
+          <a:p>
+            <a:endParaRPr lang="en-US" dirty="0"/>
+          </a:p>
+        </p:txBody>
+      </p:sp>
+      <p:sp>
+        <p:nvSpPr>
+          <p:cNvPr id="7" name="Slide Number Placeholder 6"/>
+          <p:cNvSpPr>
+            <a:spLocks noGrp="1"/>
+          </p:cNvSpPr>
+          <p:nvPr>
+            <p:ph type="sldNum" sz="quarter" idx="12"/>
+          </p:nvPr>
+        </p:nvSpPr>
+        <p:spPr/>
+        <p:txBody>
+          <a:bodyPr/>
+          <a:lstStyle/>
+          <a:p>
+            <a:fld id="{D57F1E4F-1CFF-5643-939E-217C01CDF565}" type="slidenum">
+              <a:rPr lang="en-US" smtClean="0"/>
+              <a:pPr/>
+              <a:t>‹Nr.›</a:t>
+            </a:fld>
+            <a:endParaRPr lang="en-US" dirty="0"/>
+          </a:p>
+        </p:txBody>
+      </p:sp>
+    </p:spTree>
+  </p:cSld>
+  <p:clrMapOvr>
+    <a:masterClrMapping/>
+  </p:clrMapOvr>
+</p:sldLayout>
+</file>
+
+<file path=ppt/slideLayouts/slideLayout11.xml><?xml version="1.0" encoding="utf-8"?>
 <p:sldLayout xmlns:a="http://schemas.openxmlformats.org/drawingml/2006/main" xmlns:r="http://schemas.openxmlformats.org/officeDocument/2006/relationships" xmlns:p="http://schemas.openxmlformats.org/presentationml/2006/main" preserve="1">
   <p:cSld name="Título y descripción">
     <p:spTree>
@@ -1288,20 +1109,50 @@
           <a:chExt cx="0" cy="0"/>
         </a:xfrm>
       </p:grpSpPr>
-      <p:sp>
-        <p:nvSpPr>
-          <p:cNvPr id="2" name="Title 1"/>
-          <p:cNvSpPr>
-            <a:spLocks noGrp="1"/>
-          </p:cNvSpPr>
-          <p:nvPr>
-            <p:ph type="title"/>
-          </p:nvPr>
-        </p:nvSpPr>
+      <p:pic>
+        <p:nvPicPr>
+          <p:cNvPr id="7" name="Picture 6" descr="Celestia-R1---OverlayContentHD.png"/>
+          <p:cNvPicPr>
+            <a:picLocks noChangeAspect="1"/>
+          </p:cNvPicPr>
+          <p:nvPr/>
+        </p:nvPicPr>
+        <p:blipFill>
+          <a:blip r:embed="rId2">
+            <a:extLst>
+              <a:ext uri="{28A0092B-C50C-407E-A947-70E740481C1C}">
+                <a14:useLocalDpi xmlns:a14="http://schemas.microsoft.com/office/drawing/2010/main" val="0"/>
+              </a:ext>
+            </a:extLst>
+          </a:blip>
+          <a:stretch>
+            <a:fillRect/>
+          </a:stretch>
+        </p:blipFill>
         <p:spPr>
           <a:xfrm>
-            <a:off x="677335" y="609600"/>
-            <a:ext cx="8596668" cy="3403600"/>
+            <a:off x="0" y="0"/>
+            <a:ext cx="12188825" cy="6856214"/>
+          </a:xfrm>
+          <a:prstGeom prst="rect">
+            <a:avLst/>
+          </a:prstGeom>
+        </p:spPr>
+      </p:pic>
+      <p:sp>
+        <p:nvSpPr>
+          <p:cNvPr id="2" name="Title 1"/>
+          <p:cNvSpPr>
+            <a:spLocks noGrp="1"/>
+          </p:cNvSpPr>
+          <p:nvPr>
+            <p:ph type="title"/>
+          </p:nvPr>
+        </p:nvSpPr>
+        <p:spPr>
+          <a:xfrm>
+            <a:off x="685801" y="609601"/>
+            <a:ext cx="10131427" cy="3124199"/>
           </a:xfrm>
         </p:spPr>
         <p:txBody>
@@ -1310,7 +1161,7 @@
           </a:bodyPr>
           <a:lstStyle>
             <a:lvl1pPr algn="l">
-              <a:defRPr sz="4400" b="0" cap="none"/>
+              <a:defRPr sz="3200" b="0" cap="none"/>
             </a:lvl1pPr>
           </a:lstStyle>
           <a:p>
@@ -1334,8 +1185,8 @@
         </p:nvSpPr>
         <p:spPr>
           <a:xfrm>
-            <a:off x="677335" y="4470400"/>
-            <a:ext cx="8596668" cy="1570962"/>
+            <a:off x="685800" y="4343400"/>
+            <a:ext cx="10131428" cy="1447800"/>
           </a:xfrm>
         </p:spPr>
         <p:txBody>
@@ -1345,12 +1196,9 @@
           <a:lstStyle>
             <a:lvl1pPr marL="0" indent="0" algn="l">
               <a:buNone/>
-              <a:defRPr sz="1800">
-                <a:solidFill>
-                  <a:schemeClr val="tx1">
-                    <a:lumMod val="75000"/>
-                    <a:lumOff val="25000"/>
-                  </a:schemeClr>
+              <a:defRPr sz="2000">
+                <a:solidFill>
+                  <a:schemeClr val="tx1"/>
                 </a:solidFill>
               </a:defRPr>
             </a:lvl1pPr>
@@ -1519,7 +1367,7 @@
 </p:sldLayout>
 </file>
 
-<file path=ppt/slideLayouts/slideLayout11.xml><?xml version="1.0" encoding="utf-8"?>
+<file path=ppt/slideLayouts/slideLayout12.xml><?xml version="1.0" encoding="utf-8"?>
 <p:sldLayout xmlns:a="http://schemas.openxmlformats.org/drawingml/2006/main" xmlns:r="http://schemas.openxmlformats.org/officeDocument/2006/relationships" xmlns:p="http://schemas.openxmlformats.org/presentationml/2006/main" preserve="1">
   <p:cSld name="Cita con descripción">
     <p:spTree>
@@ -1536,301 +1384,45 @@
           <a:chExt cx="0" cy="0"/>
         </a:xfrm>
       </p:grpSpPr>
-      <p:sp>
-        <p:nvSpPr>
-          <p:cNvPr id="2" name="Title 1"/>
-          <p:cNvSpPr>
-            <a:spLocks noGrp="1"/>
-          </p:cNvSpPr>
-          <p:nvPr>
-            <p:ph type="title"/>
-          </p:nvPr>
-        </p:nvSpPr>
+      <p:pic>
+        <p:nvPicPr>
+          <p:cNvPr id="16" name="Picture 15" descr="Celestia-R1---OverlayContentHD.png"/>
+          <p:cNvPicPr>
+            <a:picLocks noChangeAspect="1"/>
+          </p:cNvPicPr>
+          <p:nvPr/>
+        </p:nvPicPr>
+        <p:blipFill>
+          <a:blip r:embed="rId2">
+            <a:extLst>
+              <a:ext uri="{28A0092B-C50C-407E-A947-70E740481C1C}">
+                <a14:useLocalDpi xmlns:a14="http://schemas.microsoft.com/office/drawing/2010/main" val="0"/>
+              </a:ext>
+            </a:extLst>
+          </a:blip>
+          <a:stretch>
+            <a:fillRect/>
+          </a:stretch>
+        </p:blipFill>
         <p:spPr>
           <a:xfrm>
-            <a:off x="931334" y="609600"/>
-            <a:ext cx="8094134" cy="3022600"/>
+            <a:off x="0" y="0"/>
+            <a:ext cx="12188825" cy="6856214"/>
           </a:xfrm>
+          <a:prstGeom prst="rect">
+            <a:avLst/>
+          </a:prstGeom>
         </p:spPr>
-        <p:txBody>
-          <a:bodyPr anchor="ctr">
-            <a:normAutofit/>
-          </a:bodyPr>
-          <a:lstStyle>
-            <a:lvl1pPr algn="l">
-              <a:defRPr sz="4400" b="0" cap="none"/>
-            </a:lvl1pPr>
-          </a:lstStyle>
-          <a:p>
-            <a:r>
-              <a:rPr lang="es-ES_tradnl" smtClean="0"/>
-              <a:t>Clic para editar título</a:t>
-            </a:r>
-            <a:endParaRPr lang="en-US" dirty="0"/>
-          </a:p>
-        </p:txBody>
-      </p:sp>
-      <p:sp>
-        <p:nvSpPr>
-          <p:cNvPr id="23" name="Text Placeholder 9"/>
-          <p:cNvSpPr>
-            <a:spLocks noGrp="1"/>
-          </p:cNvSpPr>
-          <p:nvPr>
-            <p:ph type="body" sz="quarter" idx="13"/>
-          </p:nvPr>
+      </p:pic>
+      <p:sp>
+        <p:nvSpPr>
+          <p:cNvPr id="15" name="TextBox 14"/>
+          <p:cNvSpPr txBox="1"/>
+          <p:nvPr/>
         </p:nvSpPr>
         <p:spPr>
           <a:xfrm>
-            <a:off x="1366139" y="3632200"/>
-            <a:ext cx="7224524" cy="381000"/>
-          </a:xfrm>
-        </p:spPr>
-        <p:txBody>
-          <a:bodyPr anchor="ctr">
-            <a:noAutofit/>
-          </a:bodyPr>
-          <a:lstStyle>
-            <a:lvl1pPr marL="0" indent="0">
-              <a:buFontTx/>
-              <a:buNone/>
-              <a:defRPr sz="1600">
-                <a:solidFill>
-                  <a:schemeClr val="tx1">
-                    <a:lumMod val="50000"/>
-                    <a:lumOff val="50000"/>
-                  </a:schemeClr>
-                </a:solidFill>
-              </a:defRPr>
-            </a:lvl1pPr>
-            <a:lvl2pPr marL="457200" indent="0">
-              <a:buFontTx/>
-              <a:buNone/>
-              <a:defRPr/>
-            </a:lvl2pPr>
-            <a:lvl3pPr marL="914400" indent="0">
-              <a:buFontTx/>
-              <a:buNone/>
-              <a:defRPr/>
-            </a:lvl3pPr>
-            <a:lvl4pPr marL="1371600" indent="0">
-              <a:buFontTx/>
-              <a:buNone/>
-              <a:defRPr/>
-            </a:lvl4pPr>
-            <a:lvl5pPr marL="1828800" indent="0">
-              <a:buFontTx/>
-              <a:buNone/>
-              <a:defRPr/>
-            </a:lvl5pPr>
-          </a:lstStyle>
-          <a:p>
-            <a:pPr lvl="0"/>
-            <a:r>
-              <a:rPr lang="es-ES_tradnl" smtClean="0"/>
-              <a:t>Haga clic para modificar el estilo de texto del patrón</a:t>
-            </a:r>
-          </a:p>
-        </p:txBody>
-      </p:sp>
-      <p:sp>
-        <p:nvSpPr>
-          <p:cNvPr id="3" name="Text Placeholder 2"/>
-          <p:cNvSpPr>
-            <a:spLocks noGrp="1"/>
-          </p:cNvSpPr>
-          <p:nvPr>
-            <p:ph type="body" idx="1"/>
-          </p:nvPr>
-        </p:nvSpPr>
-        <p:spPr>
-          <a:xfrm>
-            <a:off x="677335" y="4470400"/>
-            <a:ext cx="8596668" cy="1570962"/>
-          </a:xfrm>
-        </p:spPr>
-        <p:txBody>
-          <a:bodyPr anchor="ctr">
-            <a:normAutofit/>
-          </a:bodyPr>
-          <a:lstStyle>
-            <a:lvl1pPr marL="0" indent="0" algn="l">
-              <a:buNone/>
-              <a:defRPr sz="1800">
-                <a:solidFill>
-                  <a:schemeClr val="tx1">
-                    <a:lumMod val="75000"/>
-                    <a:lumOff val="25000"/>
-                  </a:schemeClr>
-                </a:solidFill>
-              </a:defRPr>
-            </a:lvl1pPr>
-            <a:lvl2pPr marL="457200" indent="0">
-              <a:buNone/>
-              <a:defRPr sz="1800">
-                <a:solidFill>
-                  <a:schemeClr val="tx1">
-                    <a:tint val="75000"/>
-                  </a:schemeClr>
-                </a:solidFill>
-              </a:defRPr>
-            </a:lvl2pPr>
-            <a:lvl3pPr marL="914400" indent="0">
-              <a:buNone/>
-              <a:defRPr sz="1600">
-                <a:solidFill>
-                  <a:schemeClr val="tx1">
-                    <a:tint val="75000"/>
-                  </a:schemeClr>
-                </a:solidFill>
-              </a:defRPr>
-            </a:lvl3pPr>
-            <a:lvl4pPr marL="1371600" indent="0">
-              <a:buNone/>
-              <a:defRPr sz="1400">
-                <a:solidFill>
-                  <a:schemeClr val="tx1">
-                    <a:tint val="75000"/>
-                  </a:schemeClr>
-                </a:solidFill>
-              </a:defRPr>
-            </a:lvl4pPr>
-            <a:lvl5pPr marL="1828800" indent="0">
-              <a:buNone/>
-              <a:defRPr sz="1400">
-                <a:solidFill>
-                  <a:schemeClr val="tx1">
-                    <a:tint val="75000"/>
-                  </a:schemeClr>
-                </a:solidFill>
-              </a:defRPr>
-            </a:lvl5pPr>
-            <a:lvl6pPr marL="2286000" indent="0">
-              <a:buNone/>
-              <a:defRPr sz="1400">
-                <a:solidFill>
-                  <a:schemeClr val="tx1">
-                    <a:tint val="75000"/>
-                  </a:schemeClr>
-                </a:solidFill>
-              </a:defRPr>
-            </a:lvl6pPr>
-            <a:lvl7pPr marL="2743200" indent="0">
-              <a:buNone/>
-              <a:defRPr sz="1400">
-                <a:solidFill>
-                  <a:schemeClr val="tx1">
-                    <a:tint val="75000"/>
-                  </a:schemeClr>
-                </a:solidFill>
-              </a:defRPr>
-            </a:lvl7pPr>
-            <a:lvl8pPr marL="3200400" indent="0">
-              <a:buNone/>
-              <a:defRPr sz="1400">
-                <a:solidFill>
-                  <a:schemeClr val="tx1">
-                    <a:tint val="75000"/>
-                  </a:schemeClr>
-                </a:solidFill>
-              </a:defRPr>
-            </a:lvl8pPr>
-            <a:lvl9pPr marL="3657600" indent="0">
-              <a:buNone/>
-              <a:defRPr sz="1400">
-                <a:solidFill>
-                  <a:schemeClr val="tx1">
-                    <a:tint val="75000"/>
-                  </a:schemeClr>
-                </a:solidFill>
-              </a:defRPr>
-            </a:lvl9pPr>
-          </a:lstStyle>
-          <a:p>
-            <a:pPr lvl="0"/>
-            <a:r>
-              <a:rPr lang="es-ES_tradnl" smtClean="0"/>
-              <a:t>Haga clic para modificar el estilo de texto del patrón</a:t>
-            </a:r>
-          </a:p>
-        </p:txBody>
-      </p:sp>
-      <p:sp>
-        <p:nvSpPr>
-          <p:cNvPr id="4" name="Date Placeholder 3"/>
-          <p:cNvSpPr>
-            <a:spLocks noGrp="1"/>
-          </p:cNvSpPr>
-          <p:nvPr>
-            <p:ph type="dt" sz="half" idx="10"/>
-          </p:nvPr>
-        </p:nvSpPr>
-        <p:spPr/>
-        <p:txBody>
-          <a:bodyPr/>
-          <a:lstStyle/>
-          <a:p>
-            <a:fld id="{B61BEF0D-F0BB-DE4B-95CE-6DB70DBA9567}" type="datetimeFigureOut">
-              <a:rPr lang="en-US" smtClean="0"/>
-              <a:pPr/>
-              <a:t>1/11/17</a:t>
-            </a:fld>
-            <a:endParaRPr lang="en-US" dirty="0"/>
-          </a:p>
-        </p:txBody>
-      </p:sp>
-      <p:sp>
-        <p:nvSpPr>
-          <p:cNvPr id="5" name="Footer Placeholder 4"/>
-          <p:cNvSpPr>
-            <a:spLocks noGrp="1"/>
-          </p:cNvSpPr>
-          <p:nvPr>
-            <p:ph type="ftr" sz="quarter" idx="11"/>
-          </p:nvPr>
-        </p:nvSpPr>
-        <p:spPr/>
-        <p:txBody>
-          <a:bodyPr/>
-          <a:lstStyle/>
-          <a:p>
-            <a:endParaRPr lang="en-US" dirty="0"/>
-          </a:p>
-        </p:txBody>
-      </p:sp>
-      <p:sp>
-        <p:nvSpPr>
-          <p:cNvPr id="6" name="Slide Number Placeholder 5"/>
-          <p:cNvSpPr>
-            <a:spLocks noGrp="1"/>
-          </p:cNvSpPr>
-          <p:nvPr>
-            <p:ph type="sldNum" sz="quarter" idx="12"/>
-          </p:nvPr>
-        </p:nvSpPr>
-        <p:spPr/>
-        <p:txBody>
-          <a:bodyPr/>
-          <a:lstStyle/>
-          <a:p>
-            <a:fld id="{D57F1E4F-1CFF-5643-939E-217C01CDF565}" type="slidenum">
-              <a:rPr lang="en-US" smtClean="0"/>
-              <a:pPr/>
-              <a:t>‹Nr.›</a:t>
-            </a:fld>
-            <a:endParaRPr lang="en-US" dirty="0"/>
-          </a:p>
-        </p:txBody>
-      </p:sp>
-      <p:sp>
-        <p:nvSpPr>
-          <p:cNvPr id="24" name="TextBox 23"/>
-          <p:cNvSpPr txBox="1"/>
-          <p:nvPr/>
-        </p:nvSpPr>
-        <p:spPr>
-          <a:xfrm>
-            <a:off x="541870" y="790378"/>
+            <a:off x="10237867" y="2743200"/>
             <a:ext cx="609600" cy="584776"/>
           </a:xfrm>
           <a:prstGeom prst="rect">
@@ -1841,37 +1433,112 @@
           <a:bodyPr vert="horz" lIns="91440" tIns="45720" rIns="91440" bIns="45720" rtlCol="0" anchor="ctr">
             <a:noAutofit/>
           </a:bodyPr>
-          <a:lstStyle/>
-          <a:p>
-            <a:pPr lvl="0"/>
-            <a:r>
-              <a:rPr lang="en-US" sz="8000" baseline="0" dirty="0">
+          <a:lstStyle>
+            <a:lvl1pPr>
+              <a:spcBef>
+                <a:spcPct val="0"/>
+              </a:spcBef>
+              <a:buNone/>
+              <a:defRPr sz="3200" b="0" cap="all">
                 <a:ln w="3175" cmpd="sng">
                   <a:noFill/>
                 </a:ln>
-                <a:solidFill>
-                  <a:schemeClr val="accent1">
-                    <a:lumMod val="60000"/>
-                    <a:lumOff val="40000"/>
-                  </a:schemeClr>
+                <a:effectLst>
+                  <a:glow rad="38100">
+                    <a:schemeClr val="bg1">
+                      <a:lumMod val="65000"/>
+                      <a:lumOff val="35000"/>
+                      <a:alpha val="40000"/>
+                    </a:schemeClr>
+                  </a:glow>
+                  <a:outerShdw blurRad="28575" dist="38100" dir="14040000" algn="tl" rotWithShape="0">
+                    <a:srgbClr val="000000">
+                      <a:alpha val="25000"/>
+                    </a:srgbClr>
+                  </a:outerShdw>
+                </a:effectLst>
+              </a:defRPr>
+            </a:lvl1pPr>
+            <a:lvl2pPr>
+              <a:defRPr>
+                <a:solidFill>
+                  <a:schemeClr val="tx2"/>
+                </a:solidFill>
+              </a:defRPr>
+            </a:lvl2pPr>
+            <a:lvl3pPr>
+              <a:defRPr>
+                <a:solidFill>
+                  <a:schemeClr val="tx2"/>
+                </a:solidFill>
+              </a:defRPr>
+            </a:lvl3pPr>
+            <a:lvl4pPr>
+              <a:defRPr>
+                <a:solidFill>
+                  <a:schemeClr val="tx2"/>
+                </a:solidFill>
+              </a:defRPr>
+            </a:lvl4pPr>
+            <a:lvl5pPr>
+              <a:defRPr>
+                <a:solidFill>
+                  <a:schemeClr val="tx2"/>
+                </a:solidFill>
+              </a:defRPr>
+            </a:lvl5pPr>
+            <a:lvl6pPr>
+              <a:defRPr>
+                <a:solidFill>
+                  <a:schemeClr val="tx2"/>
+                </a:solidFill>
+              </a:defRPr>
+            </a:lvl6pPr>
+            <a:lvl7pPr>
+              <a:defRPr>
+                <a:solidFill>
+                  <a:schemeClr val="tx2"/>
+                </a:solidFill>
+              </a:defRPr>
+            </a:lvl7pPr>
+            <a:lvl8pPr>
+              <a:defRPr>
+                <a:solidFill>
+                  <a:schemeClr val="tx2"/>
+                </a:solidFill>
+              </a:defRPr>
+            </a:lvl8pPr>
+            <a:lvl9pPr>
+              <a:defRPr>
+                <a:solidFill>
+                  <a:schemeClr val="tx2"/>
+                </a:solidFill>
+              </a:defRPr>
+            </a:lvl9pPr>
+          </a:lstStyle>
+          <a:p>
+            <a:pPr lvl="0" algn="r"/>
+            <a:r>
+              <a:rPr lang="en-US" sz="8000" dirty="0">
+                <a:solidFill>
+                  <a:schemeClr val="tx1"/>
                 </a:solidFill>
                 <a:effectLst/>
-                <a:latin typeface="Arial"/>
               </a:rPr>
-              <a:t>“</a:t>
-            </a:r>
-          </a:p>
-        </p:txBody>
-      </p:sp>
-      <p:sp>
-        <p:nvSpPr>
-          <p:cNvPr id="25" name="TextBox 24"/>
+              <a:t>”</a:t>
+            </a:r>
+          </a:p>
+        </p:txBody>
+      </p:sp>
+      <p:sp>
+        <p:nvSpPr>
+          <p:cNvPr id="11" name="TextBox 10"/>
           <p:cNvSpPr txBox="1"/>
           <p:nvPr/>
         </p:nvSpPr>
         <p:spPr>
           <a:xfrm>
-            <a:off x="8893011" y="2886556"/>
+            <a:off x="488275" y="823337"/>
             <a:ext cx="609600" cy="584776"/>
           </a:xfrm>
           <a:prstGeom prst="rect">
@@ -1882,25 +1549,378 @@
           <a:bodyPr vert="horz" lIns="91440" tIns="45720" rIns="91440" bIns="45720" rtlCol="0" anchor="ctr">
             <a:noAutofit/>
           </a:bodyPr>
-          <a:lstStyle/>
-          <a:p>
-            <a:pPr lvl="0"/>
-            <a:r>
-              <a:rPr lang="en-US" sz="8000" baseline="0" dirty="0">
+          <a:lstStyle>
+            <a:lvl1pPr>
+              <a:spcBef>
+                <a:spcPct val="0"/>
+              </a:spcBef>
+              <a:buNone/>
+              <a:defRPr sz="3200" b="0" cap="all">
                 <a:ln w="3175" cmpd="sng">
                   <a:noFill/>
                 </a:ln>
-                <a:solidFill>
-                  <a:schemeClr val="accent1">
-                    <a:lumMod val="60000"/>
-                    <a:lumOff val="40000"/>
+                <a:effectLst>
+                  <a:glow rad="38100">
+                    <a:schemeClr val="bg1">
+                      <a:lumMod val="65000"/>
+                      <a:lumOff val="35000"/>
+                      <a:alpha val="40000"/>
+                    </a:schemeClr>
+                  </a:glow>
+                  <a:outerShdw blurRad="28575" dist="38100" dir="14040000" algn="tl" rotWithShape="0">
+                    <a:srgbClr val="000000">
+                      <a:alpha val="25000"/>
+                    </a:srgbClr>
+                  </a:outerShdw>
+                </a:effectLst>
+              </a:defRPr>
+            </a:lvl1pPr>
+            <a:lvl2pPr>
+              <a:defRPr>
+                <a:solidFill>
+                  <a:schemeClr val="tx2"/>
+                </a:solidFill>
+              </a:defRPr>
+            </a:lvl2pPr>
+            <a:lvl3pPr>
+              <a:defRPr>
+                <a:solidFill>
+                  <a:schemeClr val="tx2"/>
+                </a:solidFill>
+              </a:defRPr>
+            </a:lvl3pPr>
+            <a:lvl4pPr>
+              <a:defRPr>
+                <a:solidFill>
+                  <a:schemeClr val="tx2"/>
+                </a:solidFill>
+              </a:defRPr>
+            </a:lvl4pPr>
+            <a:lvl5pPr>
+              <a:defRPr>
+                <a:solidFill>
+                  <a:schemeClr val="tx2"/>
+                </a:solidFill>
+              </a:defRPr>
+            </a:lvl5pPr>
+            <a:lvl6pPr>
+              <a:defRPr>
+                <a:solidFill>
+                  <a:schemeClr val="tx2"/>
+                </a:solidFill>
+              </a:defRPr>
+            </a:lvl6pPr>
+            <a:lvl7pPr>
+              <a:defRPr>
+                <a:solidFill>
+                  <a:schemeClr val="tx2"/>
+                </a:solidFill>
+              </a:defRPr>
+            </a:lvl7pPr>
+            <a:lvl8pPr>
+              <a:defRPr>
+                <a:solidFill>
+                  <a:schemeClr val="tx2"/>
+                </a:solidFill>
+              </a:defRPr>
+            </a:lvl8pPr>
+            <a:lvl9pPr>
+              <a:defRPr>
+                <a:solidFill>
+                  <a:schemeClr val="tx2"/>
+                </a:solidFill>
+              </a:defRPr>
+            </a:lvl9pPr>
+          </a:lstStyle>
+          <a:p>
+            <a:pPr lvl="0" algn="r"/>
+            <a:r>
+              <a:rPr lang="en-US" sz="8000" dirty="0">
+                <a:solidFill>
+                  <a:schemeClr val="tx1"/>
+                </a:solidFill>
+                <a:effectLst/>
+              </a:rPr>
+              <a:t>“</a:t>
+            </a:r>
+          </a:p>
+        </p:txBody>
+      </p:sp>
+      <p:sp>
+        <p:nvSpPr>
+          <p:cNvPr id="2" name="Title 1"/>
+          <p:cNvSpPr>
+            <a:spLocks noGrp="1"/>
+          </p:cNvSpPr>
+          <p:nvPr>
+            <p:ph type="title"/>
+          </p:nvPr>
+        </p:nvSpPr>
+        <p:spPr>
+          <a:xfrm>
+            <a:off x="992267" y="609601"/>
+            <a:ext cx="9550399" cy="2743199"/>
+          </a:xfrm>
+        </p:spPr>
+        <p:txBody>
+          <a:bodyPr anchor="ctr">
+            <a:normAutofit/>
+          </a:bodyPr>
+          <a:lstStyle>
+            <a:lvl1pPr algn="l">
+              <a:defRPr sz="3200" b="0" cap="none">
+                <a:solidFill>
+                  <a:schemeClr val="tx1"/>
+                </a:solidFill>
+              </a:defRPr>
+            </a:lvl1pPr>
+          </a:lstStyle>
+          <a:p>
+            <a:r>
+              <a:rPr lang="es-ES_tradnl" smtClean="0"/>
+              <a:t>Clic para editar título</a:t>
+            </a:r>
+            <a:endParaRPr lang="en-US" dirty="0"/>
+          </a:p>
+        </p:txBody>
+      </p:sp>
+      <p:sp>
+        <p:nvSpPr>
+          <p:cNvPr id="10" name="Text Placeholder 9"/>
+          <p:cNvSpPr>
+            <a:spLocks noGrp="1"/>
+          </p:cNvSpPr>
+          <p:nvPr>
+            <p:ph type="body" sz="quarter" idx="13"/>
+          </p:nvPr>
+        </p:nvSpPr>
+        <p:spPr>
+          <a:xfrm>
+            <a:off x="1097875" y="3352800"/>
+            <a:ext cx="9339184" cy="381000"/>
+          </a:xfrm>
+        </p:spPr>
+        <p:txBody>
+          <a:bodyPr anchor="ctr"/>
+          <a:lstStyle>
+            <a:lvl1pPr marL="0" indent="0">
+              <a:buFontTx/>
+              <a:buNone/>
+              <a:defRPr/>
+            </a:lvl1pPr>
+            <a:lvl2pPr marL="457200" indent="0">
+              <a:buFontTx/>
+              <a:buNone/>
+              <a:defRPr/>
+            </a:lvl2pPr>
+            <a:lvl3pPr marL="914400" indent="0">
+              <a:buFontTx/>
+              <a:buNone/>
+              <a:defRPr/>
+            </a:lvl3pPr>
+            <a:lvl4pPr marL="1371600" indent="0">
+              <a:buFontTx/>
+              <a:buNone/>
+              <a:defRPr/>
+            </a:lvl4pPr>
+            <a:lvl5pPr marL="1828800" indent="0">
+              <a:buFontTx/>
+              <a:buNone/>
+              <a:defRPr/>
+            </a:lvl5pPr>
+          </a:lstStyle>
+          <a:p>
+            <a:pPr lvl="0"/>
+            <a:r>
+              <a:rPr lang="es-ES_tradnl" smtClean="0"/>
+              <a:t>Haga clic para modificar el estilo de texto del patrón</a:t>
+            </a:r>
+          </a:p>
+        </p:txBody>
+      </p:sp>
+      <p:sp>
+        <p:nvSpPr>
+          <p:cNvPr id="3" name="Text Placeholder 2"/>
+          <p:cNvSpPr>
+            <a:spLocks noGrp="1"/>
+          </p:cNvSpPr>
+          <p:nvPr>
+            <p:ph type="body" idx="1"/>
+          </p:nvPr>
+        </p:nvSpPr>
+        <p:spPr>
+          <a:xfrm>
+            <a:off x="687465" y="4343400"/>
+            <a:ext cx="10152367" cy="1447800"/>
+          </a:xfrm>
+        </p:spPr>
+        <p:txBody>
+          <a:bodyPr anchor="ctr">
+            <a:normAutofit/>
+          </a:bodyPr>
+          <a:lstStyle>
+            <a:lvl1pPr marL="0" indent="0" algn="l">
+              <a:buNone/>
+              <a:defRPr sz="2000">
+                <a:solidFill>
+                  <a:schemeClr val="tx1"/>
+                </a:solidFill>
+              </a:defRPr>
+            </a:lvl1pPr>
+            <a:lvl2pPr marL="457200" indent="0">
+              <a:buNone/>
+              <a:defRPr sz="1800">
+                <a:solidFill>
+                  <a:schemeClr val="tx1">
+                    <a:tint val="75000"/>
                   </a:schemeClr>
                 </a:solidFill>
-                <a:effectLst/>
-                <a:latin typeface="Arial"/>
-              </a:rPr>
-              <a:t>”</a:t>
-            </a:r>
+              </a:defRPr>
+            </a:lvl2pPr>
+            <a:lvl3pPr marL="914400" indent="0">
+              <a:buNone/>
+              <a:defRPr sz="1600">
+                <a:solidFill>
+                  <a:schemeClr val="tx1">
+                    <a:tint val="75000"/>
+                  </a:schemeClr>
+                </a:solidFill>
+              </a:defRPr>
+            </a:lvl3pPr>
+            <a:lvl4pPr marL="1371600" indent="0">
+              <a:buNone/>
+              <a:defRPr sz="1400">
+                <a:solidFill>
+                  <a:schemeClr val="tx1">
+                    <a:tint val="75000"/>
+                  </a:schemeClr>
+                </a:solidFill>
+              </a:defRPr>
+            </a:lvl4pPr>
+            <a:lvl5pPr marL="1828800" indent="0">
+              <a:buNone/>
+              <a:defRPr sz="1400">
+                <a:solidFill>
+                  <a:schemeClr val="tx1">
+                    <a:tint val="75000"/>
+                  </a:schemeClr>
+                </a:solidFill>
+              </a:defRPr>
+            </a:lvl5pPr>
+            <a:lvl6pPr marL="2286000" indent="0">
+              <a:buNone/>
+              <a:defRPr sz="1400">
+                <a:solidFill>
+                  <a:schemeClr val="tx1">
+                    <a:tint val="75000"/>
+                  </a:schemeClr>
+                </a:solidFill>
+              </a:defRPr>
+            </a:lvl6pPr>
+            <a:lvl7pPr marL="2743200" indent="0">
+              <a:buNone/>
+              <a:defRPr sz="1400">
+                <a:solidFill>
+                  <a:schemeClr val="tx1">
+                    <a:tint val="75000"/>
+                  </a:schemeClr>
+                </a:solidFill>
+              </a:defRPr>
+            </a:lvl7pPr>
+            <a:lvl8pPr marL="3200400" indent="0">
+              <a:buNone/>
+              <a:defRPr sz="1400">
+                <a:solidFill>
+                  <a:schemeClr val="tx1">
+                    <a:tint val="75000"/>
+                  </a:schemeClr>
+                </a:solidFill>
+              </a:defRPr>
+            </a:lvl8pPr>
+            <a:lvl9pPr marL="3657600" indent="0">
+              <a:buNone/>
+              <a:defRPr sz="1400">
+                <a:solidFill>
+                  <a:schemeClr val="tx1">
+                    <a:tint val="75000"/>
+                  </a:schemeClr>
+                </a:solidFill>
+              </a:defRPr>
+            </a:lvl9pPr>
+          </a:lstStyle>
+          <a:p>
+            <a:pPr lvl="0"/>
+            <a:r>
+              <a:rPr lang="es-ES_tradnl" smtClean="0"/>
+              <a:t>Haga clic para modificar el estilo de texto del patrón</a:t>
+            </a:r>
+          </a:p>
+        </p:txBody>
+      </p:sp>
+      <p:sp>
+        <p:nvSpPr>
+          <p:cNvPr id="4" name="Date Placeholder 3"/>
+          <p:cNvSpPr>
+            <a:spLocks noGrp="1"/>
+          </p:cNvSpPr>
+          <p:nvPr>
+            <p:ph type="dt" sz="half" idx="10"/>
+          </p:nvPr>
+        </p:nvSpPr>
+        <p:spPr/>
+        <p:txBody>
+          <a:bodyPr/>
+          <a:lstStyle/>
+          <a:p>
+            <a:fld id="{B61BEF0D-F0BB-DE4B-95CE-6DB70DBA9567}" type="datetimeFigureOut">
+              <a:rPr lang="en-US" smtClean="0"/>
+              <a:pPr/>
+              <a:t>1/11/17</a:t>
+            </a:fld>
+            <a:endParaRPr lang="en-US" dirty="0"/>
+          </a:p>
+        </p:txBody>
+      </p:sp>
+      <p:sp>
+        <p:nvSpPr>
+          <p:cNvPr id="5" name="Footer Placeholder 4"/>
+          <p:cNvSpPr>
+            <a:spLocks noGrp="1"/>
+          </p:cNvSpPr>
+          <p:nvPr>
+            <p:ph type="ftr" sz="quarter" idx="11"/>
+          </p:nvPr>
+        </p:nvSpPr>
+        <p:spPr/>
+        <p:txBody>
+          <a:bodyPr/>
+          <a:lstStyle/>
+          <a:p>
+            <a:endParaRPr lang="en-US" dirty="0"/>
+          </a:p>
+        </p:txBody>
+      </p:sp>
+      <p:sp>
+        <p:nvSpPr>
+          <p:cNvPr id="6" name="Slide Number Placeholder 5"/>
+          <p:cNvSpPr>
+            <a:spLocks noGrp="1"/>
+          </p:cNvSpPr>
+          <p:nvPr>
+            <p:ph type="sldNum" sz="quarter" idx="12"/>
+          </p:nvPr>
+        </p:nvSpPr>
+        <p:spPr/>
+        <p:txBody>
+          <a:bodyPr/>
+          <a:lstStyle/>
+          <a:p>
+            <a:fld id="{D57F1E4F-1CFF-5643-939E-217C01CDF565}" type="slidenum">
+              <a:rPr lang="en-US" smtClean="0"/>
+              <a:pPr/>
+              <a:t>‹Nr.›</a:t>
+            </a:fld>
+            <a:endParaRPr lang="en-US" dirty="0"/>
           </a:p>
         </p:txBody>
       </p:sp>
@@ -1912,7 +1932,7 @@
 </p:sldLayout>
 </file>
 
-<file path=ppt/slideLayouts/slideLayout12.xml><?xml version="1.0" encoding="utf-8"?>
+<file path=ppt/slideLayouts/slideLayout13.xml><?xml version="1.0" encoding="utf-8"?>
 <p:sldLayout xmlns:a="http://schemas.openxmlformats.org/drawingml/2006/main" xmlns:r="http://schemas.openxmlformats.org/officeDocument/2006/relationships" xmlns:p="http://schemas.openxmlformats.org/presentationml/2006/main" preserve="1">
   <p:cSld name="Tarjeta de nombre">
     <p:spTree>
@@ -1929,20 +1949,50 @@
           <a:chExt cx="0" cy="0"/>
         </a:xfrm>
       </p:grpSpPr>
-      <p:sp>
-        <p:nvSpPr>
-          <p:cNvPr id="2" name="Title 1"/>
-          <p:cNvSpPr>
-            <a:spLocks noGrp="1"/>
-          </p:cNvSpPr>
-          <p:nvPr>
-            <p:ph type="title"/>
-          </p:nvPr>
-        </p:nvSpPr>
+      <p:pic>
+        <p:nvPicPr>
+          <p:cNvPr id="8" name="Picture 7" descr="Celestia-R1---OverlayContentHD.png"/>
+          <p:cNvPicPr>
+            <a:picLocks noChangeAspect="1"/>
+          </p:cNvPicPr>
+          <p:nvPr/>
+        </p:nvPicPr>
+        <p:blipFill>
+          <a:blip r:embed="rId2">
+            <a:extLst>
+              <a:ext uri="{28A0092B-C50C-407E-A947-70E740481C1C}">
+                <a14:useLocalDpi xmlns:a14="http://schemas.microsoft.com/office/drawing/2010/main" val="0"/>
+              </a:ext>
+            </a:extLst>
+          </a:blip>
+          <a:stretch>
+            <a:fillRect/>
+          </a:stretch>
+        </p:blipFill>
         <p:spPr>
           <a:xfrm>
-            <a:off x="677335" y="1931988"/>
-            <a:ext cx="8596668" cy="2595460"/>
+            <a:off x="0" y="0"/>
+            <a:ext cx="12188825" cy="6856214"/>
+          </a:xfrm>
+          <a:prstGeom prst="rect">
+            <a:avLst/>
+          </a:prstGeom>
+        </p:spPr>
+      </p:pic>
+      <p:sp>
+        <p:nvSpPr>
+          <p:cNvPr id="2" name="Title 1"/>
+          <p:cNvSpPr>
+            <a:spLocks noGrp="1"/>
+          </p:cNvSpPr>
+          <p:nvPr>
+            <p:ph type="title"/>
+          </p:nvPr>
+        </p:nvSpPr>
+        <p:spPr>
+          <a:xfrm>
+            <a:off x="685802" y="3308581"/>
+            <a:ext cx="10131425" cy="1468800"/>
           </a:xfrm>
         </p:spPr>
         <p:txBody>
@@ -1951,7 +2001,7 @@
           </a:bodyPr>
           <a:lstStyle>
             <a:lvl1pPr algn="l">
-              <a:defRPr sz="4400" b="0" cap="none"/>
+              <a:defRPr sz="3200" b="0" cap="none"/>
             </a:lvl1pPr>
           </a:lstStyle>
           <a:p>
@@ -1975,8 +2025,8 @@
         </p:nvSpPr>
         <p:spPr>
           <a:xfrm>
-            <a:off x="677335" y="4527448"/>
-            <a:ext cx="8596668" cy="1513914"/>
+            <a:off x="685801" y="4777381"/>
+            <a:ext cx="10131426" cy="860400"/>
           </a:xfrm>
         </p:spPr>
         <p:txBody>
@@ -1986,12 +2036,9 @@
           <a:lstStyle>
             <a:lvl1pPr marL="0" indent="0" algn="l">
               <a:buNone/>
-              <a:defRPr sz="1800">
-                <a:solidFill>
-                  <a:schemeClr val="tx1">
-                    <a:lumMod val="75000"/>
-                    <a:lumOff val="25000"/>
-                  </a:schemeClr>
+              <a:defRPr sz="2000">
+                <a:solidFill>
+                  <a:schemeClr val="tx1"/>
                 </a:solidFill>
               </a:defRPr>
             </a:lvl1pPr>
@@ -2160,7 +2207,7 @@
 </p:sldLayout>
 </file>
 
-<file path=ppt/slideLayouts/slideLayout13.xml><?xml version="1.0" encoding="utf-8"?>
+<file path=ppt/slideLayouts/slideLayout14.xml><?xml version="1.0" encoding="utf-8"?>
 <p:sldLayout xmlns:a="http://schemas.openxmlformats.org/drawingml/2006/main" xmlns:r="http://schemas.openxmlformats.org/officeDocument/2006/relationships" xmlns:p="http://schemas.openxmlformats.org/presentationml/2006/main" preserve="1">
   <p:cSld name="Citar la tarjeta de nombre">
     <p:spTree>
@@ -2177,301 +2224,45 @@
           <a:chExt cx="0" cy="0"/>
         </a:xfrm>
       </p:grpSpPr>
-      <p:sp>
-        <p:nvSpPr>
-          <p:cNvPr id="2" name="Title 1"/>
-          <p:cNvSpPr>
-            <a:spLocks noGrp="1"/>
-          </p:cNvSpPr>
-          <p:nvPr>
-            <p:ph type="title"/>
-          </p:nvPr>
-        </p:nvSpPr>
+      <p:pic>
+        <p:nvPicPr>
+          <p:cNvPr id="11" name="Picture 10" descr="Celestia-R1---OverlayContentHD.png"/>
+          <p:cNvPicPr>
+            <a:picLocks noChangeAspect="1"/>
+          </p:cNvPicPr>
+          <p:nvPr/>
+        </p:nvPicPr>
+        <p:blipFill>
+          <a:blip r:embed="rId2">
+            <a:extLst>
+              <a:ext uri="{28A0092B-C50C-407E-A947-70E740481C1C}">
+                <a14:useLocalDpi xmlns:a14="http://schemas.microsoft.com/office/drawing/2010/main" val="0"/>
+              </a:ext>
+            </a:extLst>
+          </a:blip>
+          <a:stretch>
+            <a:fillRect/>
+          </a:stretch>
+        </p:blipFill>
         <p:spPr>
           <a:xfrm>
-            <a:off x="931334" y="609600"/>
-            <a:ext cx="8094134" cy="3022600"/>
+            <a:off x="0" y="0"/>
+            <a:ext cx="12188825" cy="6856214"/>
           </a:xfrm>
+          <a:prstGeom prst="rect">
+            <a:avLst/>
+          </a:prstGeom>
         </p:spPr>
-        <p:txBody>
-          <a:bodyPr anchor="ctr">
-            <a:normAutofit/>
-          </a:bodyPr>
-          <a:lstStyle>
-            <a:lvl1pPr algn="l">
-              <a:defRPr sz="4400" b="0" cap="none"/>
-            </a:lvl1pPr>
-          </a:lstStyle>
-          <a:p>
-            <a:r>
-              <a:rPr lang="es-ES_tradnl" smtClean="0"/>
-              <a:t>Clic para editar título</a:t>
-            </a:r>
-            <a:endParaRPr lang="en-US" dirty="0"/>
-          </a:p>
-        </p:txBody>
-      </p:sp>
-      <p:sp>
-        <p:nvSpPr>
-          <p:cNvPr id="23" name="Text Placeholder 9"/>
-          <p:cNvSpPr>
-            <a:spLocks noGrp="1"/>
-          </p:cNvSpPr>
-          <p:nvPr>
-            <p:ph type="body" sz="quarter" idx="13"/>
-          </p:nvPr>
+      </p:pic>
+      <p:sp>
+        <p:nvSpPr>
+          <p:cNvPr id="13" name="TextBox 12"/>
+          <p:cNvSpPr txBox="1"/>
+          <p:nvPr/>
         </p:nvSpPr>
         <p:spPr>
           <a:xfrm>
-            <a:off x="677332" y="4013200"/>
-            <a:ext cx="8596669" cy="514248"/>
-          </a:xfrm>
-        </p:spPr>
-        <p:txBody>
-          <a:bodyPr anchor="b">
-            <a:noAutofit/>
-          </a:bodyPr>
-          <a:lstStyle>
-            <a:lvl1pPr marL="0" indent="0">
-              <a:buFontTx/>
-              <a:buNone/>
-              <a:defRPr sz="2400">
-                <a:solidFill>
-                  <a:schemeClr val="tx1">
-                    <a:lumMod val="75000"/>
-                    <a:lumOff val="25000"/>
-                  </a:schemeClr>
-                </a:solidFill>
-              </a:defRPr>
-            </a:lvl1pPr>
-            <a:lvl2pPr marL="457200" indent="0">
-              <a:buFontTx/>
-              <a:buNone/>
-              <a:defRPr/>
-            </a:lvl2pPr>
-            <a:lvl3pPr marL="914400" indent="0">
-              <a:buFontTx/>
-              <a:buNone/>
-              <a:defRPr/>
-            </a:lvl3pPr>
-            <a:lvl4pPr marL="1371600" indent="0">
-              <a:buFontTx/>
-              <a:buNone/>
-              <a:defRPr/>
-            </a:lvl4pPr>
-            <a:lvl5pPr marL="1828800" indent="0">
-              <a:buFontTx/>
-              <a:buNone/>
-              <a:defRPr/>
-            </a:lvl5pPr>
-          </a:lstStyle>
-          <a:p>
-            <a:pPr lvl="0"/>
-            <a:r>
-              <a:rPr lang="es-ES_tradnl" smtClean="0"/>
-              <a:t>Haga clic para modificar el estilo de texto del patrón</a:t>
-            </a:r>
-          </a:p>
-        </p:txBody>
-      </p:sp>
-      <p:sp>
-        <p:nvSpPr>
-          <p:cNvPr id="3" name="Text Placeholder 2"/>
-          <p:cNvSpPr>
-            <a:spLocks noGrp="1"/>
-          </p:cNvSpPr>
-          <p:nvPr>
-            <p:ph type="body" idx="1"/>
-          </p:nvPr>
-        </p:nvSpPr>
-        <p:spPr>
-          <a:xfrm>
-            <a:off x="677335" y="4527448"/>
-            <a:ext cx="8596668" cy="1513914"/>
-          </a:xfrm>
-        </p:spPr>
-        <p:txBody>
-          <a:bodyPr anchor="t">
-            <a:normAutofit/>
-          </a:bodyPr>
-          <a:lstStyle>
-            <a:lvl1pPr marL="0" indent="0" algn="l">
-              <a:buNone/>
-              <a:defRPr sz="1800">
-                <a:solidFill>
-                  <a:schemeClr val="tx1">
-                    <a:lumMod val="50000"/>
-                    <a:lumOff val="50000"/>
-                  </a:schemeClr>
-                </a:solidFill>
-              </a:defRPr>
-            </a:lvl1pPr>
-            <a:lvl2pPr marL="457200" indent="0">
-              <a:buNone/>
-              <a:defRPr sz="1800">
-                <a:solidFill>
-                  <a:schemeClr val="tx1">
-                    <a:tint val="75000"/>
-                  </a:schemeClr>
-                </a:solidFill>
-              </a:defRPr>
-            </a:lvl2pPr>
-            <a:lvl3pPr marL="914400" indent="0">
-              <a:buNone/>
-              <a:defRPr sz="1600">
-                <a:solidFill>
-                  <a:schemeClr val="tx1">
-                    <a:tint val="75000"/>
-                  </a:schemeClr>
-                </a:solidFill>
-              </a:defRPr>
-            </a:lvl3pPr>
-            <a:lvl4pPr marL="1371600" indent="0">
-              <a:buNone/>
-              <a:defRPr sz="1400">
-                <a:solidFill>
-                  <a:schemeClr val="tx1">
-                    <a:tint val="75000"/>
-                  </a:schemeClr>
-                </a:solidFill>
-              </a:defRPr>
-            </a:lvl4pPr>
-            <a:lvl5pPr marL="1828800" indent="0">
-              <a:buNone/>
-              <a:defRPr sz="1400">
-                <a:solidFill>
-                  <a:schemeClr val="tx1">
-                    <a:tint val="75000"/>
-                  </a:schemeClr>
-                </a:solidFill>
-              </a:defRPr>
-            </a:lvl5pPr>
-            <a:lvl6pPr marL="2286000" indent="0">
-              <a:buNone/>
-              <a:defRPr sz="1400">
-                <a:solidFill>
-                  <a:schemeClr val="tx1">
-                    <a:tint val="75000"/>
-                  </a:schemeClr>
-                </a:solidFill>
-              </a:defRPr>
-            </a:lvl6pPr>
-            <a:lvl7pPr marL="2743200" indent="0">
-              <a:buNone/>
-              <a:defRPr sz="1400">
-                <a:solidFill>
-                  <a:schemeClr val="tx1">
-                    <a:tint val="75000"/>
-                  </a:schemeClr>
-                </a:solidFill>
-              </a:defRPr>
-            </a:lvl7pPr>
-            <a:lvl8pPr marL="3200400" indent="0">
-              <a:buNone/>
-              <a:defRPr sz="1400">
-                <a:solidFill>
-                  <a:schemeClr val="tx1">
-                    <a:tint val="75000"/>
-                  </a:schemeClr>
-                </a:solidFill>
-              </a:defRPr>
-            </a:lvl8pPr>
-            <a:lvl9pPr marL="3657600" indent="0">
-              <a:buNone/>
-              <a:defRPr sz="1400">
-                <a:solidFill>
-                  <a:schemeClr val="tx1">
-                    <a:tint val="75000"/>
-                  </a:schemeClr>
-                </a:solidFill>
-              </a:defRPr>
-            </a:lvl9pPr>
-          </a:lstStyle>
-          <a:p>
-            <a:pPr lvl="0"/>
-            <a:r>
-              <a:rPr lang="es-ES_tradnl" smtClean="0"/>
-              <a:t>Haga clic para modificar el estilo de texto del patrón</a:t>
-            </a:r>
-          </a:p>
-        </p:txBody>
-      </p:sp>
-      <p:sp>
-        <p:nvSpPr>
-          <p:cNvPr id="4" name="Date Placeholder 3"/>
-          <p:cNvSpPr>
-            <a:spLocks noGrp="1"/>
-          </p:cNvSpPr>
-          <p:nvPr>
-            <p:ph type="dt" sz="half" idx="10"/>
-          </p:nvPr>
-        </p:nvSpPr>
-        <p:spPr/>
-        <p:txBody>
-          <a:bodyPr/>
-          <a:lstStyle/>
-          <a:p>
-            <a:fld id="{B61BEF0D-F0BB-DE4B-95CE-6DB70DBA9567}" type="datetimeFigureOut">
-              <a:rPr lang="en-US" smtClean="0"/>
-              <a:pPr/>
-              <a:t>1/11/17</a:t>
-            </a:fld>
-            <a:endParaRPr lang="en-US" dirty="0"/>
-          </a:p>
-        </p:txBody>
-      </p:sp>
-      <p:sp>
-        <p:nvSpPr>
-          <p:cNvPr id="5" name="Footer Placeholder 4"/>
-          <p:cNvSpPr>
-            <a:spLocks noGrp="1"/>
-          </p:cNvSpPr>
-          <p:nvPr>
-            <p:ph type="ftr" sz="quarter" idx="11"/>
-          </p:nvPr>
-        </p:nvSpPr>
-        <p:spPr/>
-        <p:txBody>
-          <a:bodyPr/>
-          <a:lstStyle/>
-          <a:p>
-            <a:endParaRPr lang="en-US" dirty="0"/>
-          </a:p>
-        </p:txBody>
-      </p:sp>
-      <p:sp>
-        <p:nvSpPr>
-          <p:cNvPr id="6" name="Slide Number Placeholder 5"/>
-          <p:cNvSpPr>
-            <a:spLocks noGrp="1"/>
-          </p:cNvSpPr>
-          <p:nvPr>
-            <p:ph type="sldNum" sz="quarter" idx="12"/>
-          </p:nvPr>
-        </p:nvSpPr>
-        <p:spPr/>
-        <p:txBody>
-          <a:bodyPr/>
-          <a:lstStyle/>
-          <a:p>
-            <a:fld id="{D57F1E4F-1CFF-5643-939E-217C01CDF565}" type="slidenum">
-              <a:rPr lang="en-US" smtClean="0"/>
-              <a:pPr/>
-              <a:t>‹Nr.›</a:t>
-            </a:fld>
-            <a:endParaRPr lang="en-US" dirty="0"/>
-          </a:p>
-        </p:txBody>
-      </p:sp>
-      <p:sp>
-        <p:nvSpPr>
-          <p:cNvPr id="24" name="TextBox 23"/>
-          <p:cNvSpPr txBox="1"/>
-          <p:nvPr/>
-        </p:nvSpPr>
-        <p:spPr>
-          <a:xfrm>
-            <a:off x="541870" y="790378"/>
+            <a:off x="10237867" y="2743200"/>
             <a:ext cx="609600" cy="584776"/>
           </a:xfrm>
           <a:prstGeom prst="rect">
@@ -2482,37 +2273,112 @@
           <a:bodyPr vert="horz" lIns="91440" tIns="45720" rIns="91440" bIns="45720" rtlCol="0" anchor="ctr">
             <a:noAutofit/>
           </a:bodyPr>
-          <a:lstStyle/>
-          <a:p>
-            <a:pPr lvl="0"/>
-            <a:r>
-              <a:rPr lang="en-US" sz="8000" baseline="0" dirty="0">
+          <a:lstStyle>
+            <a:lvl1pPr>
+              <a:spcBef>
+                <a:spcPct val="0"/>
+              </a:spcBef>
+              <a:buNone/>
+              <a:defRPr sz="3200" b="0" cap="all">
                 <a:ln w="3175" cmpd="sng">
                   <a:noFill/>
                 </a:ln>
-                <a:solidFill>
-                  <a:schemeClr val="accent1">
-                    <a:lumMod val="60000"/>
-                    <a:lumOff val="40000"/>
-                  </a:schemeClr>
+                <a:effectLst>
+                  <a:glow rad="38100">
+                    <a:schemeClr val="bg1">
+                      <a:lumMod val="65000"/>
+                      <a:lumOff val="35000"/>
+                      <a:alpha val="40000"/>
+                    </a:schemeClr>
+                  </a:glow>
+                  <a:outerShdw blurRad="28575" dist="38100" dir="14040000" algn="tl" rotWithShape="0">
+                    <a:srgbClr val="000000">
+                      <a:alpha val="25000"/>
+                    </a:srgbClr>
+                  </a:outerShdw>
+                </a:effectLst>
+              </a:defRPr>
+            </a:lvl1pPr>
+            <a:lvl2pPr>
+              <a:defRPr>
+                <a:solidFill>
+                  <a:schemeClr val="tx2"/>
+                </a:solidFill>
+              </a:defRPr>
+            </a:lvl2pPr>
+            <a:lvl3pPr>
+              <a:defRPr>
+                <a:solidFill>
+                  <a:schemeClr val="tx2"/>
+                </a:solidFill>
+              </a:defRPr>
+            </a:lvl3pPr>
+            <a:lvl4pPr>
+              <a:defRPr>
+                <a:solidFill>
+                  <a:schemeClr val="tx2"/>
+                </a:solidFill>
+              </a:defRPr>
+            </a:lvl4pPr>
+            <a:lvl5pPr>
+              <a:defRPr>
+                <a:solidFill>
+                  <a:schemeClr val="tx2"/>
+                </a:solidFill>
+              </a:defRPr>
+            </a:lvl5pPr>
+            <a:lvl6pPr>
+              <a:defRPr>
+                <a:solidFill>
+                  <a:schemeClr val="tx2"/>
+                </a:solidFill>
+              </a:defRPr>
+            </a:lvl6pPr>
+            <a:lvl7pPr>
+              <a:defRPr>
+                <a:solidFill>
+                  <a:schemeClr val="tx2"/>
+                </a:solidFill>
+              </a:defRPr>
+            </a:lvl7pPr>
+            <a:lvl8pPr>
+              <a:defRPr>
+                <a:solidFill>
+                  <a:schemeClr val="tx2"/>
+                </a:solidFill>
+              </a:defRPr>
+            </a:lvl8pPr>
+            <a:lvl9pPr>
+              <a:defRPr>
+                <a:solidFill>
+                  <a:schemeClr val="tx2"/>
+                </a:solidFill>
+              </a:defRPr>
+            </a:lvl9pPr>
+          </a:lstStyle>
+          <a:p>
+            <a:pPr lvl="0" algn="r"/>
+            <a:r>
+              <a:rPr lang="en-US" sz="8000" dirty="0">
+                <a:solidFill>
+                  <a:schemeClr val="tx1"/>
                 </a:solidFill>
                 <a:effectLst/>
-                <a:latin typeface="Arial"/>
               </a:rPr>
-              <a:t>“</a:t>
-            </a:r>
-          </a:p>
-        </p:txBody>
-      </p:sp>
-      <p:sp>
-        <p:nvSpPr>
-          <p:cNvPr id="25" name="TextBox 24"/>
+              <a:t>”</a:t>
+            </a:r>
+          </a:p>
+        </p:txBody>
+      </p:sp>
+      <p:sp>
+        <p:nvSpPr>
+          <p:cNvPr id="14" name="TextBox 13"/>
           <p:cNvSpPr txBox="1"/>
           <p:nvPr/>
         </p:nvSpPr>
         <p:spPr>
           <a:xfrm>
-            <a:off x="8893011" y="2886556"/>
+            <a:off x="488275" y="823337"/>
             <a:ext cx="609600" cy="584776"/>
           </a:xfrm>
           <a:prstGeom prst="rect">
@@ -2523,25 +2389,372 @@
           <a:bodyPr vert="horz" lIns="91440" tIns="45720" rIns="91440" bIns="45720" rtlCol="0" anchor="ctr">
             <a:noAutofit/>
           </a:bodyPr>
-          <a:lstStyle/>
-          <a:p>
-            <a:pPr lvl="0"/>
-            <a:r>
-              <a:rPr lang="en-US" sz="8000" baseline="0" dirty="0">
+          <a:lstStyle>
+            <a:lvl1pPr>
+              <a:spcBef>
+                <a:spcPct val="0"/>
+              </a:spcBef>
+              <a:buNone/>
+              <a:defRPr sz="3200" b="0" cap="all">
                 <a:ln w="3175" cmpd="sng">
                   <a:noFill/>
                 </a:ln>
-                <a:solidFill>
-                  <a:schemeClr val="accent1">
-                    <a:lumMod val="60000"/>
-                    <a:lumOff val="40000"/>
+                <a:effectLst>
+                  <a:glow rad="38100">
+                    <a:schemeClr val="bg1">
+                      <a:lumMod val="65000"/>
+                      <a:lumOff val="35000"/>
+                      <a:alpha val="40000"/>
+                    </a:schemeClr>
+                  </a:glow>
+                  <a:outerShdw blurRad="28575" dist="38100" dir="14040000" algn="tl" rotWithShape="0">
+                    <a:srgbClr val="000000">
+                      <a:alpha val="25000"/>
+                    </a:srgbClr>
+                  </a:outerShdw>
+                </a:effectLst>
+              </a:defRPr>
+            </a:lvl1pPr>
+            <a:lvl2pPr>
+              <a:defRPr>
+                <a:solidFill>
+                  <a:schemeClr val="tx2"/>
+                </a:solidFill>
+              </a:defRPr>
+            </a:lvl2pPr>
+            <a:lvl3pPr>
+              <a:defRPr>
+                <a:solidFill>
+                  <a:schemeClr val="tx2"/>
+                </a:solidFill>
+              </a:defRPr>
+            </a:lvl3pPr>
+            <a:lvl4pPr>
+              <a:defRPr>
+                <a:solidFill>
+                  <a:schemeClr val="tx2"/>
+                </a:solidFill>
+              </a:defRPr>
+            </a:lvl4pPr>
+            <a:lvl5pPr>
+              <a:defRPr>
+                <a:solidFill>
+                  <a:schemeClr val="tx2"/>
+                </a:solidFill>
+              </a:defRPr>
+            </a:lvl5pPr>
+            <a:lvl6pPr>
+              <a:defRPr>
+                <a:solidFill>
+                  <a:schemeClr val="tx2"/>
+                </a:solidFill>
+              </a:defRPr>
+            </a:lvl6pPr>
+            <a:lvl7pPr>
+              <a:defRPr>
+                <a:solidFill>
+                  <a:schemeClr val="tx2"/>
+                </a:solidFill>
+              </a:defRPr>
+            </a:lvl7pPr>
+            <a:lvl8pPr>
+              <a:defRPr>
+                <a:solidFill>
+                  <a:schemeClr val="tx2"/>
+                </a:solidFill>
+              </a:defRPr>
+            </a:lvl8pPr>
+            <a:lvl9pPr>
+              <a:defRPr>
+                <a:solidFill>
+                  <a:schemeClr val="tx2"/>
+                </a:solidFill>
+              </a:defRPr>
+            </a:lvl9pPr>
+          </a:lstStyle>
+          <a:p>
+            <a:pPr lvl="0" algn="r"/>
+            <a:r>
+              <a:rPr lang="en-US" sz="8000" dirty="0">
+                <a:solidFill>
+                  <a:schemeClr val="tx1"/>
+                </a:solidFill>
+                <a:effectLst/>
+              </a:rPr>
+              <a:t>“</a:t>
+            </a:r>
+          </a:p>
+        </p:txBody>
+      </p:sp>
+      <p:sp>
+        <p:nvSpPr>
+          <p:cNvPr id="16" name="Title 1"/>
+          <p:cNvSpPr>
+            <a:spLocks noGrp="1"/>
+          </p:cNvSpPr>
+          <p:nvPr>
+            <p:ph type="title"/>
+          </p:nvPr>
+        </p:nvSpPr>
+        <p:spPr>
+          <a:xfrm>
+            <a:off x="992267" y="609601"/>
+            <a:ext cx="9550399" cy="2743199"/>
+          </a:xfrm>
+        </p:spPr>
+        <p:txBody>
+          <a:bodyPr anchor="ctr">
+            <a:normAutofit/>
+          </a:bodyPr>
+          <a:lstStyle>
+            <a:lvl1pPr algn="l">
+              <a:defRPr sz="3200" b="0" cap="none">
+                <a:solidFill>
+                  <a:schemeClr val="tx1"/>
+                </a:solidFill>
+              </a:defRPr>
+            </a:lvl1pPr>
+          </a:lstStyle>
+          <a:p>
+            <a:r>
+              <a:rPr lang="es-ES_tradnl" smtClean="0"/>
+              <a:t>Clic para editar título</a:t>
+            </a:r>
+            <a:endParaRPr lang="en-US" dirty="0"/>
+          </a:p>
+        </p:txBody>
+      </p:sp>
+      <p:sp>
+        <p:nvSpPr>
+          <p:cNvPr id="10" name="Text Placeholder 9"/>
+          <p:cNvSpPr>
+            <a:spLocks noGrp="1"/>
+          </p:cNvSpPr>
+          <p:nvPr>
+            <p:ph type="body" sz="quarter" idx="13"/>
+          </p:nvPr>
+        </p:nvSpPr>
+        <p:spPr>
+          <a:xfrm>
+            <a:off x="685800" y="3886200"/>
+            <a:ext cx="10135436" cy="889000"/>
+          </a:xfrm>
+        </p:spPr>
+        <p:txBody>
+          <a:bodyPr vert="horz" lIns="91440" tIns="45720" rIns="91440" bIns="45720" rtlCol="0" anchor="b">
+            <a:normAutofit/>
+          </a:bodyPr>
+          <a:lstStyle>
+            <a:lvl1pPr>
+              <a:buNone/>
+              <a:defRPr lang="en-US" sz="2400" b="0" cap="none" dirty="0">
+                <a:ln w="3175" cmpd="sng">
+                  <a:noFill/>
+                </a:ln>
+                <a:solidFill>
+                  <a:schemeClr val="tx1"/>
+                </a:solidFill>
+                <a:effectLst/>
+              </a:defRPr>
+            </a:lvl1pPr>
+          </a:lstStyle>
+          <a:p>
+            <a:pPr marL="0" lvl="0">
+              <a:spcBef>
+                <a:spcPct val="0"/>
+              </a:spcBef>
+              <a:buNone/>
+            </a:pPr>
+            <a:r>
+              <a:rPr lang="es-ES_tradnl" smtClean="0"/>
+              <a:t>Haga clic para modificar el estilo de texto del patrón</a:t>
+            </a:r>
+          </a:p>
+        </p:txBody>
+      </p:sp>
+      <p:sp>
+        <p:nvSpPr>
+          <p:cNvPr id="3" name="Text Placeholder 2"/>
+          <p:cNvSpPr>
+            <a:spLocks noGrp="1"/>
+          </p:cNvSpPr>
+          <p:nvPr>
+            <p:ph type="body" idx="1"/>
+          </p:nvPr>
+        </p:nvSpPr>
+        <p:spPr>
+          <a:xfrm>
+            <a:off x="685799" y="4775200"/>
+            <a:ext cx="10135436" cy="1016000"/>
+          </a:xfrm>
+        </p:spPr>
+        <p:txBody>
+          <a:bodyPr anchor="t">
+            <a:normAutofit/>
+          </a:bodyPr>
+          <a:lstStyle>
+            <a:lvl1pPr marL="0" indent="0" algn="l">
+              <a:buNone/>
+              <a:defRPr sz="1800">
+                <a:solidFill>
+                  <a:schemeClr val="tx1"/>
+                </a:solidFill>
+              </a:defRPr>
+            </a:lvl1pPr>
+            <a:lvl2pPr marL="457200" indent="0">
+              <a:buNone/>
+              <a:defRPr sz="1800">
+                <a:solidFill>
+                  <a:schemeClr val="tx1">
+                    <a:tint val="75000"/>
                   </a:schemeClr>
                 </a:solidFill>
-                <a:effectLst/>
-                <a:latin typeface="Arial"/>
-              </a:rPr>
-              <a:t>”</a:t>
-            </a:r>
+              </a:defRPr>
+            </a:lvl2pPr>
+            <a:lvl3pPr marL="914400" indent="0">
+              <a:buNone/>
+              <a:defRPr sz="1600">
+                <a:solidFill>
+                  <a:schemeClr val="tx1">
+                    <a:tint val="75000"/>
+                  </a:schemeClr>
+                </a:solidFill>
+              </a:defRPr>
+            </a:lvl3pPr>
+            <a:lvl4pPr marL="1371600" indent="0">
+              <a:buNone/>
+              <a:defRPr sz="1400">
+                <a:solidFill>
+                  <a:schemeClr val="tx1">
+                    <a:tint val="75000"/>
+                  </a:schemeClr>
+                </a:solidFill>
+              </a:defRPr>
+            </a:lvl4pPr>
+            <a:lvl5pPr marL="1828800" indent="0">
+              <a:buNone/>
+              <a:defRPr sz="1400">
+                <a:solidFill>
+                  <a:schemeClr val="tx1">
+                    <a:tint val="75000"/>
+                  </a:schemeClr>
+                </a:solidFill>
+              </a:defRPr>
+            </a:lvl5pPr>
+            <a:lvl6pPr marL="2286000" indent="0">
+              <a:buNone/>
+              <a:defRPr sz="1400">
+                <a:solidFill>
+                  <a:schemeClr val="tx1">
+                    <a:tint val="75000"/>
+                  </a:schemeClr>
+                </a:solidFill>
+              </a:defRPr>
+            </a:lvl6pPr>
+            <a:lvl7pPr marL="2743200" indent="0">
+              <a:buNone/>
+              <a:defRPr sz="1400">
+                <a:solidFill>
+                  <a:schemeClr val="tx1">
+                    <a:tint val="75000"/>
+                  </a:schemeClr>
+                </a:solidFill>
+              </a:defRPr>
+            </a:lvl7pPr>
+            <a:lvl8pPr marL="3200400" indent="0">
+              <a:buNone/>
+              <a:defRPr sz="1400">
+                <a:solidFill>
+                  <a:schemeClr val="tx1">
+                    <a:tint val="75000"/>
+                  </a:schemeClr>
+                </a:solidFill>
+              </a:defRPr>
+            </a:lvl8pPr>
+            <a:lvl9pPr marL="3657600" indent="0">
+              <a:buNone/>
+              <a:defRPr sz="1400">
+                <a:solidFill>
+                  <a:schemeClr val="tx1">
+                    <a:tint val="75000"/>
+                  </a:schemeClr>
+                </a:solidFill>
+              </a:defRPr>
+            </a:lvl9pPr>
+          </a:lstStyle>
+          <a:p>
+            <a:pPr lvl="0"/>
+            <a:r>
+              <a:rPr lang="es-ES_tradnl" smtClean="0"/>
+              <a:t>Haga clic para modificar el estilo de texto del patrón</a:t>
+            </a:r>
+          </a:p>
+        </p:txBody>
+      </p:sp>
+      <p:sp>
+        <p:nvSpPr>
+          <p:cNvPr id="4" name="Date Placeholder 3"/>
+          <p:cNvSpPr>
+            <a:spLocks noGrp="1"/>
+          </p:cNvSpPr>
+          <p:nvPr>
+            <p:ph type="dt" sz="half" idx="10"/>
+          </p:nvPr>
+        </p:nvSpPr>
+        <p:spPr/>
+        <p:txBody>
+          <a:bodyPr/>
+          <a:lstStyle/>
+          <a:p>
+            <a:fld id="{B61BEF0D-F0BB-DE4B-95CE-6DB70DBA9567}" type="datetimeFigureOut">
+              <a:rPr lang="en-US" smtClean="0"/>
+              <a:pPr/>
+              <a:t>1/11/17</a:t>
+            </a:fld>
+            <a:endParaRPr lang="en-US" dirty="0"/>
+          </a:p>
+        </p:txBody>
+      </p:sp>
+      <p:sp>
+        <p:nvSpPr>
+          <p:cNvPr id="5" name="Footer Placeholder 4"/>
+          <p:cNvSpPr>
+            <a:spLocks noGrp="1"/>
+          </p:cNvSpPr>
+          <p:nvPr>
+            <p:ph type="ftr" sz="quarter" idx="11"/>
+          </p:nvPr>
+        </p:nvSpPr>
+        <p:spPr/>
+        <p:txBody>
+          <a:bodyPr/>
+          <a:lstStyle/>
+          <a:p>
+            <a:endParaRPr lang="en-US" dirty="0"/>
+          </a:p>
+        </p:txBody>
+      </p:sp>
+      <p:sp>
+        <p:nvSpPr>
+          <p:cNvPr id="6" name="Slide Number Placeholder 5"/>
+          <p:cNvSpPr>
+            <a:spLocks noGrp="1"/>
+          </p:cNvSpPr>
+          <p:nvPr>
+            <p:ph type="sldNum" sz="quarter" idx="12"/>
+          </p:nvPr>
+        </p:nvSpPr>
+        <p:spPr/>
+        <p:txBody>
+          <a:bodyPr/>
+          <a:lstStyle/>
+          <a:p>
+            <a:fld id="{D57F1E4F-1CFF-5643-939E-217C01CDF565}" type="slidenum">
+              <a:rPr lang="en-US" smtClean="0"/>
+              <a:pPr/>
+              <a:t>‹Nr.›</a:t>
+            </a:fld>
+            <a:endParaRPr lang="en-US" dirty="0"/>
           </a:p>
         </p:txBody>
       </p:sp>
@@ -2553,7 +2766,7 @@
 </p:sldLayout>
 </file>
 
-<file path=ppt/slideLayouts/slideLayout14.xml><?xml version="1.0" encoding="utf-8"?>
+<file path=ppt/slideLayouts/slideLayout15.xml><?xml version="1.0" encoding="utf-8"?>
 <p:sldLayout xmlns:a="http://schemas.openxmlformats.org/drawingml/2006/main" xmlns:r="http://schemas.openxmlformats.org/officeDocument/2006/relationships" xmlns:p="http://schemas.openxmlformats.org/presentationml/2006/main" preserve="1">
   <p:cSld name="Verdadero o falso">
     <p:spTree>
@@ -2570,32 +2783,63 @@
           <a:chExt cx="0" cy="0"/>
         </a:xfrm>
       </p:grpSpPr>
-      <p:sp>
-        <p:nvSpPr>
-          <p:cNvPr id="2" name="Title 1"/>
-          <p:cNvSpPr>
-            <a:spLocks noGrp="1"/>
-          </p:cNvSpPr>
-          <p:nvPr>
-            <p:ph type="title"/>
-          </p:nvPr>
-        </p:nvSpPr>
+      <p:pic>
+        <p:nvPicPr>
+          <p:cNvPr id="8" name="Picture 7" descr="Celestia-R1---OverlayContentHD.png"/>
+          <p:cNvPicPr>
+            <a:picLocks noChangeAspect="1"/>
+          </p:cNvPicPr>
+          <p:nvPr/>
+        </p:nvPicPr>
+        <p:blipFill>
+          <a:blip r:embed="rId2">
+            <a:extLst>
+              <a:ext uri="{28A0092B-C50C-407E-A947-70E740481C1C}">
+                <a14:useLocalDpi xmlns:a14="http://schemas.microsoft.com/office/drawing/2010/main" val="0"/>
+              </a:ext>
+            </a:extLst>
+          </a:blip>
+          <a:stretch>
+            <a:fillRect/>
+          </a:stretch>
+        </p:blipFill>
         <p:spPr>
           <a:xfrm>
-            <a:off x="685799" y="609600"/>
-            <a:ext cx="8588203" cy="3022600"/>
+            <a:off x="0" y="0"/>
+            <a:ext cx="12188825" cy="6856214"/>
+          </a:xfrm>
+          <a:prstGeom prst="rect">
+            <a:avLst/>
+          </a:prstGeom>
+        </p:spPr>
+      </p:pic>
+      <p:sp>
+        <p:nvSpPr>
+          <p:cNvPr id="2" name="Title 1"/>
+          <p:cNvSpPr>
+            <a:spLocks noGrp="1"/>
+          </p:cNvSpPr>
+          <p:nvPr>
+            <p:ph type="title"/>
+          </p:nvPr>
+        </p:nvSpPr>
+        <p:spPr>
+          <a:xfrm>
+            <a:off x="685801" y="609601"/>
+            <a:ext cx="10131427" cy="2743199"/>
           </a:xfrm>
         </p:spPr>
         <p:txBody>
-          <a:bodyPr anchor="ctr">
+          <a:bodyPr vert="horz" lIns="91440" tIns="45720" rIns="91440" bIns="45720" rtlCol="0" anchor="ctr">
             <a:normAutofit/>
           </a:bodyPr>
           <a:lstStyle>
-            <a:lvl1pPr algn="l">
-              <a:defRPr sz="4400" b="0" cap="none"/>
+            <a:lvl1pPr>
+              <a:defRPr lang="en-US" b="0" dirty="0"/>
             </a:lvl1pPr>
           </a:lstStyle>
           <a:p>
+            <a:pPr marL="0" lvl="0"/>
             <a:r>
               <a:rPr lang="es-ES_tradnl" smtClean="0"/>
               <a:t>Clic para editar título</a:t>
@@ -2606,7 +2850,7 @@
       </p:sp>
       <p:sp>
         <p:nvSpPr>
-          <p:cNvPr id="23" name="Text Placeholder 9"/>
+          <p:cNvPr id="10" name="Text Placeholder 9"/>
           <p:cNvSpPr>
             <a:spLocks noGrp="1"/>
           </p:cNvSpPr>
@@ -2616,47 +2860,35 @@
         </p:nvSpPr>
         <p:spPr>
           <a:xfrm>
-            <a:off x="677332" y="4013200"/>
-            <a:ext cx="8596669" cy="514248"/>
+            <a:off x="685801" y="3505200"/>
+            <a:ext cx="10131428" cy="838200"/>
           </a:xfrm>
         </p:spPr>
         <p:txBody>
-          <a:bodyPr anchor="b">
-            <a:noAutofit/>
+          <a:bodyPr vert="horz" lIns="91440" tIns="45720" rIns="91440" bIns="45720" rtlCol="0" anchor="b">
+            <a:normAutofit/>
           </a:bodyPr>
           <a:lstStyle>
-            <a:lvl1pPr marL="0" indent="0">
-              <a:buFontTx/>
-              <a:buNone/>
-              <a:defRPr sz="2400">
-                <a:solidFill>
-                  <a:schemeClr val="accent1"/>
-                </a:solidFill>
+            <a:lvl1pPr>
+              <a:buNone/>
+              <a:defRPr lang="en-US" sz="2800" b="0" cap="none" dirty="0">
+                <a:ln w="3175" cmpd="sng">
+                  <a:noFill/>
+                </a:ln>
+                <a:solidFill>
+                  <a:schemeClr val="tx1"/>
+                </a:solidFill>
+                <a:effectLst/>
               </a:defRPr>
             </a:lvl1pPr>
-            <a:lvl2pPr marL="457200" indent="0">
-              <a:buFontTx/>
-              <a:buNone/>
-              <a:defRPr/>
-            </a:lvl2pPr>
-            <a:lvl3pPr marL="914400" indent="0">
-              <a:buFontTx/>
-              <a:buNone/>
-              <a:defRPr/>
-            </a:lvl3pPr>
-            <a:lvl4pPr marL="1371600" indent="0">
-              <a:buFontTx/>
-              <a:buNone/>
-              <a:defRPr/>
-            </a:lvl4pPr>
-            <a:lvl5pPr marL="1828800" indent="0">
-              <a:buFontTx/>
-              <a:buNone/>
-              <a:defRPr/>
-            </a:lvl5pPr>
           </a:lstStyle>
           <a:p>
-            <a:pPr lvl="0"/>
+            <a:pPr marL="0" lvl="0">
+              <a:spcBef>
+                <a:spcPct val="0"/>
+              </a:spcBef>
+              <a:buNone/>
+            </a:pPr>
             <a:r>
               <a:rPr lang="es-ES_tradnl" smtClean="0"/>
               <a:t>Haga clic para modificar el estilo de texto del patrón</a:t>
@@ -2676,8 +2908,8 @@
         </p:nvSpPr>
         <p:spPr>
           <a:xfrm>
-            <a:off x="677335" y="4527448"/>
-            <a:ext cx="8596668" cy="1513914"/>
+            <a:off x="685800" y="4343400"/>
+            <a:ext cx="10131428" cy="1447800"/>
           </a:xfrm>
         </p:spPr>
         <p:txBody>
@@ -2689,10 +2921,7 @@
               <a:buNone/>
               <a:defRPr sz="1800">
                 <a:solidFill>
-                  <a:schemeClr val="tx1">
-                    <a:lumMod val="50000"/>
-                    <a:lumOff val="50000"/>
-                  </a:schemeClr>
+                  <a:schemeClr val="tx1"/>
                 </a:solidFill>
               </a:defRPr>
             </a:lvl1pPr>
@@ -2861,7 +3090,7 @@
 </p:sldLayout>
 </file>
 
-<file path=ppt/slideLayouts/slideLayout15.xml><?xml version="1.0" encoding="utf-8"?>
+<file path=ppt/slideLayouts/slideLayout16.xml><?xml version="1.0" encoding="utf-8"?>
 <p:sldLayout xmlns:a="http://schemas.openxmlformats.org/drawingml/2006/main" xmlns:r="http://schemas.openxmlformats.org/officeDocument/2006/relationships" xmlns:p="http://schemas.openxmlformats.org/presentationml/2006/main" type="vertTx" preserve="1">
   <p:cSld name="Título y texto vertical">
     <p:spTree>
@@ -2878,42 +3107,49 @@
           <a:chExt cx="0" cy="0"/>
         </a:xfrm>
       </p:grpSpPr>
-      <p:sp>
-        <p:nvSpPr>
-          <p:cNvPr id="2" name="Title 1"/>
-          <p:cNvSpPr>
-            <a:spLocks noGrp="1"/>
-          </p:cNvSpPr>
-          <p:nvPr>
-            <p:ph type="title"/>
+      <p:pic>
+        <p:nvPicPr>
+          <p:cNvPr id="7" name="Picture 6" descr="Celestia-R1---OverlayContentHD.png"/>
+          <p:cNvPicPr>
+            <a:picLocks noChangeAspect="1"/>
+          </p:cNvPicPr>
+          <p:nvPr/>
+        </p:nvPicPr>
+        <p:blipFill>
+          <a:blip r:embed="rId2">
+            <a:extLst>
+              <a:ext uri="{28A0092B-C50C-407E-A947-70E740481C1C}">
+                <a14:useLocalDpi xmlns:a14="http://schemas.microsoft.com/office/drawing/2010/main" val="0"/>
+              </a:ext>
+            </a:extLst>
+          </a:blip>
+          <a:stretch>
+            <a:fillRect/>
+          </a:stretch>
+        </p:blipFill>
+        <p:spPr>
+          <a:xfrm>
+            <a:off x="0" y="0"/>
+            <a:ext cx="12188825" cy="6856214"/>
+          </a:xfrm>
+          <a:prstGeom prst="rect">
+            <a:avLst/>
+          </a:prstGeom>
+        </p:spPr>
+      </p:pic>
+      <p:sp>
+        <p:nvSpPr>
+          <p:cNvPr id="3" name="Vertical Text Placeholder 2"/>
+          <p:cNvSpPr>
+            <a:spLocks noGrp="1"/>
+          </p:cNvSpPr>
+          <p:nvPr>
+            <p:ph type="body" orient="vert" idx="1"/>
           </p:nvPr>
         </p:nvSpPr>
         <p:spPr/>
         <p:txBody>
-          <a:bodyPr/>
-          <a:lstStyle/>
-          <a:p>
-            <a:r>
-              <a:rPr lang="es-ES_tradnl" smtClean="0"/>
-              <a:t>Clic para editar título</a:t>
-            </a:r>
-            <a:endParaRPr lang="en-US" dirty="0"/>
-          </a:p>
-        </p:txBody>
-      </p:sp>
-      <p:sp>
-        <p:nvSpPr>
-          <p:cNvPr id="3" name="Vertical Text Placeholder 2"/>
-          <p:cNvSpPr>
-            <a:spLocks noGrp="1"/>
-          </p:cNvSpPr>
-          <p:nvPr>
-            <p:ph type="body" orient="vert" idx="1"/>
-          </p:nvPr>
-        </p:nvSpPr>
-        <p:spPr/>
-        <p:txBody>
-          <a:bodyPr vert="eaVert"/>
+          <a:bodyPr vert="eaVert" anchor="t"/>
           <a:lstStyle/>
           <a:p>
             <a:pPr lvl="0"/>
@@ -3016,6 +3252,34 @@
               <a:pPr/>
               <a:t>‹Nr.›</a:t>
             </a:fld>
+            <a:endParaRPr lang="en-US" dirty="0"/>
+          </a:p>
+        </p:txBody>
+      </p:sp>
+      <p:sp>
+        <p:nvSpPr>
+          <p:cNvPr id="8" name="Title 1"/>
+          <p:cNvSpPr>
+            <a:spLocks noGrp="1"/>
+          </p:cNvSpPr>
+          <p:nvPr>
+            <p:ph type="title"/>
+          </p:nvPr>
+        </p:nvSpPr>
+        <p:spPr>
+          <a:xfrm>
+            <a:off x="685801" y="609600"/>
+            <a:ext cx="10131425" cy="1456267"/>
+          </a:xfrm>
+        </p:spPr>
+        <p:txBody>
+          <a:bodyPr/>
+          <a:lstStyle/>
+          <a:p>
+            <a:r>
+              <a:rPr lang="es-ES_tradnl" smtClean="0"/>
+              <a:t>Clic para editar título</a:t>
+            </a:r>
             <a:endParaRPr lang="en-US" dirty="0"/>
           </a:p>
         </p:txBody>
@@ -3028,7 +3292,7 @@
 </p:sldLayout>
 </file>
 
-<file path=ppt/slideLayouts/slideLayout16.xml><?xml version="1.0" encoding="utf-8"?>
+<file path=ppt/slideLayouts/slideLayout17.xml><?xml version="1.0" encoding="utf-8"?>
 <p:sldLayout xmlns:a="http://schemas.openxmlformats.org/drawingml/2006/main" xmlns:r="http://schemas.openxmlformats.org/officeDocument/2006/relationships" xmlns:p="http://schemas.openxmlformats.org/presentationml/2006/main" type="vertTitleAndTx" preserve="1">
   <p:cSld name="Título vertical y texto">
     <p:spTree>
@@ -3045,24 +3309,54 @@
           <a:chExt cx="0" cy="0"/>
         </a:xfrm>
       </p:grpSpPr>
-      <p:sp>
-        <p:nvSpPr>
-          <p:cNvPr id="2" name="Vertical Title 1"/>
-          <p:cNvSpPr>
-            <a:spLocks noGrp="1"/>
-          </p:cNvSpPr>
-          <p:nvPr>
-            <p:ph type="title" orient="vert"/>
-          </p:nvPr>
-        </p:nvSpPr>
+      <p:pic>
+        <p:nvPicPr>
+          <p:cNvPr id="7" name="Picture 6" descr="Celestia-R1---OverlayContentHD.png"/>
+          <p:cNvPicPr>
+            <a:picLocks noChangeAspect="1"/>
+          </p:cNvPicPr>
+          <p:nvPr/>
+        </p:nvPicPr>
+        <p:blipFill>
+          <a:blip r:embed="rId2">
+            <a:extLst>
+              <a:ext uri="{28A0092B-C50C-407E-A947-70E740481C1C}">
+                <a14:useLocalDpi xmlns:a14="http://schemas.microsoft.com/office/drawing/2010/main" val="0"/>
+              </a:ext>
+            </a:extLst>
+          </a:blip>
+          <a:stretch>
+            <a:fillRect/>
+          </a:stretch>
+        </p:blipFill>
         <p:spPr>
           <a:xfrm>
-            <a:off x="7967673" y="609599"/>
-            <a:ext cx="1304743" cy="5251451"/>
+            <a:off x="0" y="0"/>
+            <a:ext cx="12188825" cy="6856214"/>
+          </a:xfrm>
+          <a:prstGeom prst="rect">
+            <a:avLst/>
+          </a:prstGeom>
+        </p:spPr>
+      </p:pic>
+      <p:sp>
+        <p:nvSpPr>
+          <p:cNvPr id="2" name="Vertical Title 1"/>
+          <p:cNvSpPr>
+            <a:spLocks noGrp="1"/>
+          </p:cNvSpPr>
+          <p:nvPr>
+            <p:ph type="title" orient="vert"/>
+          </p:nvPr>
+        </p:nvSpPr>
+        <p:spPr>
+          <a:xfrm>
+            <a:off x="8658675" y="609599"/>
+            <a:ext cx="2158552" cy="5181601"/>
           </a:xfrm>
         </p:spPr>
         <p:txBody>
-          <a:bodyPr vert="eaVert" anchor="ctr"/>
+          <a:bodyPr vert="eaVert"/>
           <a:lstStyle/>
           <a:p>
             <a:r>
@@ -3085,12 +3379,12 @@
         </p:nvSpPr>
         <p:spPr>
           <a:xfrm>
-            <a:off x="677335" y="609600"/>
-            <a:ext cx="7060150" cy="5251450"/>
+            <a:off x="685800" y="609600"/>
+            <a:ext cx="7832116" cy="5181600"/>
           </a:xfrm>
         </p:spPr>
         <p:txBody>
-          <a:bodyPr vert="eaVert"/>
+          <a:bodyPr vert="eaVert" anchor="t"/>
           <a:lstStyle/>
           <a:p>
             <a:pPr lvl="0"/>
@@ -3227,6 +3521,36 @@
           <a:chExt cx="0" cy="0"/>
         </a:xfrm>
       </p:grpSpPr>
+      <p:pic>
+        <p:nvPicPr>
+          <p:cNvPr id="7" name="Picture 6" descr="Celestia-R1---OverlayContentHD.png"/>
+          <p:cNvPicPr>
+            <a:picLocks noChangeAspect="1"/>
+          </p:cNvPicPr>
+          <p:nvPr/>
+        </p:nvPicPr>
+        <p:blipFill>
+          <a:blip r:embed="rId2">
+            <a:extLst>
+              <a:ext uri="{28A0092B-C50C-407E-A947-70E740481C1C}">
+                <a14:useLocalDpi xmlns:a14="http://schemas.microsoft.com/office/drawing/2010/main" val="0"/>
+              </a:ext>
+            </a:extLst>
+          </a:blip>
+          <a:stretch>
+            <a:fillRect/>
+          </a:stretch>
+        </p:blipFill>
+        <p:spPr>
+          <a:xfrm>
+            <a:off x="0" y="0"/>
+            <a:ext cx="12188825" cy="6856214"/>
+          </a:xfrm>
+          <a:prstGeom prst="rect">
+            <a:avLst/>
+          </a:prstGeom>
+        </p:spPr>
+      </p:pic>
       <p:sp>
         <p:nvSpPr>
           <p:cNvPr id="2" name="Title 1"/>
@@ -3262,7 +3586,7 @@
         </p:nvSpPr>
         <p:spPr/>
         <p:txBody>
-          <a:bodyPr/>
+          <a:bodyPr anchor="ctr"/>
           <a:lstStyle/>
           <a:p>
             <a:pPr lvl="0"/>
@@ -3392,27 +3716,57 @@
           <a:chExt cx="0" cy="0"/>
         </a:xfrm>
       </p:grpSpPr>
-      <p:sp>
-        <p:nvSpPr>
-          <p:cNvPr id="2" name="Title 1"/>
-          <p:cNvSpPr>
-            <a:spLocks noGrp="1"/>
-          </p:cNvSpPr>
-          <p:nvPr>
-            <p:ph type="title"/>
-          </p:nvPr>
-        </p:nvSpPr>
+      <p:pic>
+        <p:nvPicPr>
+          <p:cNvPr id="7" name="Picture 6" descr="Celestia-R1---OverlayContentHD.png"/>
+          <p:cNvPicPr>
+            <a:picLocks noChangeAspect="1"/>
+          </p:cNvPicPr>
+          <p:nvPr/>
+        </p:nvPicPr>
+        <p:blipFill>
+          <a:blip r:embed="rId2">
+            <a:extLst>
+              <a:ext uri="{28A0092B-C50C-407E-A947-70E740481C1C}">
+                <a14:useLocalDpi xmlns:a14="http://schemas.microsoft.com/office/drawing/2010/main" val="0"/>
+              </a:ext>
+            </a:extLst>
+          </a:blip>
+          <a:stretch>
+            <a:fillRect/>
+          </a:stretch>
+        </p:blipFill>
         <p:spPr>
           <a:xfrm>
-            <a:off x="677335" y="2700867"/>
-            <a:ext cx="8596668" cy="1826581"/>
+            <a:off x="0" y="0"/>
+            <a:ext cx="12188825" cy="6856214"/>
+          </a:xfrm>
+          <a:prstGeom prst="rect">
+            <a:avLst/>
+          </a:prstGeom>
+        </p:spPr>
+      </p:pic>
+      <p:sp>
+        <p:nvSpPr>
+          <p:cNvPr id="2" name="Title 1"/>
+          <p:cNvSpPr>
+            <a:spLocks noGrp="1"/>
+          </p:cNvSpPr>
+          <p:nvPr>
+            <p:ph type="title"/>
+          </p:nvPr>
+        </p:nvSpPr>
+        <p:spPr>
+          <a:xfrm>
+            <a:off x="685800" y="3308581"/>
+            <a:ext cx="10131427" cy="1468800"/>
           </a:xfrm>
         </p:spPr>
         <p:txBody>
           <a:bodyPr anchor="b"/>
           <a:lstStyle>
             <a:lvl1pPr algn="l">
-              <a:defRPr sz="4000" b="0" cap="none"/>
+              <a:defRPr sz="4000" b="0" cap="all"/>
             </a:lvl1pPr>
           </a:lstStyle>
           <a:p>
@@ -3436,21 +3790,20 @@
         </p:nvSpPr>
         <p:spPr>
           <a:xfrm>
-            <a:off x="677335" y="4527448"/>
-            <a:ext cx="8596668" cy="860400"/>
+            <a:off x="685799" y="4777381"/>
+            <a:ext cx="10131428" cy="860400"/>
           </a:xfrm>
         </p:spPr>
         <p:txBody>
-          <a:bodyPr anchor="t"/>
+          <a:bodyPr anchor="t">
+            <a:normAutofit/>
+          </a:bodyPr>
           <a:lstStyle>
             <a:lvl1pPr marL="0" indent="0" algn="l">
               <a:buNone/>
-              <a:defRPr sz="2000">
-                <a:solidFill>
-                  <a:schemeClr val="tx1">
-                    <a:lumMod val="50000"/>
-                    <a:lumOff val="50000"/>
-                  </a:schemeClr>
+              <a:defRPr sz="2000" cap="all">
+                <a:solidFill>
+                  <a:schemeClr val="tx1"/>
                 </a:solidFill>
               </a:defRPr>
             </a:lvl1pPr>
@@ -3641,47 +3994,79 @@
           <a:chExt cx="0" cy="0"/>
         </a:xfrm>
       </p:grpSpPr>
-      <p:sp>
-        <p:nvSpPr>
-          <p:cNvPr id="2" name="Title 1"/>
-          <p:cNvSpPr>
-            <a:spLocks noGrp="1"/>
-          </p:cNvSpPr>
-          <p:nvPr>
-            <p:ph type="title"/>
-          </p:nvPr>
-        </p:nvSpPr>
-        <p:spPr/>
-        <p:txBody>
-          <a:bodyPr/>
-          <a:lstStyle/>
-          <a:p>
-            <a:r>
-              <a:rPr lang="es-ES_tradnl" smtClean="0"/>
-              <a:t>Clic para editar título</a:t>
-            </a:r>
-            <a:endParaRPr lang="en-US" dirty="0"/>
-          </a:p>
-        </p:txBody>
-      </p:sp>
-      <p:sp>
-        <p:nvSpPr>
-          <p:cNvPr id="3" name="Content Placeholder 2"/>
-          <p:cNvSpPr>
-            <a:spLocks noGrp="1"/>
-          </p:cNvSpPr>
-          <p:nvPr>
-            <p:ph sz="half" idx="1"/>
-          </p:nvPr>
-        </p:nvSpPr>
+      <p:pic>
+        <p:nvPicPr>
+          <p:cNvPr id="8" name="Picture 7" descr="Celestia-R1---OverlayContentHD.png"/>
+          <p:cNvPicPr>
+            <a:picLocks noChangeAspect="1"/>
+          </p:cNvPicPr>
+          <p:nvPr/>
+        </p:nvPicPr>
+        <p:blipFill>
+          <a:blip r:embed="rId2">
+            <a:extLst>
+              <a:ext uri="{28A0092B-C50C-407E-A947-70E740481C1C}">
+                <a14:useLocalDpi xmlns:a14="http://schemas.microsoft.com/office/drawing/2010/main" val="0"/>
+              </a:ext>
+            </a:extLst>
+          </a:blip>
+          <a:stretch>
+            <a:fillRect/>
+          </a:stretch>
+        </p:blipFill>
         <p:spPr>
           <a:xfrm>
-            <a:off x="677334" y="2160589"/>
-            <a:ext cx="4184035" cy="3880772"/>
+            <a:off x="0" y="0"/>
+            <a:ext cx="12188825" cy="6856214"/>
+          </a:xfrm>
+          <a:prstGeom prst="rect">
+            <a:avLst/>
+          </a:prstGeom>
+        </p:spPr>
+      </p:pic>
+      <p:sp>
+        <p:nvSpPr>
+          <p:cNvPr id="2" name="Title 1"/>
+          <p:cNvSpPr>
+            <a:spLocks noGrp="1"/>
+          </p:cNvSpPr>
+          <p:nvPr>
+            <p:ph type="title"/>
+          </p:nvPr>
+        </p:nvSpPr>
+        <p:spPr/>
+        <p:txBody>
+          <a:bodyPr/>
+          <a:lstStyle/>
+          <a:p>
+            <a:r>
+              <a:rPr lang="es-ES_tradnl" smtClean="0"/>
+              <a:t>Clic para editar título</a:t>
+            </a:r>
+            <a:endParaRPr lang="en-US" dirty="0"/>
+          </a:p>
+        </p:txBody>
+      </p:sp>
+      <p:sp>
+        <p:nvSpPr>
+          <p:cNvPr id="3" name="Content Placeholder 2"/>
+          <p:cNvSpPr>
+            <a:spLocks noGrp="1"/>
+          </p:cNvSpPr>
+          <p:nvPr>
+            <p:ph sz="half" idx="1"/>
+          </p:nvPr>
+        </p:nvSpPr>
+        <p:spPr>
+          <a:xfrm>
+            <a:off x="685802" y="2142067"/>
+            <a:ext cx="4995334" cy="3649134"/>
           </a:xfrm>
         </p:spPr>
         <p:txBody>
-          <a:bodyPr/>
+          <a:bodyPr>
+            <a:normAutofit/>
+          </a:bodyPr>
           <a:lstStyle/>
           <a:p>
             <a:pPr lvl="0"/>
@@ -3733,12 +4118,14 @@
         </p:nvSpPr>
         <p:spPr>
           <a:xfrm>
-            <a:off x="5089970" y="2160589"/>
-            <a:ext cx="4184034" cy="3880773"/>
+            <a:off x="5821895" y="2142067"/>
+            <a:ext cx="4995332" cy="3649133"/>
           </a:xfrm>
         </p:spPr>
         <p:txBody>
-          <a:bodyPr/>
+          <a:bodyPr>
+            <a:normAutofit/>
+          </a:bodyPr>
           <a:lstStyle/>
           <a:p>
             <a:pPr lvl="0"/>
@@ -3912,8 +4299,8 @@
         </p:nvSpPr>
         <p:spPr>
           <a:xfrm>
-            <a:off x="675745" y="2160983"/>
-            <a:ext cx="4185623" cy="576262"/>
+            <a:off x="973670" y="2218267"/>
+            <a:ext cx="4709054" cy="576262"/>
           </a:xfrm>
         </p:spPr>
         <p:txBody>
@@ -3923,7 +4310,7 @@
           <a:lstStyle>
             <a:lvl1pPr marL="0" indent="0">
               <a:buNone/>
-              <a:defRPr sz="2400" b="0"/>
+              <a:defRPr sz="2800" b="0"/>
             </a:lvl1pPr>
             <a:lvl2pPr marL="457200" indent="0">
               <a:buNone/>
@@ -3979,12 +4366,12 @@
         </p:nvSpPr>
         <p:spPr>
           <a:xfrm>
-            <a:off x="675745" y="2737245"/>
-            <a:ext cx="4185623" cy="3304117"/>
+            <a:off x="685801" y="2870201"/>
+            <a:ext cx="4996923" cy="2920998"/>
           </a:xfrm>
         </p:spPr>
         <p:txBody>
-          <a:bodyPr>
+          <a:bodyPr anchor="t">
             <a:normAutofit/>
           </a:bodyPr>
           <a:lstStyle/>
@@ -4038,8 +4425,8 @@
         </p:nvSpPr>
         <p:spPr>
           <a:xfrm>
-            <a:off x="5088383" y="2160983"/>
-            <a:ext cx="4185618" cy="576262"/>
+            <a:off x="6096003" y="2226734"/>
+            <a:ext cx="4722813" cy="576262"/>
           </a:xfrm>
         </p:spPr>
         <p:txBody>
@@ -4049,7 +4436,7 @@
           <a:lstStyle>
             <a:lvl1pPr marL="0" indent="0">
               <a:buNone/>
-              <a:defRPr sz="2400" b="0"/>
+              <a:defRPr sz="2800" b="0"/>
             </a:lvl1pPr>
             <a:lvl2pPr marL="457200" indent="0">
               <a:buNone/>
@@ -4105,12 +4492,12 @@
         </p:nvSpPr>
         <p:spPr>
           <a:xfrm>
-            <a:off x="5088384" y="2737245"/>
-            <a:ext cx="4185617" cy="3304117"/>
+            <a:off x="5823483" y="2870201"/>
+            <a:ext cx="4995334" cy="2920998"/>
           </a:xfrm>
         </p:spPr>
         <p:txBody>
-          <a:bodyPr>
+          <a:bodyPr anchor="t">
             <a:normAutofit/>
           </a:bodyPr>
           <a:lstStyle/>
@@ -4249,22 +4636,47 @@
           <a:chExt cx="0" cy="0"/>
         </a:xfrm>
       </p:grpSpPr>
-      <p:sp>
-        <p:nvSpPr>
-          <p:cNvPr id="2" name="Title 1"/>
-          <p:cNvSpPr>
-            <a:spLocks noGrp="1"/>
-          </p:cNvSpPr>
-          <p:nvPr>
-            <p:ph type="title"/>
-          </p:nvPr>
-        </p:nvSpPr>
+      <p:pic>
+        <p:nvPicPr>
+          <p:cNvPr id="6" name="Picture 5" descr="Celestia-R1---OverlayContentHD.png"/>
+          <p:cNvPicPr>
+            <a:picLocks noChangeAspect="1"/>
+          </p:cNvPicPr>
+          <p:nvPr/>
+        </p:nvPicPr>
+        <p:blipFill>
+          <a:blip r:embed="rId2">
+            <a:extLst>
+              <a:ext uri="{28A0092B-C50C-407E-A947-70E740481C1C}">
+                <a14:useLocalDpi xmlns:a14="http://schemas.microsoft.com/office/drawing/2010/main" val="0"/>
+              </a:ext>
+            </a:extLst>
+          </a:blip>
+          <a:stretch>
+            <a:fillRect/>
+          </a:stretch>
+        </p:blipFill>
         <p:spPr>
           <a:xfrm>
-            <a:off x="677334" y="609600"/>
-            <a:ext cx="8596668" cy="1320800"/>
+            <a:off x="0" y="0"/>
+            <a:ext cx="12188825" cy="6856214"/>
           </a:xfrm>
+          <a:prstGeom prst="rect">
+            <a:avLst/>
+          </a:prstGeom>
         </p:spPr>
+      </p:pic>
+      <p:sp>
+        <p:nvSpPr>
+          <p:cNvPr id="2" name="Title 1"/>
+          <p:cNvSpPr>
+            <a:spLocks noGrp="1"/>
+          </p:cNvSpPr>
+          <p:nvPr>
+            <p:ph type="title"/>
+          </p:nvPr>
+        </p:nvSpPr>
+        <p:spPr/>
         <p:txBody>
           <a:bodyPr/>
           <a:lstStyle/>
@@ -4369,6 +4781,36 @@
           <a:chExt cx="0" cy="0"/>
         </a:xfrm>
       </p:grpSpPr>
+      <p:pic>
+        <p:nvPicPr>
+          <p:cNvPr id="5" name="Picture 4" descr="Celestia-R1---OverlayContentHD.png"/>
+          <p:cNvPicPr>
+            <a:picLocks noChangeAspect="1"/>
+          </p:cNvPicPr>
+          <p:nvPr/>
+        </p:nvPicPr>
+        <p:blipFill>
+          <a:blip r:embed="rId2">
+            <a:extLst>
+              <a:ext uri="{28A0092B-C50C-407E-A947-70E740481C1C}">
+                <a14:useLocalDpi xmlns:a14="http://schemas.microsoft.com/office/drawing/2010/main" val="0"/>
+              </a:ext>
+            </a:extLst>
+          </a:blip>
+          <a:stretch>
+            <a:fillRect/>
+          </a:stretch>
+        </p:blipFill>
+        <p:spPr>
+          <a:xfrm>
+            <a:off x="0" y="0"/>
+            <a:ext cx="12188825" cy="6856214"/>
+          </a:xfrm>
+          <a:prstGeom prst="rect">
+            <a:avLst/>
+          </a:prstGeom>
+        </p:spPr>
+      </p:pic>
       <p:sp>
         <p:nvSpPr>
           <p:cNvPr id="2" name="Date Placeholder 1"/>
@@ -4466,20 +4908,50 @@
           <a:chExt cx="0" cy="0"/>
         </a:xfrm>
       </p:grpSpPr>
-      <p:sp>
-        <p:nvSpPr>
-          <p:cNvPr id="2" name="Title 1"/>
-          <p:cNvSpPr>
-            <a:spLocks noGrp="1"/>
-          </p:cNvSpPr>
-          <p:nvPr>
-            <p:ph type="title"/>
-          </p:nvPr>
-        </p:nvSpPr>
+      <p:pic>
+        <p:nvPicPr>
+          <p:cNvPr id="8" name="Picture 7" descr="Celestia-R1---OverlayContentHD.png"/>
+          <p:cNvPicPr>
+            <a:picLocks noChangeAspect="1"/>
+          </p:cNvPicPr>
+          <p:nvPr/>
+        </p:nvPicPr>
+        <p:blipFill>
+          <a:blip r:embed="rId2">
+            <a:extLst>
+              <a:ext uri="{28A0092B-C50C-407E-A947-70E740481C1C}">
+                <a14:useLocalDpi xmlns:a14="http://schemas.microsoft.com/office/drawing/2010/main" val="0"/>
+              </a:ext>
+            </a:extLst>
+          </a:blip>
+          <a:stretch>
+            <a:fillRect/>
+          </a:stretch>
+        </p:blipFill>
         <p:spPr>
           <a:xfrm>
-            <a:off x="677334" y="1498604"/>
-            <a:ext cx="3854528" cy="1278466"/>
+            <a:off x="0" y="0"/>
+            <a:ext cx="12188825" cy="6856214"/>
+          </a:xfrm>
+          <a:prstGeom prst="rect">
+            <a:avLst/>
+          </a:prstGeom>
+        </p:spPr>
+      </p:pic>
+      <p:sp>
+        <p:nvSpPr>
+          <p:cNvPr id="2" name="Title 1"/>
+          <p:cNvSpPr>
+            <a:spLocks noGrp="1"/>
+          </p:cNvSpPr>
+          <p:nvPr>
+            <p:ph type="title"/>
+          </p:nvPr>
+        </p:nvSpPr>
+        <p:spPr>
+          <a:xfrm>
+            <a:off x="685800" y="2074333"/>
+            <a:ext cx="3680885" cy="1371600"/>
           </a:xfrm>
         </p:spPr>
         <p:txBody>
@@ -4487,8 +4959,8 @@
             <a:normAutofit/>
           </a:bodyPr>
           <a:lstStyle>
-            <a:lvl1pPr>
-              <a:defRPr sz="2000"/>
+            <a:lvl1pPr algn="l">
+              <a:defRPr sz="2400" b="0"/>
             </a:lvl1pPr>
           </a:lstStyle>
           <a:p>
@@ -4512,12 +4984,12 @@
         </p:nvSpPr>
         <p:spPr>
           <a:xfrm>
-            <a:off x="4760461" y="514924"/>
-            <a:ext cx="4513541" cy="5526437"/>
+            <a:off x="4648201" y="609601"/>
+            <a:ext cx="6169026" cy="5181600"/>
           </a:xfrm>
         </p:spPr>
         <p:txBody>
-          <a:bodyPr>
+          <a:bodyPr anchor="ctr">
             <a:normAutofit/>
           </a:bodyPr>
           <a:lstStyle/>
@@ -4571,50 +5043,50 @@
         </p:nvSpPr>
         <p:spPr>
           <a:xfrm>
-            <a:off x="677334" y="2777069"/>
-            <a:ext cx="3854528" cy="2584449"/>
+            <a:off x="685800" y="3445933"/>
+            <a:ext cx="3680885" cy="1828800"/>
           </a:xfrm>
         </p:spPr>
         <p:txBody>
-          <a:bodyPr>
+          <a:bodyPr anchor="t">
             <a:normAutofit/>
           </a:bodyPr>
           <a:lstStyle>
             <a:lvl1pPr marL="0" indent="0">
               <a:buNone/>
-              <a:defRPr sz="1400"/>
+              <a:defRPr sz="1600"/>
             </a:lvl1pPr>
-            <a:lvl2pPr marL="457063" indent="0">
-              <a:buNone/>
-              <a:defRPr sz="1400"/>
+            <a:lvl2pPr marL="457200" indent="0">
+              <a:buNone/>
+              <a:defRPr sz="1200"/>
             </a:lvl2pPr>
-            <a:lvl3pPr marL="914126" indent="0">
-              <a:buNone/>
-              <a:defRPr sz="1200"/>
+            <a:lvl3pPr marL="914400" indent="0">
+              <a:buNone/>
+              <a:defRPr sz="1000"/>
             </a:lvl3pPr>
-            <a:lvl4pPr marL="1371189" indent="0">
-              <a:buNone/>
-              <a:defRPr sz="1000"/>
+            <a:lvl4pPr marL="1371600" indent="0">
+              <a:buNone/>
+              <a:defRPr sz="900"/>
             </a:lvl4pPr>
-            <a:lvl5pPr marL="1828251" indent="0">
-              <a:buNone/>
-              <a:defRPr sz="1000"/>
+            <a:lvl5pPr marL="1828800" indent="0">
+              <a:buNone/>
+              <a:defRPr sz="900"/>
             </a:lvl5pPr>
-            <a:lvl6pPr marL="2285314" indent="0">
-              <a:buNone/>
-              <a:defRPr sz="1000"/>
+            <a:lvl6pPr marL="2286000" indent="0">
+              <a:buNone/>
+              <a:defRPr sz="900"/>
             </a:lvl6pPr>
-            <a:lvl7pPr marL="2742377" indent="0">
-              <a:buNone/>
-              <a:defRPr sz="1000"/>
+            <a:lvl7pPr marL="2743200" indent="0">
+              <a:buNone/>
+              <a:defRPr sz="900"/>
             </a:lvl7pPr>
-            <a:lvl8pPr marL="3199440" indent="0">
-              <a:buNone/>
-              <a:defRPr sz="1000"/>
+            <a:lvl8pPr marL="3200400" indent="0">
+              <a:buNone/>
+              <a:defRPr sz="900"/>
             </a:lvl8pPr>
-            <a:lvl9pPr marL="3656503" indent="0">
-              <a:buNone/>
-              <a:defRPr sz="1000"/>
+            <a:lvl9pPr marL="3657600" indent="0">
+              <a:buNone/>
+              <a:defRPr sz="900"/>
             </a:lvl9pPr>
           </a:lstStyle>
           <a:p>
@@ -4723,20 +5195,50 @@
           <a:chExt cx="0" cy="0"/>
         </a:xfrm>
       </p:grpSpPr>
-      <p:sp>
-        <p:nvSpPr>
-          <p:cNvPr id="2" name="Title 1"/>
-          <p:cNvSpPr>
-            <a:spLocks noGrp="1"/>
-          </p:cNvSpPr>
-          <p:nvPr>
-            <p:ph type="title"/>
-          </p:nvPr>
-        </p:nvSpPr>
+      <p:pic>
+        <p:nvPicPr>
+          <p:cNvPr id="8" name="Picture 7" descr="Celestia-R1---OverlayContentHD.png"/>
+          <p:cNvPicPr>
+            <a:picLocks noChangeAspect="1"/>
+          </p:cNvPicPr>
+          <p:nvPr/>
+        </p:nvPicPr>
+        <p:blipFill>
+          <a:blip r:embed="rId2">
+            <a:extLst>
+              <a:ext uri="{28A0092B-C50C-407E-A947-70E740481C1C}">
+                <a14:useLocalDpi xmlns:a14="http://schemas.microsoft.com/office/drawing/2010/main" val="0"/>
+              </a:ext>
+            </a:extLst>
+          </a:blip>
+          <a:stretch>
+            <a:fillRect/>
+          </a:stretch>
+        </p:blipFill>
         <p:spPr>
           <a:xfrm>
-            <a:off x="677334" y="4800600"/>
-            <a:ext cx="8596667" cy="566738"/>
+            <a:off x="0" y="0"/>
+            <a:ext cx="12188825" cy="6856214"/>
+          </a:xfrm>
+          <a:prstGeom prst="rect">
+            <a:avLst/>
+          </a:prstGeom>
+        </p:spPr>
+      </p:pic>
+      <p:sp>
+        <p:nvSpPr>
+          <p:cNvPr id="2" name="Title 1"/>
+          <p:cNvSpPr>
+            <a:spLocks noGrp="1"/>
+          </p:cNvSpPr>
+          <p:nvPr>
+            <p:ph type="title"/>
+          </p:nvPr>
+        </p:nvSpPr>
+        <p:spPr>
+          <a:xfrm>
+            <a:off x="685800" y="1600200"/>
+            <a:ext cx="6164653" cy="1371600"/>
           </a:xfrm>
         </p:spPr>
         <p:txBody>
@@ -4745,7 +5247,7 @@
           </a:bodyPr>
           <a:lstStyle>
             <a:lvl1pPr algn="l">
-              <a:defRPr sz="2400" b="0"/>
+              <a:defRPr sz="2800" b="0"/>
             </a:lvl1pPr>
           </a:lstStyle>
           <a:p>
@@ -4759,7 +5261,7 @@
       </p:sp>
       <p:sp>
         <p:nvSpPr>
-          <p:cNvPr id="3" name="Picture Placeholder 2"/>
+          <p:cNvPr id="14" name="Picture Placeholder 2"/>
           <p:cNvSpPr>
             <a:spLocks noGrp="1" noChangeAspect="1"/>
           </p:cNvSpPr>
@@ -4769,9 +5271,40 @@
         </p:nvSpPr>
         <p:spPr>
           <a:xfrm>
-            <a:off x="677334" y="609600"/>
-            <a:ext cx="8596668" cy="3845718"/>
+            <a:off x="7536253" y="914400"/>
+            <a:ext cx="3280974" cy="4572000"/>
           </a:xfrm>
+          <a:prstGeom prst="roundRect">
+            <a:avLst>
+              <a:gd name="adj" fmla="val 4280"/>
+            </a:avLst>
+          </a:prstGeom>
+          <a:ln w="50800" cap="sq" cmpd="dbl">
+            <a:gradFill flip="none" rotWithShape="1">
+              <a:gsLst>
+                <a:gs pos="0">
+                  <a:srgbClr val="FFFFFF"/>
+                </a:gs>
+                <a:gs pos="100000">
+                  <a:schemeClr val="tx1">
+                    <a:alpha val="0"/>
+                  </a:schemeClr>
+                </a:gs>
+              </a:gsLst>
+              <a:path path="circle">
+                <a:fillToRect l="50000" t="50000" r="50000" b="50000"/>
+              </a:path>
+              <a:tileRect/>
+            </a:gradFill>
+            <a:miter lim="800000"/>
+          </a:ln>
+          <a:effectLst>
+            <a:outerShdw blurRad="254000" algn="tl" rotWithShape="0">
+              <a:srgbClr val="000000">
+                <a:alpha val="43000"/>
+              </a:srgbClr>
+            </a:outerShdw>
+          </a:effectLst>
         </p:spPr>
         <p:txBody>
           <a:bodyPr anchor="t">
@@ -4836,18 +5369,18 @@
         </p:nvSpPr>
         <p:spPr>
           <a:xfrm>
-            <a:off x="677334" y="5367338"/>
-            <a:ext cx="8596667" cy="674024"/>
+            <a:off x="685800" y="2971800"/>
+            <a:ext cx="6164653" cy="1828800"/>
           </a:xfrm>
         </p:spPr>
         <p:txBody>
-          <a:bodyPr>
+          <a:bodyPr anchor="t">
             <a:normAutofit/>
           </a:bodyPr>
           <a:lstStyle>
             <a:lvl1pPr marL="0" indent="0">
               <a:buNone/>
-              <a:defRPr sz="1200"/>
+              <a:defRPr sz="1800"/>
             </a:lvl1pPr>
             <a:lvl2pPr marL="457200" indent="0">
               <a:buNone/>
@@ -4888,6 +5421,30 @@
               <a:rPr lang="es-ES_tradnl" smtClean="0"/>
               <a:t>Haga clic para modificar el estilo de texto del patrón</a:t>
             </a:r>
+          </a:p>
+        </p:txBody>
+      </p:sp>
+      <p:sp>
+        <p:nvSpPr>
+          <p:cNvPr id="5" name="Date Placeholder 4"/>
+          <p:cNvSpPr>
+            <a:spLocks noGrp="1"/>
+          </p:cNvSpPr>
+          <p:nvPr>
+            <p:ph type="dt" sz="half" idx="10"/>
+          </p:nvPr>
+        </p:nvSpPr>
+        <p:spPr/>
+        <p:txBody>
+          <a:bodyPr/>
+          <a:lstStyle/>
+          <a:p>
+            <a:fld id="{B61BEF0D-F0BB-DE4B-95CE-6DB70DBA9567}" type="datetimeFigureOut">
+              <a:rPr lang="en-US" smtClean="0"/>
+              <a:pPr/>
+              <a:t>1/11/17</a:t>
+            </a:fld>
+            <a:endParaRPr lang="en-US" dirty="0"/>
           </a:p>
         </p:txBody>
       </p:sp>
@@ -4929,30 +5486,6 @@
               <a:rPr lang="en-US" smtClean="0"/>
               <a:pPr/>
               <a:t>‹Nr.›</a:t>
-            </a:fld>
-            <a:endParaRPr lang="en-US" dirty="0"/>
-          </a:p>
-        </p:txBody>
-      </p:sp>
-      <p:sp>
-        <p:nvSpPr>
-          <p:cNvPr id="5" name="Date Placeholder 4"/>
-          <p:cNvSpPr>
-            <a:spLocks noGrp="1"/>
-          </p:cNvSpPr>
-          <p:nvPr>
-            <p:ph type="dt" sz="half" idx="10"/>
-          </p:nvPr>
-        </p:nvSpPr>
-        <p:spPr/>
-        <p:txBody>
-          <a:bodyPr/>
-          <a:lstStyle/>
-          <a:p>
-            <a:fld id="{B61BEF0D-F0BB-DE4B-95CE-6DB70DBA9567}" type="datetimeFigureOut">
-              <a:rPr lang="en-US" smtClean="0"/>
-              <a:pPr/>
-              <a:t>1/11/17</a:t>
             </a:fld>
             <a:endParaRPr lang="en-US" dirty="0"/>
           </a:p>
@@ -4970,8 +5503,8 @@
 <p:sldMaster xmlns:a="http://schemas.openxmlformats.org/drawingml/2006/main" xmlns:r="http://schemas.openxmlformats.org/officeDocument/2006/relationships" xmlns:p="http://schemas.openxmlformats.org/presentationml/2006/main">
   <p:cSld>
     <p:bg>
-      <p:bgRef idx="1001">
-        <a:schemeClr val="bg1"/>
+      <p:bgRef idx="1003">
+        <a:schemeClr val="bg2"/>
       </p:bgRef>
     </p:bg>
     <p:spTree>
@@ -4988,537 +5521,6 @@
           <a:chExt cx="0" cy="0"/>
         </a:xfrm>
       </p:grpSpPr>
-      <p:grpSp>
-        <p:nvGrpSpPr>
-          <p:cNvPr id="44" name="Group 43"/>
-          <p:cNvGrpSpPr/>
-          <p:nvPr/>
-        </p:nvGrpSpPr>
-        <p:grpSpPr>
-          <a:xfrm>
-            <a:off x="0" y="-8467"/>
-            <a:ext cx="12192000" cy="6866467"/>
-            <a:chOff x="0" y="-8467"/>
-            <a:chExt cx="12192000" cy="6866467"/>
-          </a:xfrm>
-        </p:grpSpPr>
-        <p:cxnSp>
-          <p:nvCxnSpPr>
-            <p:cNvPr id="20" name="Straight Connector 19"/>
-            <p:cNvCxnSpPr/>
-            <p:nvPr/>
-          </p:nvCxnSpPr>
-          <p:spPr>
-            <a:xfrm>
-              <a:off x="9371012" y="0"/>
-              <a:ext cx="1219200" cy="6858000"/>
-            </a:xfrm>
-            <a:prstGeom prst="line">
-              <a:avLst/>
-            </a:prstGeom>
-            <a:ln w="9525">
-              <a:solidFill>
-                <a:schemeClr val="accent1">
-                  <a:alpha val="70000"/>
-                </a:schemeClr>
-              </a:solidFill>
-            </a:ln>
-          </p:spPr>
-          <p:style>
-            <a:lnRef idx="2">
-              <a:schemeClr val="accent1"/>
-            </a:lnRef>
-            <a:fillRef idx="0">
-              <a:schemeClr val="accent1"/>
-            </a:fillRef>
-            <a:effectRef idx="1">
-              <a:schemeClr val="accent1"/>
-            </a:effectRef>
-            <a:fontRef idx="minor">
-              <a:schemeClr val="tx1"/>
-            </a:fontRef>
-          </p:style>
-        </p:cxnSp>
-        <p:cxnSp>
-          <p:nvCxnSpPr>
-            <p:cNvPr id="21" name="Straight Connector 20"/>
-            <p:cNvCxnSpPr/>
-            <p:nvPr/>
-          </p:nvCxnSpPr>
-          <p:spPr>
-            <a:xfrm flipH="1">
-              <a:off x="7425267" y="3681413"/>
-              <a:ext cx="4763558" cy="3176587"/>
-            </a:xfrm>
-            <a:prstGeom prst="line">
-              <a:avLst/>
-            </a:prstGeom>
-            <a:ln w="9525">
-              <a:solidFill>
-                <a:schemeClr val="accent1">
-                  <a:alpha val="70000"/>
-                </a:schemeClr>
-              </a:solidFill>
-            </a:ln>
-          </p:spPr>
-          <p:style>
-            <a:lnRef idx="2">
-              <a:schemeClr val="accent1"/>
-            </a:lnRef>
-            <a:fillRef idx="0">
-              <a:schemeClr val="accent1"/>
-            </a:fillRef>
-            <a:effectRef idx="1">
-              <a:schemeClr val="accent1"/>
-            </a:effectRef>
-            <a:fontRef idx="minor">
-              <a:schemeClr val="tx1"/>
-            </a:fontRef>
-          </p:style>
-        </p:cxnSp>
-        <p:sp>
-          <p:nvSpPr>
-            <p:cNvPr id="22" name="Rectangle 23"/>
-            <p:cNvSpPr/>
-            <p:nvPr/>
-          </p:nvSpPr>
-          <p:spPr>
-            <a:xfrm>
-              <a:off x="9181476" y="-8467"/>
-              <a:ext cx="3007349" cy="6866467"/>
-            </a:xfrm>
-            <a:custGeom>
-              <a:avLst/>
-              <a:gdLst/>
-              <a:ahLst/>
-              <a:cxnLst/>
-              <a:rect l="l" t="t" r="r" b="b"/>
-              <a:pathLst>
-                <a:path w="3007349" h="6866467">
-                  <a:moveTo>
-                    <a:pt x="2045532" y="0"/>
-                  </a:moveTo>
-                  <a:lnTo>
-                    <a:pt x="3007349" y="0"/>
-                  </a:lnTo>
-                  <a:lnTo>
-                    <a:pt x="3007349" y="6866467"/>
-                  </a:lnTo>
-                  <a:lnTo>
-                    <a:pt x="0" y="6866467"/>
-                  </a:lnTo>
-                  <a:lnTo>
-                    <a:pt x="2045532" y="0"/>
-                  </a:lnTo>
-                  <a:close/>
-                </a:path>
-              </a:pathLst>
-            </a:custGeom>
-            <a:solidFill>
-              <a:schemeClr val="accent1">
-                <a:alpha val="36000"/>
-              </a:schemeClr>
-            </a:solidFill>
-            <a:ln>
-              <a:noFill/>
-            </a:ln>
-            <a:effectLst/>
-          </p:spPr>
-          <p:style>
-            <a:lnRef idx="1">
-              <a:schemeClr val="accent1"/>
-            </a:lnRef>
-            <a:fillRef idx="3">
-              <a:schemeClr val="accent1"/>
-            </a:fillRef>
-            <a:effectRef idx="2">
-              <a:schemeClr val="accent1"/>
-            </a:effectRef>
-            <a:fontRef idx="minor">
-              <a:schemeClr val="lt1"/>
-            </a:fontRef>
-          </p:style>
-        </p:sp>
-        <p:sp>
-          <p:nvSpPr>
-            <p:cNvPr id="23" name="Rectangle 25"/>
-            <p:cNvSpPr/>
-            <p:nvPr/>
-          </p:nvSpPr>
-          <p:spPr>
-            <a:xfrm>
-              <a:off x="9603442" y="-8467"/>
-              <a:ext cx="2588558" cy="6866467"/>
-            </a:xfrm>
-            <a:custGeom>
-              <a:avLst/>
-              <a:gdLst/>
-              <a:ahLst/>
-              <a:cxnLst/>
-              <a:rect l="l" t="t" r="r" b="b"/>
-              <a:pathLst>
-                <a:path w="2573311" h="6866467">
-                  <a:moveTo>
-                    <a:pt x="0" y="0"/>
-                  </a:moveTo>
-                  <a:lnTo>
-                    <a:pt x="2573311" y="0"/>
-                  </a:lnTo>
-                  <a:lnTo>
-                    <a:pt x="2573311" y="6866467"/>
-                  </a:lnTo>
-                  <a:lnTo>
-                    <a:pt x="1202336" y="6866467"/>
-                  </a:lnTo>
-                  <a:lnTo>
-                    <a:pt x="0" y="0"/>
-                  </a:lnTo>
-                  <a:close/>
-                </a:path>
-              </a:pathLst>
-            </a:custGeom>
-            <a:solidFill>
-              <a:schemeClr val="accent1">
-                <a:alpha val="20000"/>
-              </a:schemeClr>
-            </a:solidFill>
-            <a:ln>
-              <a:noFill/>
-            </a:ln>
-            <a:effectLst/>
-          </p:spPr>
-          <p:style>
-            <a:lnRef idx="1">
-              <a:schemeClr val="accent1"/>
-            </a:lnRef>
-            <a:fillRef idx="3">
-              <a:schemeClr val="accent1"/>
-            </a:fillRef>
-            <a:effectRef idx="2">
-              <a:schemeClr val="accent1"/>
-            </a:effectRef>
-            <a:fontRef idx="minor">
-              <a:schemeClr val="lt1"/>
-            </a:fontRef>
-          </p:style>
-        </p:sp>
-        <p:sp>
-          <p:nvSpPr>
-            <p:cNvPr id="24" name="Isosceles Triangle 23"/>
-            <p:cNvSpPr/>
-            <p:nvPr/>
-          </p:nvSpPr>
-          <p:spPr>
-            <a:xfrm>
-              <a:off x="8932333" y="3048000"/>
-              <a:ext cx="3259667" cy="3810000"/>
-            </a:xfrm>
-            <a:prstGeom prst="triangle">
-              <a:avLst>
-                <a:gd name="adj" fmla="val 100000"/>
-              </a:avLst>
-            </a:prstGeom>
-            <a:solidFill>
-              <a:schemeClr val="accent1">
-                <a:lumMod val="75000"/>
-                <a:alpha val="66000"/>
-              </a:schemeClr>
-            </a:solidFill>
-            <a:ln>
-              <a:noFill/>
-            </a:ln>
-            <a:effectLst/>
-          </p:spPr>
-          <p:style>
-            <a:lnRef idx="1">
-              <a:schemeClr val="accent1"/>
-            </a:lnRef>
-            <a:fillRef idx="3">
-              <a:schemeClr val="accent1"/>
-            </a:fillRef>
-            <a:effectRef idx="2">
-              <a:schemeClr val="accent1"/>
-            </a:effectRef>
-            <a:fontRef idx="minor">
-              <a:schemeClr val="lt1"/>
-            </a:fontRef>
-          </p:style>
-        </p:sp>
-        <p:sp>
-          <p:nvSpPr>
-            <p:cNvPr id="25" name="Rectangle 27"/>
-            <p:cNvSpPr/>
-            <p:nvPr/>
-          </p:nvSpPr>
-          <p:spPr>
-            <a:xfrm>
-              <a:off x="9334500" y="-8467"/>
-              <a:ext cx="2854326" cy="6866467"/>
-            </a:xfrm>
-            <a:custGeom>
-              <a:avLst/>
-              <a:gdLst/>
-              <a:ahLst/>
-              <a:cxnLst/>
-              <a:rect l="l" t="t" r="r" b="b"/>
-              <a:pathLst>
-                <a:path w="2858013" h="6866467">
-                  <a:moveTo>
-                    <a:pt x="0" y="0"/>
-                  </a:moveTo>
-                  <a:lnTo>
-                    <a:pt x="2858013" y="0"/>
-                  </a:lnTo>
-                  <a:lnTo>
-                    <a:pt x="2858013" y="6866467"/>
-                  </a:lnTo>
-                  <a:lnTo>
-                    <a:pt x="2473942" y="6866467"/>
-                  </a:lnTo>
-                  <a:lnTo>
-                    <a:pt x="0" y="0"/>
-                  </a:lnTo>
-                  <a:close/>
-                </a:path>
-              </a:pathLst>
-            </a:custGeom>
-            <a:solidFill>
-              <a:schemeClr val="accent1">
-                <a:lumMod val="75000"/>
-                <a:alpha val="50000"/>
-              </a:schemeClr>
-            </a:solidFill>
-            <a:ln>
-              <a:noFill/>
-            </a:ln>
-            <a:effectLst/>
-          </p:spPr>
-          <p:style>
-            <a:lnRef idx="1">
-              <a:schemeClr val="accent1"/>
-            </a:lnRef>
-            <a:fillRef idx="3">
-              <a:schemeClr val="accent1"/>
-            </a:fillRef>
-            <a:effectRef idx="2">
-              <a:schemeClr val="accent1"/>
-            </a:effectRef>
-            <a:fontRef idx="minor">
-              <a:schemeClr val="lt1"/>
-            </a:fontRef>
-          </p:style>
-        </p:sp>
-        <p:sp>
-          <p:nvSpPr>
-            <p:cNvPr id="26" name="Rectangle 28"/>
-            <p:cNvSpPr/>
-            <p:nvPr/>
-          </p:nvSpPr>
-          <p:spPr>
-            <a:xfrm>
-              <a:off x="10898730" y="-8467"/>
-              <a:ext cx="1290094" cy="6866467"/>
-            </a:xfrm>
-            <a:custGeom>
-              <a:avLst/>
-              <a:gdLst/>
-              <a:ahLst/>
-              <a:cxnLst/>
-              <a:rect l="l" t="t" r="r" b="b"/>
-              <a:pathLst>
-                <a:path w="1290094" h="6858000">
-                  <a:moveTo>
-                    <a:pt x="1019735" y="0"/>
-                  </a:moveTo>
-                  <a:lnTo>
-                    <a:pt x="1290094" y="0"/>
-                  </a:lnTo>
-                  <a:lnTo>
-                    <a:pt x="1290094" y="6858000"/>
-                  </a:lnTo>
-                  <a:lnTo>
-                    <a:pt x="0" y="6858000"/>
-                  </a:lnTo>
-                  <a:lnTo>
-                    <a:pt x="1019735" y="0"/>
-                  </a:lnTo>
-                  <a:close/>
-                </a:path>
-              </a:pathLst>
-            </a:custGeom>
-            <a:solidFill>
-              <a:schemeClr val="accent2">
-                <a:alpha val="70000"/>
-              </a:schemeClr>
-            </a:solidFill>
-            <a:ln>
-              <a:noFill/>
-            </a:ln>
-            <a:effectLst/>
-          </p:spPr>
-          <p:style>
-            <a:lnRef idx="1">
-              <a:schemeClr val="accent1"/>
-            </a:lnRef>
-            <a:fillRef idx="3">
-              <a:schemeClr val="accent1"/>
-            </a:fillRef>
-            <a:effectRef idx="2">
-              <a:schemeClr val="accent1"/>
-            </a:effectRef>
-            <a:fontRef idx="minor">
-              <a:schemeClr val="lt1"/>
-            </a:fontRef>
-          </p:style>
-        </p:sp>
-        <p:sp>
-          <p:nvSpPr>
-            <p:cNvPr id="27" name="Rectangle 29"/>
-            <p:cNvSpPr/>
-            <p:nvPr/>
-          </p:nvSpPr>
-          <p:spPr>
-            <a:xfrm>
-              <a:off x="10938999" y="-8467"/>
-              <a:ext cx="1249825" cy="6866467"/>
-            </a:xfrm>
-            <a:custGeom>
-              <a:avLst/>
-              <a:gdLst/>
-              <a:ahLst/>
-              <a:cxnLst/>
-              <a:rect l="l" t="t" r="r" b="b"/>
-              <a:pathLst>
-                <a:path w="1249825" h="6858000">
-                  <a:moveTo>
-                    <a:pt x="0" y="0"/>
-                  </a:moveTo>
-                  <a:lnTo>
-                    <a:pt x="1249825" y="0"/>
-                  </a:lnTo>
-                  <a:lnTo>
-                    <a:pt x="1249825" y="6858000"/>
-                  </a:lnTo>
-                  <a:lnTo>
-                    <a:pt x="1109382" y="6858000"/>
-                  </a:lnTo>
-                  <a:lnTo>
-                    <a:pt x="0" y="0"/>
-                  </a:lnTo>
-                  <a:close/>
-                </a:path>
-              </a:pathLst>
-            </a:custGeom>
-            <a:solidFill>
-              <a:schemeClr val="accent2">
-                <a:lumMod val="75000"/>
-                <a:alpha val="80000"/>
-              </a:schemeClr>
-            </a:solidFill>
-            <a:ln>
-              <a:noFill/>
-            </a:ln>
-            <a:effectLst/>
-          </p:spPr>
-          <p:style>
-            <a:lnRef idx="1">
-              <a:schemeClr val="accent1"/>
-            </a:lnRef>
-            <a:fillRef idx="3">
-              <a:schemeClr val="accent1"/>
-            </a:fillRef>
-            <a:effectRef idx="2">
-              <a:schemeClr val="accent1"/>
-            </a:effectRef>
-            <a:fontRef idx="minor">
-              <a:schemeClr val="lt1"/>
-            </a:fontRef>
-          </p:style>
-        </p:sp>
-        <p:sp>
-          <p:nvSpPr>
-            <p:cNvPr id="28" name="Isosceles Triangle 27"/>
-            <p:cNvSpPr/>
-            <p:nvPr/>
-          </p:nvSpPr>
-          <p:spPr>
-            <a:xfrm>
-              <a:off x="10371666" y="3589867"/>
-              <a:ext cx="1817159" cy="3268133"/>
-            </a:xfrm>
-            <a:prstGeom prst="triangle">
-              <a:avLst>
-                <a:gd name="adj" fmla="val 100000"/>
-              </a:avLst>
-            </a:prstGeom>
-            <a:solidFill>
-              <a:schemeClr val="accent1">
-                <a:lumMod val="75000"/>
-                <a:alpha val="66000"/>
-              </a:schemeClr>
-            </a:solidFill>
-            <a:ln>
-              <a:noFill/>
-            </a:ln>
-            <a:effectLst/>
-          </p:spPr>
-          <p:style>
-            <a:lnRef idx="1">
-              <a:schemeClr val="accent1"/>
-            </a:lnRef>
-            <a:fillRef idx="3">
-              <a:schemeClr val="accent1"/>
-            </a:fillRef>
-            <a:effectRef idx="2">
-              <a:schemeClr val="accent1"/>
-            </a:effectRef>
-            <a:fontRef idx="minor">
-              <a:schemeClr val="lt1"/>
-            </a:fontRef>
-          </p:style>
-        </p:sp>
-        <p:sp>
-          <p:nvSpPr>
-            <p:cNvPr id="19" name="Isosceles Triangle 18"/>
-            <p:cNvSpPr/>
-            <p:nvPr/>
-          </p:nvSpPr>
-          <p:spPr>
-            <a:xfrm>
-              <a:off x="0" y="4013200"/>
-              <a:ext cx="448733" cy="2844800"/>
-            </a:xfrm>
-            <a:prstGeom prst="triangle">
-              <a:avLst>
-                <a:gd name="adj" fmla="val 0"/>
-              </a:avLst>
-            </a:prstGeom>
-            <a:solidFill>
-              <a:schemeClr val="accent1">
-                <a:alpha val="70000"/>
-              </a:schemeClr>
-            </a:solidFill>
-            <a:ln>
-              <a:noFill/>
-            </a:ln>
-            <a:effectLst/>
-          </p:spPr>
-          <p:style>
-            <a:lnRef idx="1">
-              <a:schemeClr val="accent1"/>
-            </a:lnRef>
-            <a:fillRef idx="3">
-              <a:schemeClr val="accent1"/>
-            </a:fillRef>
-            <a:effectRef idx="2">
-              <a:schemeClr val="accent1"/>
-            </a:effectRef>
-            <a:fontRef idx="minor">
-              <a:schemeClr val="lt1"/>
-            </a:fontRef>
-          </p:style>
-        </p:sp>
-      </p:grpSp>
       <p:sp>
         <p:nvSpPr>
           <p:cNvPr id="2" name="Title Placeholder 1"/>
@@ -5531,103 +5533,146 @@
         </p:nvSpPr>
         <p:spPr>
           <a:xfrm>
-            <a:off x="677334" y="609600"/>
-            <a:ext cx="8596668" cy="1320800"/>
+            <a:off x="685801" y="609600"/>
+            <a:ext cx="10131425" cy="1456267"/>
+          </a:xfrm>
+          <a:prstGeom prst="rect">
+            <a:avLst/>
+          </a:prstGeom>
+          <a:effectLst/>
+        </p:spPr>
+        <p:txBody>
+          <a:bodyPr vert="horz" lIns="91440" tIns="45720" rIns="91440" bIns="45720" rtlCol="0" anchor="ctr">
+            <a:normAutofit/>
+          </a:bodyPr>
+          <a:lstStyle/>
+          <a:p>
+            <a:r>
+              <a:rPr lang="es-ES_tradnl" smtClean="0"/>
+              <a:t>Clic para editar título</a:t>
+            </a:r>
+            <a:endParaRPr lang="en-US" dirty="0"/>
+          </a:p>
+        </p:txBody>
+      </p:sp>
+      <p:sp>
+        <p:nvSpPr>
+          <p:cNvPr id="3" name="Text Placeholder 2"/>
+          <p:cNvSpPr>
+            <a:spLocks noGrp="1"/>
+          </p:cNvSpPr>
+          <p:nvPr>
+            <p:ph type="body" idx="1"/>
+          </p:nvPr>
+        </p:nvSpPr>
+        <p:spPr>
+          <a:xfrm>
+            <a:off x="685801" y="2142067"/>
+            <a:ext cx="10131425" cy="3649133"/>
           </a:xfrm>
           <a:prstGeom prst="rect">
             <a:avLst/>
           </a:prstGeom>
         </p:spPr>
         <p:txBody>
-          <a:bodyPr vert="horz" lIns="91440" tIns="45720" rIns="91440" bIns="45720" rtlCol="0" anchor="t">
+          <a:bodyPr vert="horz" lIns="91440" tIns="45720" rIns="91440" bIns="45720" rtlCol="0" anchor="ctr">
             <a:normAutofit/>
           </a:bodyPr>
           <a:lstStyle/>
           <a:p>
-            <a:r>
-              <a:rPr lang="es-ES_tradnl" smtClean="0"/>
-              <a:t>Clic para editar título</a:t>
-            </a:r>
-            <a:endParaRPr lang="en-US" dirty="0"/>
-          </a:p>
-        </p:txBody>
-      </p:sp>
-      <p:sp>
-        <p:nvSpPr>
-          <p:cNvPr id="3" name="Text Placeholder 2"/>
-          <p:cNvSpPr>
-            <a:spLocks noGrp="1"/>
-          </p:cNvSpPr>
-          <p:nvPr>
-            <p:ph type="body" idx="1"/>
+            <a:pPr lvl="0"/>
+            <a:r>
+              <a:rPr lang="es-ES_tradnl" smtClean="0"/>
+              <a:t>Haga clic para modificar el estilo de texto del patrón</a:t>
+            </a:r>
+          </a:p>
+          <a:p>
+            <a:pPr lvl="1"/>
+            <a:r>
+              <a:rPr lang="es-ES_tradnl" smtClean="0"/>
+              <a:t>Segundo nivel</a:t>
+            </a:r>
+          </a:p>
+          <a:p>
+            <a:pPr lvl="2"/>
+            <a:r>
+              <a:rPr lang="es-ES_tradnl" smtClean="0"/>
+              <a:t>Tercer nivel</a:t>
+            </a:r>
+          </a:p>
+          <a:p>
+            <a:pPr lvl="3"/>
+            <a:r>
+              <a:rPr lang="es-ES_tradnl" smtClean="0"/>
+              <a:t>Cuarto nivel</a:t>
+            </a:r>
+          </a:p>
+          <a:p>
+            <a:pPr lvl="4"/>
+            <a:r>
+              <a:rPr lang="es-ES_tradnl" smtClean="0"/>
+              <a:t>Quinto nivel</a:t>
+            </a:r>
+            <a:endParaRPr lang="en-US" dirty="0"/>
+          </a:p>
+        </p:txBody>
+      </p:sp>
+      <p:sp>
+        <p:nvSpPr>
+          <p:cNvPr id="4" name="Date Placeholder 3"/>
+          <p:cNvSpPr>
+            <a:spLocks noGrp="1"/>
+          </p:cNvSpPr>
+          <p:nvPr>
+            <p:ph type="dt" sz="half" idx="2"/>
           </p:nvPr>
         </p:nvSpPr>
         <p:spPr>
           <a:xfrm>
-            <a:off x="677334" y="2160589"/>
-            <a:ext cx="8596668" cy="3880773"/>
+            <a:off x="8589660" y="5870575"/>
+            <a:ext cx="1600200" cy="377825"/>
           </a:xfrm>
           <a:prstGeom prst="rect">
             <a:avLst/>
           </a:prstGeom>
         </p:spPr>
         <p:txBody>
-          <a:bodyPr vert="horz" lIns="91440" tIns="45720" rIns="91440" bIns="45720" rtlCol="0">
-            <a:normAutofit/>
-          </a:bodyPr>
-          <a:lstStyle/>
-          <a:p>
-            <a:pPr lvl="0"/>
-            <a:r>
-              <a:rPr lang="es-ES_tradnl" smtClean="0"/>
-              <a:t>Haga clic para modificar el estilo de texto del patrón</a:t>
-            </a:r>
-          </a:p>
-          <a:p>
-            <a:pPr lvl="1"/>
-            <a:r>
-              <a:rPr lang="es-ES_tradnl" smtClean="0"/>
-              <a:t>Segundo nivel</a:t>
-            </a:r>
-          </a:p>
-          <a:p>
-            <a:pPr lvl="2"/>
-            <a:r>
-              <a:rPr lang="es-ES_tradnl" smtClean="0"/>
-              <a:t>Tercer nivel</a:t>
-            </a:r>
-          </a:p>
-          <a:p>
-            <a:pPr lvl="3"/>
-            <a:r>
-              <a:rPr lang="es-ES_tradnl" smtClean="0"/>
-              <a:t>Cuarto nivel</a:t>
-            </a:r>
-          </a:p>
-          <a:p>
-            <a:pPr lvl="4"/>
-            <a:r>
-              <a:rPr lang="es-ES_tradnl" smtClean="0"/>
-              <a:t>Quinto nivel</a:t>
-            </a:r>
-            <a:endParaRPr lang="en-US" dirty="0"/>
-          </a:p>
-        </p:txBody>
-      </p:sp>
-      <p:sp>
-        <p:nvSpPr>
-          <p:cNvPr id="4" name="Date Placeholder 3"/>
-          <p:cNvSpPr>
-            <a:spLocks noGrp="1"/>
-          </p:cNvSpPr>
-          <p:nvPr>
-            <p:ph type="dt" sz="half" idx="2"/>
+          <a:bodyPr vert="horz" lIns="91440" tIns="45720" rIns="91440" bIns="45720" rtlCol="0" anchor="ctr"/>
+          <a:lstStyle>
+            <a:lvl1pPr algn="r">
+              <a:defRPr sz="1000" b="0" i="0">
+                <a:solidFill>
+                  <a:schemeClr val="tx1"/>
+                </a:solidFill>
+                <a:effectLst/>
+                <a:latin typeface="+mn-lt"/>
+              </a:defRPr>
+            </a:lvl1pPr>
+          </a:lstStyle>
+          <a:p>
+            <a:fld id="{B61BEF0D-F0BB-DE4B-95CE-6DB70DBA9567}" type="datetimeFigureOut">
+              <a:rPr lang="en-US" smtClean="0"/>
+              <a:pPr/>
+              <a:t>1/11/17</a:t>
+            </a:fld>
+            <a:endParaRPr lang="en-US" dirty="0"/>
+          </a:p>
+        </p:txBody>
+      </p:sp>
+      <p:sp>
+        <p:nvSpPr>
+          <p:cNvPr id="5" name="Footer Placeholder 4"/>
+          <p:cNvSpPr>
+            <a:spLocks noGrp="1"/>
+          </p:cNvSpPr>
+          <p:nvPr>
+            <p:ph type="ftr" sz="quarter" idx="3"/>
           </p:nvPr>
         </p:nvSpPr>
         <p:spPr>
           <a:xfrm>
-            <a:off x="7205133" y="6041362"/>
-            <a:ext cx="911939" cy="365125"/>
+            <a:off x="685800" y="5870575"/>
+            <a:ext cx="7827659" cy="377825"/>
           </a:xfrm>
           <a:prstGeom prst="rect">
             <a:avLst/>
@@ -5636,40 +5681,35 @@
         <p:txBody>
           <a:bodyPr vert="horz" lIns="91440" tIns="45720" rIns="91440" bIns="45720" rtlCol="0" anchor="ctr"/>
           <a:lstStyle>
-            <a:lvl1pPr algn="r">
-              <a:defRPr sz="900">
-                <a:solidFill>
-                  <a:schemeClr val="tx1">
-                    <a:tint val="75000"/>
-                  </a:schemeClr>
-                </a:solidFill>
+            <a:lvl1pPr algn="l">
+              <a:defRPr sz="1000" b="0" i="0">
+                <a:solidFill>
+                  <a:schemeClr val="tx1"/>
+                </a:solidFill>
+                <a:effectLst/>
+                <a:latin typeface="+mn-lt"/>
               </a:defRPr>
             </a:lvl1pPr>
           </a:lstStyle>
           <a:p>
-            <a:fld id="{B61BEF0D-F0BB-DE4B-95CE-6DB70DBA9567}" type="datetimeFigureOut">
-              <a:rPr lang="en-US" smtClean="0"/>
-              <a:pPr/>
-              <a:t>1/11/17</a:t>
-            </a:fld>
-            <a:endParaRPr lang="en-US" dirty="0"/>
-          </a:p>
-        </p:txBody>
-      </p:sp>
-      <p:sp>
-        <p:nvSpPr>
-          <p:cNvPr id="5" name="Footer Placeholder 4"/>
-          <p:cNvSpPr>
-            <a:spLocks noGrp="1"/>
-          </p:cNvSpPr>
-          <p:nvPr>
-            <p:ph type="ftr" sz="quarter" idx="3"/>
+            <a:endParaRPr lang="en-US" dirty="0"/>
+          </a:p>
+        </p:txBody>
+      </p:sp>
+      <p:sp>
+        <p:nvSpPr>
+          <p:cNvPr id="6" name="Slide Number Placeholder 5"/>
+          <p:cNvSpPr>
+            <a:spLocks noGrp="1"/>
+          </p:cNvSpPr>
+          <p:nvPr>
+            <p:ph type="sldNum" sz="quarter" idx="4"/>
           </p:nvPr>
         </p:nvSpPr>
         <p:spPr>
           <a:xfrm>
-            <a:off x="677334" y="6041362"/>
-            <a:ext cx="6297612" cy="365125"/>
+            <a:off x="10266060" y="5870575"/>
+            <a:ext cx="551167" cy="377825"/>
           </a:xfrm>
           <a:prstGeom prst="rect">
             <a:avLst/>
@@ -5678,48 +5718,13 @@
         <p:txBody>
           <a:bodyPr vert="horz" lIns="91440" tIns="45720" rIns="91440" bIns="45720" rtlCol="0" anchor="ctr"/>
           <a:lstStyle>
-            <a:lvl1pPr algn="l">
-              <a:defRPr sz="900">
-                <a:solidFill>
-                  <a:schemeClr val="tx1">
-                    <a:tint val="75000"/>
-                  </a:schemeClr>
-                </a:solidFill>
-              </a:defRPr>
-            </a:lvl1pPr>
-          </a:lstStyle>
-          <a:p>
-            <a:endParaRPr lang="en-US" dirty="0"/>
-          </a:p>
-        </p:txBody>
-      </p:sp>
-      <p:sp>
-        <p:nvSpPr>
-          <p:cNvPr id="6" name="Slide Number Placeholder 5"/>
-          <p:cNvSpPr>
-            <a:spLocks noGrp="1"/>
-          </p:cNvSpPr>
-          <p:nvPr>
-            <p:ph type="sldNum" sz="quarter" idx="4"/>
-          </p:nvPr>
-        </p:nvSpPr>
-        <p:spPr>
-          <a:xfrm>
-            <a:off x="8590663" y="6041362"/>
-            <a:ext cx="683339" cy="365125"/>
-          </a:xfrm>
-          <a:prstGeom prst="rect">
-            <a:avLst/>
-          </a:prstGeom>
-        </p:spPr>
-        <p:txBody>
-          <a:bodyPr vert="horz" lIns="91440" tIns="45720" rIns="91440" bIns="45720" rtlCol="0" anchor="ctr"/>
-          <a:lstStyle>
             <a:lvl1pPr algn="r">
-              <a:defRPr sz="900">
-                <a:solidFill>
-                  <a:schemeClr val="accent1"/>
-                </a:solidFill>
+              <a:defRPr sz="1000" b="0" i="0">
+                <a:solidFill>
+                  <a:schemeClr val="tx1"/>
+                </a:solidFill>
+                <a:effectLst/>
+                <a:latin typeface="+mn-lt"/>
               </a:defRPr>
             </a:lvl1pPr>
           </a:lstStyle>
@@ -5736,28 +5741,29 @@
     </p:spTree>
     <p:extLst>
       <p:ext uri="{BB962C8B-B14F-4D97-AF65-F5344CB8AC3E}">
-        <p14:creationId xmlns:p14="http://schemas.microsoft.com/office/powerpoint/2010/main" val="359294936"/>
+        <p14:creationId xmlns:p14="http://schemas.microsoft.com/office/powerpoint/2010/main" val="1145686341"/>
       </p:ext>
     </p:extLst>
   </p:cSld>
-  <p:clrMap bg1="lt1" tx1="dk1" bg2="lt2" tx2="dk2" accent1="accent1" accent2="accent2" accent3="accent3" accent4="accent4" accent5="accent5" accent6="accent6" hlink="hlink" folHlink="folHlink"/>
+  <p:clrMap bg1="dk1" tx1="lt1" bg2="dk2" tx2="lt2" accent1="accent1" accent2="accent2" accent3="accent3" accent4="accent4" accent5="accent5" accent6="accent6" hlink="hlink" folHlink="folHlink"/>
   <p:sldLayoutIdLst>
-    <p:sldLayoutId id="2147484456" r:id="rId1"/>
-    <p:sldLayoutId id="2147484457" r:id="rId2"/>
-    <p:sldLayoutId id="2147484458" r:id="rId3"/>
-    <p:sldLayoutId id="2147484459" r:id="rId4"/>
-    <p:sldLayoutId id="2147484460" r:id="rId5"/>
-    <p:sldLayoutId id="2147484461" r:id="rId6"/>
-    <p:sldLayoutId id="2147484462" r:id="rId7"/>
-    <p:sldLayoutId id="2147484463" r:id="rId8"/>
-    <p:sldLayoutId id="2147484464" r:id="rId9"/>
-    <p:sldLayoutId id="2147484465" r:id="rId10"/>
-    <p:sldLayoutId id="2147484466" r:id="rId11"/>
-    <p:sldLayoutId id="2147484467" r:id="rId12"/>
-    <p:sldLayoutId id="2147484468" r:id="rId13"/>
-    <p:sldLayoutId id="2147484469" r:id="rId14"/>
-    <p:sldLayoutId id="2147484470" r:id="rId15"/>
-    <p:sldLayoutId id="2147484471" r:id="rId16"/>
+    <p:sldLayoutId id="2147484473" r:id="rId1"/>
+    <p:sldLayoutId id="2147484474" r:id="rId2"/>
+    <p:sldLayoutId id="2147484475" r:id="rId3"/>
+    <p:sldLayoutId id="2147484476" r:id="rId4"/>
+    <p:sldLayoutId id="2147484477" r:id="rId5"/>
+    <p:sldLayoutId id="2147484478" r:id="rId6"/>
+    <p:sldLayoutId id="2147484479" r:id="rId7"/>
+    <p:sldLayoutId id="2147484480" r:id="rId8"/>
+    <p:sldLayoutId id="2147484481" r:id="rId9"/>
+    <p:sldLayoutId id="2147484482" r:id="rId10"/>
+    <p:sldLayoutId id="2147484483" r:id="rId11"/>
+    <p:sldLayoutId id="2147484484" r:id="rId12"/>
+    <p:sldLayoutId id="2147484485" r:id="rId13"/>
+    <p:sldLayoutId id="2147484486" r:id="rId14"/>
+    <p:sldLayoutId id="2147484487" r:id="rId15"/>
+    <p:sldLayoutId id="2147484488" r:id="rId16"/>
+    <p:sldLayoutId id="2147484489" r:id="rId17"/>
   </p:sldLayoutIdLst>
   <p:txStyles>
     <p:titleStyle>
@@ -5766,10 +5772,14 @@
           <a:spcPct val="0"/>
         </a:spcBef>
         <a:buNone/>
-        <a:defRPr sz="3600" kern="1200">
+        <a:defRPr sz="3600" kern="1200" cap="all">
+          <a:ln w="3175" cmpd="sng">
+            <a:noFill/>
+          </a:ln>
           <a:solidFill>
-            <a:schemeClr val="accent1"/>
+            <a:schemeClr val="tx1"/>
           </a:solidFill>
+          <a:effectLst/>
           <a:latin typeface="+mj-lt"/>
           <a:ea typeface="+mj-ea"/>
           <a:cs typeface="+mj-cs"/>
@@ -5833,26 +5843,24 @@
       </a:lvl9pPr>
     </p:titleStyle>
     <p:bodyStyle>
-      <a:lvl1pPr marL="342900" indent="-342900" algn="l" defTabSz="457200" rtl="0" eaLnBrk="1" latinLnBrk="0" hangingPunct="1">
+      <a:lvl1pPr marL="285750" indent="-285750" algn="l" defTabSz="457200" rtl="0" eaLnBrk="1" latinLnBrk="0" hangingPunct="1">
         <a:spcBef>
-          <a:spcPts val="1000"/>
+          <a:spcPts val="0"/>
         </a:spcBef>
         <a:spcAft>
-          <a:spcPts val="0"/>
+          <a:spcPts val="1000"/>
         </a:spcAft>
         <a:buClr>
-          <a:schemeClr val="accent1"/>
+          <a:schemeClr val="tx1"/>
         </a:buClr>
-        <a:buSzPct val="80000"/>
-        <a:buFont typeface="Wingdings 3" charset="2"/>
-        <a:buChar char=""/>
-        <a:defRPr sz="1800" kern="1200">
+        <a:buSzPct val="100000"/>
+        <a:buFont typeface="Arial"/>
+        <a:buChar char="•"/>
+        <a:defRPr sz="1800" kern="1200" cap="none">
           <a:solidFill>
-            <a:schemeClr val="tx1">
-              <a:lumMod val="75000"/>
-              <a:lumOff val="25000"/>
-            </a:schemeClr>
+            <a:schemeClr val="tx1"/>
           </a:solidFill>
+          <a:effectLst/>
           <a:latin typeface="+mn-lt"/>
           <a:ea typeface="+mn-ea"/>
           <a:cs typeface="+mn-cs"/>
@@ -5860,99 +5868,91 @@
       </a:lvl1pPr>
       <a:lvl2pPr marL="742950" indent="-285750" algn="l" defTabSz="457200" rtl="0" eaLnBrk="1" latinLnBrk="0" hangingPunct="1">
         <a:spcBef>
-          <a:spcPts val="1000"/>
+          <a:spcPts val="0"/>
         </a:spcBef>
         <a:spcAft>
-          <a:spcPts val="0"/>
+          <a:spcPts val="1000"/>
         </a:spcAft>
         <a:buClr>
-          <a:schemeClr val="accent1"/>
+          <a:schemeClr val="tx1"/>
         </a:buClr>
-        <a:buSzPct val="80000"/>
-        <a:buFont typeface="Wingdings 3" charset="2"/>
-        <a:buChar char=""/>
-        <a:defRPr sz="1600" kern="1200">
+        <a:buSzPct val="100000"/>
+        <a:buFont typeface="Arial"/>
+        <a:buChar char="•"/>
+        <a:defRPr sz="1600" kern="1200" cap="none">
           <a:solidFill>
-            <a:schemeClr val="tx1">
-              <a:lumMod val="75000"/>
-              <a:lumOff val="25000"/>
-            </a:schemeClr>
+            <a:schemeClr val="tx1"/>
           </a:solidFill>
+          <a:effectLst/>
           <a:latin typeface="+mn-lt"/>
           <a:ea typeface="+mn-ea"/>
           <a:cs typeface="+mn-cs"/>
         </a:defRPr>
       </a:lvl2pPr>
-      <a:lvl3pPr marL="1143000" indent="-228600" algn="l" defTabSz="457200" rtl="0" eaLnBrk="1" latinLnBrk="0" hangingPunct="1">
+      <a:lvl3pPr marL="1200150" indent="-285750" algn="l" defTabSz="457200" rtl="0" eaLnBrk="1" latinLnBrk="0" hangingPunct="1">
         <a:spcBef>
-          <a:spcPts val="1000"/>
+          <a:spcPts val="0"/>
         </a:spcBef>
         <a:spcAft>
-          <a:spcPts val="0"/>
+          <a:spcPts val="1000"/>
         </a:spcAft>
         <a:buClr>
-          <a:schemeClr val="accent1"/>
+          <a:schemeClr val="tx1"/>
         </a:buClr>
-        <a:buSzPct val="80000"/>
-        <a:buFont typeface="Wingdings 3" charset="2"/>
-        <a:buChar char=""/>
-        <a:defRPr sz="1400" kern="1200">
+        <a:buSzPct val="100000"/>
+        <a:buFont typeface="Arial"/>
+        <a:buChar char="•"/>
+        <a:defRPr sz="1400" kern="1200" cap="none">
           <a:solidFill>
-            <a:schemeClr val="tx1">
-              <a:lumMod val="75000"/>
-              <a:lumOff val="25000"/>
-            </a:schemeClr>
+            <a:schemeClr val="tx1"/>
           </a:solidFill>
+          <a:effectLst/>
           <a:latin typeface="+mn-lt"/>
           <a:ea typeface="+mn-ea"/>
           <a:cs typeface="+mn-cs"/>
         </a:defRPr>
       </a:lvl3pPr>
-      <a:lvl4pPr marL="1600200" indent="-228600" algn="l" defTabSz="457200" rtl="0" eaLnBrk="1" latinLnBrk="0" hangingPunct="1">
+      <a:lvl4pPr marL="1543050" indent="-171450" algn="l" defTabSz="457200" rtl="0" eaLnBrk="1" latinLnBrk="0" hangingPunct="1">
         <a:spcBef>
-          <a:spcPts val="1000"/>
+          <a:spcPts val="0"/>
         </a:spcBef>
         <a:spcAft>
-          <a:spcPts val="0"/>
+          <a:spcPts val="1000"/>
         </a:spcAft>
         <a:buClr>
-          <a:schemeClr val="accent1"/>
+          <a:schemeClr val="tx1"/>
         </a:buClr>
-        <a:buSzPct val="80000"/>
-        <a:buFont typeface="Wingdings 3" charset="2"/>
-        <a:buChar char=""/>
-        <a:defRPr sz="1200" kern="1200">
+        <a:buSzPct val="100000"/>
+        <a:buFont typeface="Arial"/>
+        <a:buChar char="•"/>
+        <a:defRPr sz="1200" kern="1200" cap="none">
           <a:solidFill>
-            <a:schemeClr val="tx1">
-              <a:lumMod val="75000"/>
-              <a:lumOff val="25000"/>
-            </a:schemeClr>
+            <a:schemeClr val="tx1"/>
           </a:solidFill>
+          <a:effectLst/>
           <a:latin typeface="+mn-lt"/>
           <a:ea typeface="+mn-ea"/>
           <a:cs typeface="+mn-cs"/>
         </a:defRPr>
       </a:lvl4pPr>
-      <a:lvl5pPr marL="2057400" indent="-228600" algn="l" defTabSz="457200" rtl="0" eaLnBrk="1" latinLnBrk="0" hangingPunct="1">
+      <a:lvl5pPr marL="2000250" indent="-171450" algn="l" defTabSz="457200" rtl="0" eaLnBrk="1" latinLnBrk="0" hangingPunct="1">
         <a:spcBef>
-          <a:spcPts val="1000"/>
+          <a:spcPts val="0"/>
         </a:spcBef>
         <a:spcAft>
-          <a:spcPts val="0"/>
+          <a:spcPts val="1000"/>
         </a:spcAft>
         <a:buClr>
-          <a:schemeClr val="accent1"/>
+          <a:schemeClr val="tx1"/>
         </a:buClr>
-        <a:buSzPct val="80000"/>
-        <a:buFont typeface="Wingdings 3" charset="2"/>
-        <a:buChar char=""/>
-        <a:defRPr sz="1200" kern="1200">
+        <a:buSzPct val="100000"/>
+        <a:buFont typeface="Arial"/>
+        <a:buChar char="•"/>
+        <a:defRPr sz="1200" kern="1200" cap="none">
           <a:solidFill>
-            <a:schemeClr val="tx1">
-              <a:lumMod val="75000"/>
-              <a:lumOff val="25000"/>
-            </a:schemeClr>
+            <a:schemeClr val="tx1"/>
           </a:solidFill>
+          <a:effectLst/>
           <a:latin typeface="+mn-lt"/>
           <a:ea typeface="+mn-ea"/>
           <a:cs typeface="+mn-cs"/>
@@ -5960,24 +5960,22 @@
       </a:lvl5pPr>
       <a:lvl6pPr marL="2514600" indent="-228600" algn="l" defTabSz="457200" rtl="0" eaLnBrk="1" latinLnBrk="0" hangingPunct="1">
         <a:spcBef>
-          <a:spcPts val="1000"/>
+          <a:spcPts val="0"/>
         </a:spcBef>
         <a:spcAft>
-          <a:spcPts val="0"/>
+          <a:spcPts val="1000"/>
         </a:spcAft>
         <a:buClr>
-          <a:schemeClr val="accent1"/>
+          <a:schemeClr val="tx1"/>
         </a:buClr>
-        <a:buSzPct val="80000"/>
-        <a:buFont typeface="Wingdings 3" charset="2"/>
-        <a:buChar char=""/>
-        <a:defRPr sz="1200" kern="1200">
+        <a:buSzPct val="100000"/>
+        <a:buFont typeface="Arial"/>
+        <a:buChar char="•"/>
+        <a:defRPr sz="1200" kern="1200" cap="none">
           <a:solidFill>
-            <a:schemeClr val="tx1">
-              <a:lumMod val="75000"/>
-              <a:lumOff val="25000"/>
-            </a:schemeClr>
+            <a:schemeClr val="tx1"/>
           </a:solidFill>
+          <a:effectLst/>
           <a:latin typeface="+mn-lt"/>
           <a:ea typeface="+mn-ea"/>
           <a:cs typeface="+mn-cs"/>
@@ -5985,24 +5983,22 @@
       </a:lvl6pPr>
       <a:lvl7pPr marL="2971800" indent="-228600" algn="l" defTabSz="457200" rtl="0" eaLnBrk="1" latinLnBrk="0" hangingPunct="1">
         <a:spcBef>
-          <a:spcPts val="1000"/>
+          <a:spcPts val="0"/>
         </a:spcBef>
         <a:spcAft>
-          <a:spcPts val="0"/>
+          <a:spcPts val="1000"/>
         </a:spcAft>
         <a:buClr>
-          <a:schemeClr val="accent1"/>
+          <a:schemeClr val="tx1"/>
         </a:buClr>
-        <a:buSzPct val="80000"/>
-        <a:buFont typeface="Wingdings 3" charset="2"/>
-        <a:buChar char=""/>
-        <a:defRPr sz="1200" kern="1200">
+        <a:buSzPct val="100000"/>
+        <a:buFont typeface="Arial"/>
+        <a:buChar char="•"/>
+        <a:defRPr sz="1200" kern="1200" cap="none">
           <a:solidFill>
-            <a:schemeClr val="tx1">
-              <a:lumMod val="75000"/>
-              <a:lumOff val="25000"/>
-            </a:schemeClr>
+            <a:schemeClr val="tx1"/>
           </a:solidFill>
+          <a:effectLst/>
           <a:latin typeface="+mn-lt"/>
           <a:ea typeface="+mn-ea"/>
           <a:cs typeface="+mn-cs"/>
@@ -6010,24 +6006,22 @@
       </a:lvl7pPr>
       <a:lvl8pPr marL="3429000" indent="-228600" algn="l" defTabSz="457200" rtl="0" eaLnBrk="1" latinLnBrk="0" hangingPunct="1">
         <a:spcBef>
-          <a:spcPts val="1000"/>
+          <a:spcPts val="0"/>
         </a:spcBef>
         <a:spcAft>
-          <a:spcPts val="0"/>
+          <a:spcPts val="1000"/>
         </a:spcAft>
         <a:buClr>
-          <a:schemeClr val="accent1"/>
+          <a:schemeClr val="tx1"/>
         </a:buClr>
-        <a:buSzPct val="80000"/>
-        <a:buFont typeface="Wingdings 3" charset="2"/>
-        <a:buChar char=""/>
-        <a:defRPr sz="1200" kern="1200">
+        <a:buSzPct val="100000"/>
+        <a:buFont typeface="Arial"/>
+        <a:buChar char="•"/>
+        <a:defRPr sz="1200" kern="1200" cap="none">
           <a:solidFill>
-            <a:schemeClr val="tx1">
-              <a:lumMod val="75000"/>
-              <a:lumOff val="25000"/>
-            </a:schemeClr>
+            <a:schemeClr val="tx1"/>
           </a:solidFill>
+          <a:effectLst/>
           <a:latin typeface="+mn-lt"/>
           <a:ea typeface="+mn-ea"/>
           <a:cs typeface="+mn-cs"/>
@@ -6035,24 +6029,22 @@
       </a:lvl8pPr>
       <a:lvl9pPr marL="3886200" indent="-228600" algn="l" defTabSz="457200" rtl="0" eaLnBrk="1" latinLnBrk="0" hangingPunct="1">
         <a:spcBef>
-          <a:spcPts val="1000"/>
+          <a:spcPts val="0"/>
         </a:spcBef>
         <a:spcAft>
-          <a:spcPts val="0"/>
+          <a:spcPts val="1000"/>
         </a:spcAft>
         <a:buClr>
-          <a:schemeClr val="accent1"/>
+          <a:schemeClr val="tx1"/>
         </a:buClr>
-        <a:buSzPct val="80000"/>
-        <a:buFont typeface="Wingdings 3" charset="2"/>
-        <a:buChar char=""/>
-        <a:defRPr sz="1200" kern="1200">
+        <a:buSzPct val="100000"/>
+        <a:buFont typeface="Arial"/>
+        <a:buChar char="•"/>
+        <a:defRPr sz="1200" kern="1200" cap="none">
           <a:solidFill>
-            <a:schemeClr val="tx1">
-              <a:lumMod val="75000"/>
-              <a:lumOff val="25000"/>
-            </a:schemeClr>
+            <a:schemeClr val="tx1"/>
           </a:solidFill>
+          <a:effectLst/>
           <a:latin typeface="+mn-lt"/>
           <a:ea typeface="+mn-ea"/>
           <a:cs typeface="+mn-cs"/>
@@ -6238,13 +6230,13 @@
   <p:clrMapOvr>
     <a:masterClrMapping/>
   </p:clrMapOvr>
-  <mc:AlternateContent xmlns:mc="http://schemas.openxmlformats.org/markup-compatibility/2006">
-    <mc:Choice xmlns:p14="http://schemas.microsoft.com/office/powerpoint/2010/main" Requires="p14">
+  <mc:AlternateContent xmlns:mc="http://schemas.openxmlformats.org/markup-compatibility/2006" xmlns:p14="http://schemas.microsoft.com/office/powerpoint/2010/main">
+    <mc:Choice Requires="p14">
       <p:transition p14:dur="100">
         <p:cut/>
       </p:transition>
     </mc:Choice>
-    <mc:Fallback>
+    <mc:Fallback xmlns="">
       <p:transition>
         <p:cut/>
       </p:transition>
@@ -6290,7 +6282,7 @@
         <p:spPr>
           <a:xfrm>
             <a:off x="677334" y="514924"/>
-            <a:ext cx="3854528" cy="688490"/>
+            <a:ext cx="4393430" cy="688490"/>
           </a:xfrm>
         </p:spPr>
         <p:txBody>
@@ -6300,10 +6292,10 @@
           <a:lstStyle/>
           <a:p>
             <a:r>
-              <a:rPr lang="es-ES_tradnl" sz="4000" dirty="0" smtClean="0"/>
-              <a:t>QUIÉNES SOMOS</a:t>
-            </a:r>
-            <a:endParaRPr lang="es-ES_tradnl" sz="4000" dirty="0"/>
+              <a:rPr lang="es-ES_tradnl" sz="4000" b="1" dirty="0" smtClean="0"/>
+              <a:t>¿QUIÉNES SOMOS?</a:t>
+            </a:r>
+            <a:endParaRPr lang="es-ES_tradnl" sz="4000" b="1" dirty="0"/>
           </a:p>
         </p:txBody>
       </p:sp>
@@ -6331,7 +6323,7 @@
         </p:blipFill>
         <p:spPr>
           <a:xfrm>
-            <a:off x="5101876" y="1472247"/>
+            <a:off x="5496411" y="705692"/>
             <a:ext cx="3831336" cy="3611880"/>
           </a:xfrm>
         </p:spPr>
@@ -6364,14 +6356,7 @@
               <a:buChar char=""/>
             </a:pPr>
             <a:r>
-              <a:rPr lang="es-ES_tradnl" sz="1800" dirty="0">
-                <a:solidFill>
-                  <a:prstClr val="black">
-                    <a:lumMod val="75000"/>
-                    <a:lumOff val="25000"/>
-                  </a:prstClr>
-                </a:solidFill>
-              </a:rPr>
+              <a:rPr lang="es-ES_tradnl" sz="1800" dirty="0"/>
               <a:t>Catherine Castrillo</a:t>
             </a:r>
           </a:p>
@@ -6384,14 +6369,7 @@
               <a:buChar char=""/>
             </a:pPr>
             <a:r>
-              <a:rPr lang="es-ES_tradnl" sz="1800" dirty="0">
-                <a:solidFill>
-                  <a:prstClr val="black">
-                    <a:lumMod val="75000"/>
-                    <a:lumOff val="25000"/>
-                  </a:prstClr>
-                </a:solidFill>
-              </a:rPr>
+              <a:rPr lang="es-ES_tradnl" sz="1800" dirty="0"/>
               <a:t>Gaspar Rodríguez</a:t>
             </a:r>
           </a:p>
@@ -6404,14 +6382,7 @@
               <a:buChar char=""/>
             </a:pPr>
             <a:r>
-              <a:rPr lang="es-ES_tradnl" sz="1800" dirty="0">
-                <a:solidFill>
-                  <a:prstClr val="black">
-                    <a:lumMod val="75000"/>
-                    <a:lumOff val="25000"/>
-                  </a:prstClr>
-                </a:solidFill>
-              </a:rPr>
+              <a:rPr lang="es-ES_tradnl" sz="1800" dirty="0"/>
               <a:t>Julia Martínez</a:t>
             </a:r>
           </a:p>
@@ -6424,14 +6395,7 @@
               <a:buChar char=""/>
             </a:pPr>
             <a:r>
-              <a:rPr lang="es-ES_tradnl" sz="1800" dirty="0">
-                <a:solidFill>
-                  <a:prstClr val="black">
-                    <a:lumMod val="75000"/>
-                    <a:lumOff val="25000"/>
-                  </a:prstClr>
-                </a:solidFill>
-              </a:rPr>
+              <a:rPr lang="es-ES_tradnl" sz="1800" dirty="0"/>
               <a:t>Nerea Castellanos</a:t>
             </a:r>
           </a:p>
@@ -6444,14 +6408,7 @@
               <a:buChar char=""/>
             </a:pPr>
             <a:r>
-              <a:rPr lang="es-ES_tradnl" sz="1800" dirty="0">
-                <a:solidFill>
-                  <a:prstClr val="black">
-                    <a:lumMod val="75000"/>
-                    <a:lumOff val="25000"/>
-                  </a:prstClr>
-                </a:solidFill>
-              </a:rPr>
+              <a:rPr lang="es-ES_tradnl" sz="1800" dirty="0"/>
               <a:t>Sandra Fraile</a:t>
             </a:r>
           </a:p>
@@ -6464,27 +6421,18 @@
               <a:buChar char=""/>
             </a:pPr>
             <a:r>
-              <a:rPr lang="es-ES_tradnl" sz="1800" dirty="0" err="1">
-                <a:solidFill>
-                  <a:prstClr val="black">
-                    <a:lumMod val="75000"/>
-                    <a:lumOff val="25000"/>
-                  </a:prstClr>
-                </a:solidFill>
-              </a:rPr>
+              <a:rPr lang="es-ES_tradnl" sz="1800" dirty="0" err="1"/>
               <a:t>Stoycho</a:t>
             </a:r>
             <a:r>
-              <a:rPr lang="es-ES_tradnl" sz="1800" dirty="0">
-                <a:solidFill>
-                  <a:prstClr val="black">
-                    <a:lumMod val="75000"/>
-                    <a:lumOff val="25000"/>
-                  </a:prstClr>
-                </a:solidFill>
-              </a:rPr>
-              <a:t> Ivanov</a:t>
-            </a:r>
+              <a:rPr lang="es-ES_tradnl" sz="1800" dirty="0"/>
+              <a:t> </a:t>
+            </a:r>
+            <a:r>
+              <a:rPr lang="es-ES_tradnl" sz="1800" dirty="0" smtClean="0"/>
+              <a:t>Ivanov</a:t>
+            </a:r>
+            <a:endParaRPr lang="es-ES_tradnl" sz="1800" dirty="0"/>
           </a:p>
           <a:p>
             <a:pPr marL="342900" lvl="0" indent="-342900">
@@ -6518,10 +6466,238 @@
   <p:clrMapOvr>
     <a:masterClrMapping/>
   </p:clrMapOvr>
+  <p:timing>
+    <p:tnLst>
+      <p:par>
+        <p:cTn id="1" dur="indefinite" restart="never" nodeType="tmRoot"/>
+      </p:par>
+    </p:tnLst>
+  </p:timing>
 </p:sld>
 </file>
 
 <file path=ppt/slides/slide3.xml><?xml version="1.0" encoding="utf-8"?>
+<p:sld xmlns:a="http://schemas.openxmlformats.org/drawingml/2006/main" xmlns:r="http://schemas.openxmlformats.org/officeDocument/2006/relationships" xmlns:p="http://schemas.openxmlformats.org/presentationml/2006/main">
+  <p:cSld>
+    <p:spTree>
+      <p:nvGrpSpPr>
+        <p:cNvPr id="1" name=""/>
+        <p:cNvGrpSpPr/>
+        <p:nvPr/>
+      </p:nvGrpSpPr>
+      <p:grpSpPr>
+        <a:xfrm>
+          <a:off x="0" y="0"/>
+          <a:ext cx="0" cy="0"/>
+          <a:chOff x="0" y="0"/>
+          <a:chExt cx="0" cy="0"/>
+        </a:xfrm>
+      </p:grpSpPr>
+      <p:sp>
+        <p:nvSpPr>
+          <p:cNvPr id="2" name="Título 1"/>
+          <p:cNvSpPr>
+            <a:spLocks noGrp="1"/>
+          </p:cNvSpPr>
+          <p:nvPr>
+            <p:ph type="title"/>
+          </p:nvPr>
+        </p:nvSpPr>
+        <p:spPr/>
+        <p:txBody>
+          <a:bodyPr/>
+          <a:lstStyle/>
+          <a:p>
+            <a:r>
+              <a:rPr lang="es-ES_tradnl" b="1" dirty="0" smtClean="0"/>
+              <a:t>¿CUÁL ES NUESTRO PRODUCTO? VESPER</a:t>
+            </a:r>
+            <a:endParaRPr lang="es-ES_tradnl" b="1" dirty="0"/>
+          </a:p>
+        </p:txBody>
+      </p:sp>
+      <p:sp>
+        <p:nvSpPr>
+          <p:cNvPr id="3" name="Marcador de contenido 2"/>
+          <p:cNvSpPr>
+            <a:spLocks noGrp="1"/>
+          </p:cNvSpPr>
+          <p:nvPr>
+            <p:ph idx="1"/>
+          </p:nvPr>
+        </p:nvSpPr>
+        <p:spPr/>
+        <p:txBody>
+          <a:bodyPr/>
+          <a:lstStyle/>
+          <a:p>
+            <a:pPr>
+              <a:buClr>
+                <a:srgbClr val="00B0F0"/>
+              </a:buClr>
+              <a:buFont typeface="LucidaGrande" charset="0"/>
+              <a:buChar char="▶"/>
+            </a:pPr>
+            <a:r>
+              <a:rPr lang="es-ES_tradnl" b="1" dirty="0" smtClean="0"/>
+              <a:t>Desarrollador</a:t>
+            </a:r>
+            <a:r>
+              <a:rPr lang="es-ES_tradnl" b="1" dirty="0" smtClean="0"/>
+              <a:t>: </a:t>
+            </a:r>
+            <a:r>
+              <a:rPr lang="es-ES_tradnl" dirty="0" err="1" smtClean="0"/>
+              <a:t>Skyscrapers</a:t>
+            </a:r>
+            <a:endParaRPr lang="es-ES_tradnl" dirty="0" smtClean="0"/>
+          </a:p>
+          <a:p>
+            <a:pPr>
+              <a:buClr>
+                <a:srgbClr val="00B0F0"/>
+              </a:buClr>
+              <a:buFont typeface="LucidaGrande" charset="0"/>
+              <a:buChar char="▶"/>
+            </a:pPr>
+            <a:r>
+              <a:rPr lang="es-ES_tradnl" b="1" dirty="0" smtClean="0"/>
+              <a:t>Género</a:t>
+            </a:r>
+            <a:r>
+              <a:rPr lang="es-ES_tradnl" b="1" dirty="0" smtClean="0"/>
+              <a:t>: </a:t>
+            </a:r>
+            <a:r>
+              <a:rPr lang="es-ES_tradnl" dirty="0" smtClean="0"/>
+              <a:t>Estrategia run and </a:t>
+            </a:r>
+            <a:r>
+              <a:rPr lang="es-ES_tradnl" dirty="0" err="1" smtClean="0"/>
+              <a:t>gun</a:t>
+            </a:r>
+            <a:endParaRPr lang="es-ES_tradnl" dirty="0" smtClean="0"/>
+          </a:p>
+          <a:p>
+            <a:pPr>
+              <a:buClr>
+                <a:srgbClr val="00B0F0"/>
+              </a:buClr>
+              <a:buFont typeface="LucidaGrande" charset="0"/>
+              <a:buChar char="▶"/>
+            </a:pPr>
+            <a:r>
+              <a:rPr lang="es-ES_tradnl" b="1" dirty="0" smtClean="0"/>
+              <a:t>Vista: </a:t>
+            </a:r>
+            <a:r>
+              <a:rPr lang="es-ES_tradnl" dirty="0" smtClean="0"/>
+              <a:t>3ª persona</a:t>
+            </a:r>
+          </a:p>
+          <a:p>
+            <a:pPr>
+              <a:buClr>
+                <a:srgbClr val="00B0F0"/>
+              </a:buClr>
+              <a:buFont typeface="LucidaGrande" charset="0"/>
+              <a:buChar char="▶"/>
+            </a:pPr>
+            <a:r>
+              <a:rPr lang="es-ES_tradnl" b="1" dirty="0" smtClean="0"/>
+              <a:t>Niveles: </a:t>
+            </a:r>
+            <a:r>
+              <a:rPr lang="es-ES_tradnl" dirty="0" smtClean="0"/>
+              <a:t>5</a:t>
+            </a:r>
+          </a:p>
+          <a:p>
+            <a:pPr>
+              <a:buClr>
+                <a:srgbClr val="00B0F0"/>
+              </a:buClr>
+              <a:buFont typeface="LucidaGrande" charset="0"/>
+              <a:buChar char="▶"/>
+            </a:pPr>
+            <a:r>
+              <a:rPr lang="es-ES_tradnl" b="1" dirty="0" smtClean="0"/>
+              <a:t>Público dirigido: </a:t>
+            </a:r>
+            <a:r>
+              <a:rPr lang="es-ES_tradnl" dirty="0" smtClean="0"/>
+              <a:t>+10 años</a:t>
+            </a:r>
+          </a:p>
+          <a:p>
+            <a:pPr>
+              <a:buClr>
+                <a:srgbClr val="00B0F0"/>
+              </a:buClr>
+              <a:buFont typeface="LucidaGrande" charset="0"/>
+              <a:buChar char="▶"/>
+            </a:pPr>
+            <a:r>
+              <a:rPr lang="es-ES_tradnl" b="1" dirty="0"/>
+              <a:t>Fecha de lanzamiento: </a:t>
+            </a:r>
+            <a:r>
+              <a:rPr lang="es-ES_tradnl" dirty="0"/>
+              <a:t>Mayo </a:t>
+            </a:r>
+            <a:r>
+              <a:rPr lang="es-ES_tradnl" dirty="0" smtClean="0"/>
+              <a:t>2017</a:t>
+            </a:r>
+            <a:endParaRPr lang="es-ES_tradnl" b="1" dirty="0" smtClean="0"/>
+          </a:p>
+          <a:p>
+            <a:pPr>
+              <a:buClr>
+                <a:srgbClr val="00B0F0"/>
+              </a:buClr>
+              <a:buFont typeface="LucidaGrande" charset="0"/>
+              <a:buChar char="▶"/>
+            </a:pPr>
+            <a:r>
+              <a:rPr lang="es-ES_tradnl" b="1" dirty="0" smtClean="0"/>
+              <a:t>Objetivo del jugador: </a:t>
+            </a:r>
+            <a:r>
+              <a:rPr lang="es-ES_tradnl" dirty="0" smtClean="0"/>
+              <a:t>rescatar al rehén que han secuestrado los monstruos sin ser destruido, a la vez que va resolviendo los puzles que le va proporcionando el entorno </a:t>
+            </a:r>
+            <a:endParaRPr lang="es-ES_tradnl" dirty="0"/>
+          </a:p>
+          <a:p>
+            <a:endParaRPr lang="es-ES_tradnl" dirty="0" smtClean="0"/>
+          </a:p>
+          <a:p>
+            <a:endParaRPr lang="es-ES_tradnl" dirty="0" smtClean="0"/>
+          </a:p>
+        </p:txBody>
+      </p:sp>
+    </p:spTree>
+    <p:extLst>
+      <p:ext uri="{BB962C8B-B14F-4D97-AF65-F5344CB8AC3E}">
+        <p14:creationId xmlns:p14="http://schemas.microsoft.com/office/powerpoint/2010/main" val="609603486"/>
+      </p:ext>
+    </p:extLst>
+  </p:cSld>
+  <p:clrMapOvr>
+    <a:masterClrMapping/>
+  </p:clrMapOvr>
+  <p:timing>
+    <p:tnLst>
+      <p:par>
+        <p:cTn id="1" dur="indefinite" restart="never" nodeType="tmRoot"/>
+      </p:par>
+    </p:tnLst>
+  </p:timing>
+</p:sld>
+</file>
+
+<file path=ppt/slides/slide4.xml><?xml version="1.0" encoding="utf-8"?>
 <p:sld xmlns:a="http://schemas.openxmlformats.org/drawingml/2006/main" xmlns:r="http://schemas.openxmlformats.org/officeDocument/2006/relationships" xmlns:p="http://schemas.openxmlformats.org/presentationml/2006/main">
   <p:cSld>
     <p:spTree>
@@ -6560,7 +6736,7 @@
         </p:blipFill>
         <p:spPr>
           <a:xfrm>
-            <a:off x="804774" y="2180337"/>
+            <a:off x="804774" y="1942832"/>
             <a:ext cx="5283289" cy="3706187"/>
           </a:xfrm>
           <a:prstGeom prst="rect">
@@ -6578,12 +6754,7 @@
             <p:ph type="title"/>
           </p:nvPr>
         </p:nvSpPr>
-        <p:spPr>
-          <a:xfrm>
-            <a:off x="677334" y="609600"/>
-            <a:ext cx="8596668" cy="1320800"/>
-          </a:xfrm>
-        </p:spPr>
+        <p:spPr/>
         <p:txBody>
           <a:bodyPr anchor="t">
             <a:normAutofit/>
@@ -6591,9 +6762,22 @@
           <a:lstStyle/>
           <a:p>
             <a:r>
-              <a:rPr lang="es-ES_tradnl" dirty="0"/>
-              <a:t>ANTECEDENTES</a:t>
-            </a:r>
+              <a:rPr lang="es-ES_tradnl" b="1" dirty="0" smtClean="0"/>
+              <a:t>ANTECEDENTES – </a:t>
+            </a:r>
+            <a:r>
+              <a:rPr lang="es-ES_tradnl" b="1" dirty="0" err="1" smtClean="0"/>
+              <a:t>Alien</a:t>
+            </a:r>
+            <a:r>
+              <a:rPr lang="es-ES_tradnl" b="1" dirty="0" smtClean="0"/>
+              <a:t> </a:t>
+            </a:r>
+            <a:r>
+              <a:rPr lang="es-ES_tradnl" b="1" dirty="0" err="1" smtClean="0"/>
+              <a:t>syndrome</a:t>
+            </a:r>
+            <a:endParaRPr lang="es-ES_tradnl" b="1" dirty="0"/>
           </a:p>
         </p:txBody>
       </p:sp>
@@ -6609,8 +6793,8 @@
         </p:nvSpPr>
         <p:spPr>
           <a:xfrm>
-            <a:off x="6416039" y="2160589"/>
-            <a:ext cx="3756661" cy="3880773"/>
+            <a:off x="6416039" y="2755075"/>
+            <a:ext cx="3756661" cy="2893943"/>
           </a:xfrm>
         </p:spPr>
         <p:txBody>
@@ -6619,46 +6803,86 @@
           </a:bodyPr>
           <a:lstStyle/>
           <a:p>
-            <a:r>
-              <a:rPr lang="es-ES_tradnl" sz="1600" dirty="0" err="1"/>
-              <a:t>Alien</a:t>
-            </a:r>
-            <a:r>
-              <a:rPr lang="es-ES_tradnl" sz="1600" dirty="0"/>
-              <a:t> </a:t>
-            </a:r>
-            <a:r>
-              <a:rPr lang="es-ES_tradnl" sz="1600" dirty="0" err="1" smtClean="0"/>
-              <a:t>Syndrome</a:t>
-            </a:r>
-            <a:endParaRPr lang="es-ES_tradnl" sz="1600" dirty="0" smtClean="0"/>
-          </a:p>
-          <a:p>
-            <a:pPr lvl="1"/>
-            <a:r>
-              <a:rPr lang="es-ES_tradnl" sz="1400" dirty="0" smtClean="0"/>
-              <a:t>Desarrollador: Sega</a:t>
-            </a:r>
-            <a:endParaRPr lang="es-ES_tradnl" sz="1400" dirty="0" smtClean="0"/>
-          </a:p>
-          <a:p>
-            <a:pPr lvl="1"/>
-            <a:r>
-              <a:rPr lang="es-ES_tradnl" sz="1400" dirty="0"/>
-              <a:t>Fecha de lanzamiento: 1987</a:t>
-            </a:r>
-          </a:p>
-          <a:p>
-            <a:pPr lvl="1"/>
-            <a:r>
-              <a:rPr lang="es-ES_tradnl" sz="1400" dirty="0" smtClean="0"/>
+            <a:pPr>
+              <a:buClr>
+                <a:srgbClr val="00B0F0"/>
+              </a:buClr>
+              <a:buFont typeface="LucidaGrande" charset="0"/>
+              <a:buChar char="▶"/>
+            </a:pPr>
+            <a:r>
+              <a:rPr lang="es-ES_tradnl" dirty="0" smtClean="0"/>
+              <a:t>Desarrollador</a:t>
+            </a:r>
+            <a:r>
+              <a:rPr lang="es-ES_tradnl" dirty="0" smtClean="0"/>
+              <a:t>: Sega</a:t>
+            </a:r>
+          </a:p>
+          <a:p>
+            <a:pPr>
+              <a:buClr>
+                <a:srgbClr val="00B0F0"/>
+              </a:buClr>
+              <a:buFont typeface="LucidaGrande" charset="0"/>
+              <a:buChar char="▶"/>
+            </a:pPr>
+            <a:r>
+              <a:rPr lang="es-ES_tradnl" dirty="0" smtClean="0"/>
+              <a:t>Fecha </a:t>
+            </a:r>
+            <a:r>
+              <a:rPr lang="es-ES_tradnl" dirty="0"/>
+              <a:t>de lanzamiento: 1987</a:t>
+            </a:r>
+          </a:p>
+          <a:p>
+            <a:pPr>
+              <a:buClr>
+                <a:srgbClr val="00B0F0"/>
+              </a:buClr>
+              <a:buFont typeface="LucidaGrande" charset="0"/>
+              <a:buChar char="▶"/>
+            </a:pPr>
+            <a:r>
+              <a:rPr lang="es-ES_tradnl" dirty="0" smtClean="0"/>
               <a:t>Género: Run and </a:t>
             </a:r>
             <a:r>
-              <a:rPr lang="es-ES_tradnl" sz="1400" dirty="0" err="1" smtClean="0"/>
+              <a:rPr lang="es-ES_tradnl" dirty="0" err="1" smtClean="0"/>
               <a:t>gun</a:t>
             </a:r>
-            <a:endParaRPr lang="es-ES_tradnl" sz="1400" dirty="0"/>
+            <a:endParaRPr lang="es-ES_tradnl" dirty="0" smtClean="0"/>
+          </a:p>
+          <a:p>
+            <a:pPr>
+              <a:buClr>
+                <a:srgbClr val="00B0F0"/>
+              </a:buClr>
+              <a:buFont typeface="LucidaGrande" charset="0"/>
+              <a:buChar char="▶"/>
+            </a:pPr>
+            <a:endParaRPr lang="es-ES_tradnl" dirty="0" smtClean="0"/>
+          </a:p>
+          <a:p>
+            <a:pPr>
+              <a:buClr>
+                <a:srgbClr val="00B0F0"/>
+              </a:buClr>
+              <a:buFont typeface="LucidaGrande" charset="0"/>
+              <a:buChar char="▶"/>
+            </a:pPr>
+            <a:endParaRPr lang="es-ES_tradnl" dirty="0" smtClean="0"/>
+          </a:p>
+          <a:p>
+            <a:pPr>
+              <a:buClr>
+                <a:srgbClr val="00B0F0"/>
+              </a:buClr>
+              <a:buFont typeface="LucidaGrande" charset="0"/>
+              <a:buChar char="▶"/>
+            </a:pPr>
+            <a:endParaRPr lang="es-ES_tradnl" dirty="0"/>
           </a:p>
         </p:txBody>
       </p:sp>
@@ -6672,10 +6896,17 @@
   <p:clrMapOvr>
     <a:masterClrMapping/>
   </p:clrMapOvr>
+  <p:timing>
+    <p:tnLst>
+      <p:par>
+        <p:cTn id="1" dur="indefinite" restart="never" nodeType="tmRoot"/>
+      </p:par>
+    </p:tnLst>
+  </p:timing>
 </p:sld>
 </file>
 
-<file path=ppt/slides/slide4.xml><?xml version="1.0" encoding="utf-8"?>
+<file path=ppt/slides/slide5.xml><?xml version="1.0" encoding="utf-8"?>
 <p:sld xmlns:a="http://schemas.openxmlformats.org/drawingml/2006/main" xmlns:r="http://schemas.openxmlformats.org/officeDocument/2006/relationships" xmlns:p="http://schemas.openxmlformats.org/presentationml/2006/main">
   <p:cSld>
     <p:spTree>
@@ -6702,14 +6933,19 @@
             <p:ph type="title"/>
           </p:nvPr>
         </p:nvSpPr>
-        <p:spPr/>
+        <p:spPr>
+          <a:xfrm>
+            <a:off x="685801" y="609600"/>
+            <a:ext cx="10916391" cy="1456267"/>
+          </a:xfrm>
+        </p:spPr>
         <p:txBody>
           <a:bodyPr/>
           <a:lstStyle/>
           <a:p>
             <a:r>
               <a:rPr lang="es-ES_tradnl" dirty="0" smtClean="0"/>
-              <a:t>VESPER</a:t>
+              <a:t>¿POR QUÉ VESPER SE DIFERENCIA DEL ALIEN SYNDROME?</a:t>
             </a:r>
             <a:endParaRPr lang="es-ES_tradnl" dirty="0"/>
           </a:p>
@@ -6725,57 +6961,81 @@
             <p:ph idx="1"/>
           </p:nvPr>
         </p:nvSpPr>
-        <p:spPr/>
+        <p:spPr>
+          <a:xfrm>
+            <a:off x="685801" y="2142068"/>
+            <a:ext cx="10131425" cy="2548686"/>
+          </a:xfrm>
+        </p:spPr>
         <p:txBody>
           <a:bodyPr/>
           <a:lstStyle/>
           <a:p>
+            <a:pPr>
+              <a:buClr>
+                <a:srgbClr val="00B0F0"/>
+              </a:buClr>
+              <a:buFont typeface="LucidaGrande" charset="0"/>
+              <a:buChar char="▶"/>
+            </a:pPr>
             <a:r>
               <a:rPr lang="es-ES_tradnl" dirty="0" smtClean="0"/>
-              <a:t>Desarrollador: </a:t>
-            </a:r>
-            <a:r>
-              <a:rPr lang="es-ES_tradnl" dirty="0" err="1" smtClean="0"/>
-              <a:t>Skyscrapers</a:t>
-            </a:r>
-            <a:endParaRPr lang="es-ES_tradnl" dirty="0" smtClean="0"/>
-          </a:p>
-          <a:p>
+              <a:t>Juego en 3D</a:t>
+            </a:r>
+          </a:p>
+          <a:p>
+            <a:pPr>
+              <a:buClr>
+                <a:srgbClr val="00B0F0"/>
+              </a:buClr>
+              <a:buFont typeface="LucidaGrande" charset="0"/>
+              <a:buChar char="▶"/>
+            </a:pPr>
             <a:r>
               <a:rPr lang="es-ES_tradnl" dirty="0" smtClean="0"/>
-              <a:t>Fecha de lanzamiento: Mayo 2017</a:t>
-            </a:r>
-          </a:p>
-          <a:p>
+              <a:t>Podemos cambiar de jugador, cada uno tiene unas habilidades especiales</a:t>
+            </a:r>
+          </a:p>
+          <a:p>
+            <a:pPr>
+              <a:buClr>
+                <a:srgbClr val="00B0F0"/>
+              </a:buClr>
+              <a:buFont typeface="LucidaGrande" charset="0"/>
+              <a:buChar char="▶"/>
+            </a:pPr>
             <a:r>
               <a:rPr lang="es-ES_tradnl" dirty="0" smtClean="0"/>
-              <a:t>Género: Estrategia run and </a:t>
-            </a:r>
-            <a:r>
-              <a:rPr lang="es-ES_tradnl" dirty="0" err="1" smtClean="0"/>
-              <a:t>gun</a:t>
-            </a:r>
-            <a:endParaRPr lang="es-ES_tradnl" dirty="0" smtClean="0"/>
+              <a:t>Los enemigos tienen una IA más compleja</a:t>
+            </a:r>
+            <a:endParaRPr lang="es-ES_tradnl" dirty="0"/>
           </a:p>
         </p:txBody>
       </p:sp>
     </p:spTree>
     <p:extLst>
       <p:ext uri="{BB962C8B-B14F-4D97-AF65-F5344CB8AC3E}">
-        <p14:creationId xmlns:p14="http://schemas.microsoft.com/office/powerpoint/2010/main" val="609603486"/>
+        <p14:creationId xmlns:p14="http://schemas.microsoft.com/office/powerpoint/2010/main" val="1901112810"/>
       </p:ext>
     </p:extLst>
   </p:cSld>
   <p:clrMapOvr>
     <a:masterClrMapping/>
   </p:clrMapOvr>
+  <p:timing>
+    <p:tnLst>
+      <p:par>
+        <p:cTn id="1" dur="indefinite" restart="never" nodeType="tmRoot"/>
+      </p:par>
+    </p:tnLst>
+  </p:timing>
 </p:sld>
 </file>
 
 <file path=ppt/theme/theme1.xml><?xml version="1.0" encoding="utf-8"?>
-<a:theme xmlns:a="http://schemas.openxmlformats.org/drawingml/2006/main" name="Faceta">
+<a:theme xmlns:a="http://schemas.openxmlformats.org/drawingml/2006/main" name="Celestial">
   <a:themeElements>
-    <a:clrScheme name="Faceta">
+    <a:clrScheme name="Celestial">
       <a:dk1>
         <a:sysClr val="windowText" lastClr="000000"/>
       </a:dk1>
@@ -6783,52 +7043,52 @@
         <a:sysClr val="window" lastClr="FFFFFF"/>
       </a:lt1>
       <a:dk2>
-        <a:srgbClr val="2C3C43"/>
+        <a:srgbClr val="18276C"/>
       </a:dk2>
       <a:lt2>
         <a:srgbClr val="EBEBEB"/>
       </a:lt2>
       <a:accent1>
-        <a:srgbClr val="5FCBEF"/>
+        <a:srgbClr val="AC3EC1"/>
       </a:accent1>
       <a:accent2>
-        <a:srgbClr val="2E83C3"/>
+        <a:srgbClr val="477BD1"/>
       </a:accent2>
       <a:accent3>
-        <a:srgbClr val="42D0A2"/>
+        <a:srgbClr val="46B298"/>
       </a:accent3>
       <a:accent4>
-        <a:srgbClr val="2E946B"/>
+        <a:srgbClr val="90BA4C"/>
       </a:accent4>
       <a:accent5>
-        <a:srgbClr val="42B051"/>
+        <a:srgbClr val="DD9D31"/>
       </a:accent5>
       <a:accent6>
-        <a:srgbClr val="96D141"/>
+        <a:srgbClr val="E25247"/>
       </a:accent6>
       <a:hlink>
-        <a:srgbClr val="3FCDE7"/>
+        <a:srgbClr val="C573D2"/>
       </a:hlink>
       <a:folHlink>
-        <a:srgbClr val="A9D3E1"/>
+        <a:srgbClr val="CCAEE8"/>
       </a:folHlink>
     </a:clrScheme>
-    <a:fontScheme name="Faceta">
+    <a:fontScheme name="Celestial">
       <a:majorFont>
-        <a:latin typeface="Trebuchet MS" panose="020B0603020202020204"/>
+        <a:latin typeface="Calibri Light" panose="020F0302020204030204"/>
         <a:ea typeface=""/>
         <a:cs typeface=""/>
-        <a:font script="Jpan" typeface="メイリオ"/>
+        <a:font script="Jpan" typeface="ＭＳ Ｐゴシック"/>
         <a:font script="Hang" typeface="맑은 고딕"/>
-        <a:font script="Hans" typeface="方正姚体"/>
-        <a:font script="Hant" typeface="微軟正黑體"/>
-        <a:font script="Arab" typeface="Tahoma"/>
-        <a:font script="Hebr" typeface="Arial"/>
-        <a:font script="Thai" typeface="Cordia New"/>
+        <a:font script="Hans" typeface="宋体"/>
+        <a:font script="Hant" typeface="新細明體"/>
+        <a:font script="Arab" typeface="Times New Roman"/>
+        <a:font script="Hebr" typeface="Times New Roman"/>
+        <a:font script="Thai" typeface="Angsana New"/>
         <a:font script="Ethi" typeface="Nyala"/>
         <a:font script="Beng" typeface="Vrinda"/>
         <a:font script="Gujr" typeface="Shruti"/>
-        <a:font script="Khmr" typeface="DaunPenh"/>
+        <a:font script="Khmr" typeface="MoolBoran"/>
         <a:font script="Knda" typeface="Tunga"/>
         <a:font script="Guru" typeface="Raavi"/>
         <a:font script="Cans" typeface="Euphemia"/>
@@ -6845,21 +7105,21 @@
         <a:font script="Laoo" typeface="DokChampa"/>
         <a:font script="Sinh" typeface="Iskoola Pota"/>
         <a:font script="Mong" typeface="Mongolian Baiti"/>
-        <a:font script="Viet" typeface="Tahoma"/>
+        <a:font script="Viet" typeface="Times New Roman"/>
         <a:font script="Uigh" typeface="Microsoft Uighur"/>
         <a:font script="Geor" typeface="Sylfaen"/>
       </a:majorFont>
       <a:minorFont>
-        <a:latin typeface="Trebuchet MS" panose="020B0603020202020204"/>
+        <a:latin typeface="Calibri" panose="020F0502020204030204"/>
         <a:ea typeface=""/>
         <a:cs typeface=""/>
-        <a:font script="Jpan" typeface="メイリオ"/>
-        <a:font script="Hang" typeface="HY그래픽M"/>
-        <a:font script="Hans" typeface="华文新魏"/>
-        <a:font script="Hant" typeface="微軟正黑體"/>
-        <a:font script="Arab" typeface="Tahoma"/>
-        <a:font script="Hebr" typeface="Gisha"/>
-        <a:font script="Thai" typeface="IrisUPC"/>
+        <a:font script="Jpan" typeface="ＭＳ Ｐゴシック"/>
+        <a:font script="Hang" typeface="맑은 고딕"/>
+        <a:font script="Hans" typeface="宋体"/>
+        <a:font script="Hant" typeface="新細明體"/>
+        <a:font script="Arab" typeface="Arial"/>
+        <a:font script="Hebr" typeface="Arial"/>
+        <a:font script="Thai" typeface="Cordia New"/>
         <a:font script="Ethi" typeface="Nyala"/>
         <a:font script="Beng" typeface="Vrinda"/>
         <a:font script="Gujr" typeface="Shruti"/>
@@ -6885,7 +7145,7 @@
         <a:font script="Geor" typeface="Sylfaen"/>
       </a:minorFont>
     </a:fontScheme>
-    <a:fmtScheme name="Faceta">
+    <a:fmtScheme name="Celestial">
       <a:fillStyleLst>
         <a:solidFill>
           <a:schemeClr val="phClr"/>
@@ -6894,13 +7154,14 @@
           <a:gsLst>
             <a:gs pos="0">
               <a:schemeClr val="phClr">
-                <a:tint val="65000"/>
+                <a:tint val="70000"/>
                 <a:lumMod val="110000"/>
               </a:schemeClr>
             </a:gs>
-            <a:gs pos="88000">
+            <a:gs pos="100000">
               <a:schemeClr val="phClr">
-                <a:tint val="90000"/>
+                <a:tint val="82000"/>
+                <a:alpha val="74000"/>
               </a:schemeClr>
             </a:gs>
           </a:gsLst>
@@ -6910,22 +7171,22 @@
           <a:gsLst>
             <a:gs pos="0">
               <a:schemeClr val="phClr">
-                <a:tint val="96000"/>
+                <a:tint val="98000"/>
                 <a:lumMod val="100000"/>
               </a:schemeClr>
             </a:gs>
-            <a:gs pos="78000">
+            <a:gs pos="100000">
               <a:schemeClr val="phClr">
-                <a:shade val="94000"/>
-                <a:lumMod val="94000"/>
+                <a:shade val="88000"/>
+                <a:lumMod val="88000"/>
               </a:schemeClr>
             </a:gs>
           </a:gsLst>
-          <a:lin ang="5400000" scaled="0"/>
+          <a:lin ang="5400000" scaled="1"/>
         </a:gradFill>
       </a:fillStyleLst>
       <a:lnStyleLst>
-        <a:ln w="12700" cap="rnd" cmpd="sng" algn="ctr">
+        <a:ln w="9525" cap="rnd" cmpd="sng" algn="ctr">
           <a:solidFill>
             <a:schemeClr val="phClr"/>
           </a:solidFill>
@@ -6950,7 +7211,7 @@
         </a:effectStyle>
         <a:effectStyle>
           <a:effectLst>
-            <a:outerShdw blurRad="38100" dist="25400" dir="5400000" rotWithShape="0">
+            <a:outerShdw blurRad="50800" dist="38100" dir="5400000" rotWithShape="0">
               <a:srgbClr val="000000">
                 <a:alpha val="35000"/>
               </a:srgbClr>
@@ -6959,9 +7220,9 @@
         </a:effectStyle>
         <a:effectStyle>
           <a:effectLst>
-            <a:outerShdw blurRad="50800" dist="38100" dir="5400000" rotWithShape="0">
+            <a:outerShdw blurRad="63500" dist="38100" dir="5400000" rotWithShape="0">
               <a:srgbClr val="000000">
-                <a:alpha val="35000"/>
+                <a:alpha val="65000"/>
               </a:srgbClr>
             </a:outerShdw>
           </a:effectLst>
@@ -6969,10 +7230,12 @@
             <a:camera prst="orthographicFront">
               <a:rot lat="0" lon="0" rev="0"/>
             </a:camera>
-            <a:lightRig rig="threePt" dir="tl"/>
+            <a:lightRig rig="threePt" dir="tl">
+              <a:rot lat="0" lon="0" rev="1200000"/>
+            </a:lightRig>
           </a:scene3d>
-          <a:sp3d prstMaterial="plastic">
-            <a:bevelT w="0" h="0"/>
+          <a:sp3d>
+            <a:bevelT w="38100" h="12700"/>
           </a:sp3d>
         </a:effectStyle>
       </a:effectStyleLst>
@@ -6985,37 +7248,26 @@
             <a:gs pos="0">
               <a:schemeClr val="phClr">
                 <a:tint val="90000"/>
-                <a:lumMod val="104000"/>
-              </a:schemeClr>
-            </a:gs>
-            <a:gs pos="94000">
-              <a:schemeClr val="phClr">
                 <a:shade val="96000"/>
-                <a:lumMod val="82000"/>
-              </a:schemeClr>
-            </a:gs>
-          </a:gsLst>
-          <a:lin ang="5400000" scaled="0"/>
-        </a:gradFill>
-        <a:gradFill rotWithShape="1">
-          <a:gsLst>
-            <a:gs pos="0">
-              <a:schemeClr val="phClr">
-                <a:tint val="90000"/>
+                <a:hueMod val="100000"/>
+                <a:satMod val="180000"/>
                 <a:lumMod val="110000"/>
               </a:schemeClr>
             </a:gs>
             <a:gs pos="100000">
               <a:schemeClr val="phClr">
-                <a:shade val="94000"/>
-                <a:lumMod val="96000"/>
+                <a:shade val="96000"/>
+                <a:satMod val="160000"/>
+                <a:lumMod val="100000"/>
               </a:schemeClr>
             </a:gs>
           </a:gsLst>
-          <a:path path="circle">
-            <a:fillToRect l="50000" t="50000" r="100000" b="100000"/>
-          </a:path>
+          <a:lin ang="4740000" scaled="1"/>
         </a:gradFill>
+        <a:blipFill>
+          <a:blip xmlns:r="http://schemas.openxmlformats.org/officeDocument/2006/relationships" r:embed="rId1"/>
+          <a:stretch/>
+        </a:blipFill>
       </a:bgFillStyleLst>
     </a:fmtScheme>
   </a:themeElements>
@@ -7023,7 +7275,7 @@
   <a:extraClrSchemeLst/>
   <a:extLst>
     <a:ext uri="{05A4C25C-085E-4340-85A3-A5531E510DB2}">
-      <thm15:themeFamily xmlns:thm15="http://schemas.microsoft.com/office/thememl/2012/main" name="Facet" id="{C0C680CD-088A-49FC-A102-D699147F32B2}" vid="{0B5AB586-D108-4FC1-8368-649FE654B894}"/>
+      <thm15:themeFamily xmlns:thm15="http://schemas.microsoft.com/office/thememl/2012/main" name="Celestial" id="{C4BB2A3D-0E93-4C5F-B0D2-9D3FCE089CC5}" vid="{42E5908D-19A2-46FD-89FA-638B126129EF}"/>
     </a:ext>
   </a:extLst>
 </a:theme>
